--- a/Documentation/ETLautomationPresentation.pptx
+++ b/Documentation/ETLautomationPresentation.pptx
@@ -4,19 +4,26 @@
   <p:sldMasterIdLst>
     <p:sldMasterId id="2147483648" r:id="rId1"/>
   </p:sldMasterIdLst>
+  <p:notesMasterIdLst>
+    <p:notesMasterId r:id="rId18"/>
+  </p:notesMasterIdLst>
   <p:sldIdLst>
     <p:sldId id="256" r:id="rId2"/>
     <p:sldId id="257" r:id="rId3"/>
     <p:sldId id="259" r:id="rId4"/>
     <p:sldId id="261" r:id="rId5"/>
-    <p:sldId id="262" r:id="rId6"/>
-    <p:sldId id="273" r:id="rId7"/>
-    <p:sldId id="263" r:id="rId8"/>
-    <p:sldId id="274" r:id="rId9"/>
-    <p:sldId id="275" r:id="rId10"/>
-    <p:sldId id="276" r:id="rId11"/>
-    <p:sldId id="268" r:id="rId12"/>
-    <p:sldId id="272" r:id="rId13"/>
+    <p:sldId id="277" r:id="rId6"/>
+    <p:sldId id="279" r:id="rId7"/>
+    <p:sldId id="278" r:id="rId8"/>
+    <p:sldId id="273" r:id="rId9"/>
+    <p:sldId id="263" r:id="rId10"/>
+    <p:sldId id="274" r:id="rId11"/>
+    <p:sldId id="275" r:id="rId12"/>
+    <p:sldId id="276" r:id="rId13"/>
+    <p:sldId id="280" r:id="rId14"/>
+    <p:sldId id="281" r:id="rId15"/>
+    <p:sldId id="282" r:id="rId16"/>
+    <p:sldId id="272" r:id="rId17"/>
   </p:sldIdLst>
   <p:sldSz cx="12192000" cy="6858000"/>
   <p:notesSz cx="12192000" cy="6858000"/>
@@ -44,6 +51,552 @@
 </p:presentation>
 </file>
 
+<file path=ppt/notesMasters/notesMaster1.xml><?xml version="1.0" encoding="utf-8"?>
+<p:notesMaster xmlns:a="http://schemas.openxmlformats.org/drawingml/2006/main" xmlns:r="http://schemas.openxmlformats.org/officeDocument/2006/relationships" xmlns:p="http://schemas.openxmlformats.org/presentationml/2006/main">
+  <p:cSld>
+    <p:bg>
+      <p:bgRef idx="1001">
+        <a:schemeClr val="bg1"/>
+      </p:bgRef>
+    </p:bg>
+    <p:spTree>
+      <p:nvGrpSpPr>
+        <p:cNvPr id="1" name=""/>
+        <p:cNvGrpSpPr/>
+        <p:nvPr/>
+      </p:nvGrpSpPr>
+      <p:grpSpPr>
+        <a:xfrm>
+          <a:off x="0" y="0"/>
+          <a:ext cx="0" cy="0"/>
+          <a:chOff x="0" y="0"/>
+          <a:chExt cx="0" cy="0"/>
+        </a:xfrm>
+      </p:grpSpPr>
+      <p:sp>
+        <p:nvSpPr>
+          <p:cNvPr id="2" name="Header Placeholder 1"/>
+          <p:cNvSpPr>
+            <a:spLocks noGrp="1"/>
+          </p:cNvSpPr>
+          <p:nvPr>
+            <p:ph type="hdr" sz="quarter"/>
+          </p:nvPr>
+        </p:nvSpPr>
+        <p:spPr>
+          <a:xfrm>
+            <a:off x="0" y="0"/>
+            <a:ext cx="5283200" cy="344488"/>
+          </a:xfrm>
+          <a:prstGeom prst="rect">
+            <a:avLst/>
+          </a:prstGeom>
+        </p:spPr>
+        <p:txBody>
+          <a:bodyPr vert="horz" lIns="91440" tIns="45720" rIns="91440" bIns="45720" rtlCol="0"/>
+          <a:lstStyle>
+            <a:lvl1pPr algn="l">
+              <a:defRPr sz="1200"/>
+            </a:lvl1pPr>
+          </a:lstStyle>
+          <a:p>
+            <a:endParaRPr lang="en-US"/>
+          </a:p>
+        </p:txBody>
+      </p:sp>
+      <p:sp>
+        <p:nvSpPr>
+          <p:cNvPr id="3" name="Date Placeholder 2"/>
+          <p:cNvSpPr>
+            <a:spLocks noGrp="1"/>
+          </p:cNvSpPr>
+          <p:nvPr>
+            <p:ph type="dt" idx="1"/>
+          </p:nvPr>
+        </p:nvSpPr>
+        <p:spPr>
+          <a:xfrm>
+            <a:off x="6905625" y="0"/>
+            <a:ext cx="5283200" cy="344488"/>
+          </a:xfrm>
+          <a:prstGeom prst="rect">
+            <a:avLst/>
+          </a:prstGeom>
+        </p:spPr>
+        <p:txBody>
+          <a:bodyPr vert="horz" lIns="91440" tIns="45720" rIns="91440" bIns="45720" rtlCol="0"/>
+          <a:lstStyle>
+            <a:lvl1pPr algn="r">
+              <a:defRPr sz="1200"/>
+            </a:lvl1pPr>
+          </a:lstStyle>
+          <a:p>
+            <a:fld id="{567E040F-DAE9-4947-B295-29AA6E00BB71}" type="datetimeFigureOut">
+              <a:rPr lang="en-US" smtClean="0"/>
+              <a:t>5/25/2025</a:t>
+            </a:fld>
+            <a:endParaRPr lang="en-US"/>
+          </a:p>
+        </p:txBody>
+      </p:sp>
+      <p:sp>
+        <p:nvSpPr>
+          <p:cNvPr id="4" name="Slide Image Placeholder 3"/>
+          <p:cNvSpPr>
+            <a:spLocks noGrp="1" noRot="1" noChangeAspect="1"/>
+          </p:cNvSpPr>
+          <p:nvPr>
+            <p:ph type="sldImg" idx="2"/>
+          </p:nvPr>
+        </p:nvSpPr>
+        <p:spPr>
+          <a:xfrm>
+            <a:off x="4038600" y="857250"/>
+            <a:ext cx="4114800" cy="2314575"/>
+          </a:xfrm>
+          <a:prstGeom prst="rect">
+            <a:avLst/>
+          </a:prstGeom>
+          <a:noFill/>
+          <a:ln w="12700">
+            <a:solidFill>
+              <a:prstClr val="black"/>
+            </a:solidFill>
+          </a:ln>
+        </p:spPr>
+        <p:txBody>
+          <a:bodyPr vert="horz" lIns="91440" tIns="45720" rIns="91440" bIns="45720" rtlCol="0" anchor="ctr"/>
+          <a:lstStyle/>
+          <a:p>
+            <a:endParaRPr lang="en-US"/>
+          </a:p>
+        </p:txBody>
+      </p:sp>
+      <p:sp>
+        <p:nvSpPr>
+          <p:cNvPr id="5" name="Notes Placeholder 4"/>
+          <p:cNvSpPr>
+            <a:spLocks noGrp="1"/>
+          </p:cNvSpPr>
+          <p:nvPr>
+            <p:ph type="body" sz="quarter" idx="3"/>
+          </p:nvPr>
+        </p:nvSpPr>
+        <p:spPr>
+          <a:xfrm>
+            <a:off x="1219200" y="3300413"/>
+            <a:ext cx="9753600" cy="2700337"/>
+          </a:xfrm>
+          <a:prstGeom prst="rect">
+            <a:avLst/>
+          </a:prstGeom>
+        </p:spPr>
+        <p:txBody>
+          <a:bodyPr vert="horz" lIns="91440" tIns="45720" rIns="91440" bIns="45720" rtlCol="0"/>
+          <a:lstStyle/>
+          <a:p>
+            <a:pPr lvl="0"/>
+            <a:r>
+              <a:rPr lang="en-US" smtClean="0"/>
+              <a:t>Edit Master text styles</a:t>
+            </a:r>
+          </a:p>
+          <a:p>
+            <a:pPr lvl="1"/>
+            <a:r>
+              <a:rPr lang="en-US" smtClean="0"/>
+              <a:t>Second level</a:t>
+            </a:r>
+          </a:p>
+          <a:p>
+            <a:pPr lvl="2"/>
+            <a:r>
+              <a:rPr lang="en-US" smtClean="0"/>
+              <a:t>Third level</a:t>
+            </a:r>
+          </a:p>
+          <a:p>
+            <a:pPr lvl="3"/>
+            <a:r>
+              <a:rPr lang="en-US" smtClean="0"/>
+              <a:t>Fourth level</a:t>
+            </a:r>
+          </a:p>
+          <a:p>
+            <a:pPr lvl="4"/>
+            <a:r>
+              <a:rPr lang="en-US" smtClean="0"/>
+              <a:t>Fifth level</a:t>
+            </a:r>
+            <a:endParaRPr lang="en-US"/>
+          </a:p>
+        </p:txBody>
+      </p:sp>
+      <p:sp>
+        <p:nvSpPr>
+          <p:cNvPr id="6" name="Footer Placeholder 5"/>
+          <p:cNvSpPr>
+            <a:spLocks noGrp="1"/>
+          </p:cNvSpPr>
+          <p:nvPr>
+            <p:ph type="ftr" sz="quarter" idx="4"/>
+          </p:nvPr>
+        </p:nvSpPr>
+        <p:spPr>
+          <a:xfrm>
+            <a:off x="0" y="6513513"/>
+            <a:ext cx="5283200" cy="344487"/>
+          </a:xfrm>
+          <a:prstGeom prst="rect">
+            <a:avLst/>
+          </a:prstGeom>
+        </p:spPr>
+        <p:txBody>
+          <a:bodyPr vert="horz" lIns="91440" tIns="45720" rIns="91440" bIns="45720" rtlCol="0" anchor="b"/>
+          <a:lstStyle>
+            <a:lvl1pPr algn="l">
+              <a:defRPr sz="1200"/>
+            </a:lvl1pPr>
+          </a:lstStyle>
+          <a:p>
+            <a:endParaRPr lang="en-US"/>
+          </a:p>
+        </p:txBody>
+      </p:sp>
+      <p:sp>
+        <p:nvSpPr>
+          <p:cNvPr id="7" name="Slide Number Placeholder 6"/>
+          <p:cNvSpPr>
+            <a:spLocks noGrp="1"/>
+          </p:cNvSpPr>
+          <p:nvPr>
+            <p:ph type="sldNum" sz="quarter" idx="5"/>
+          </p:nvPr>
+        </p:nvSpPr>
+        <p:spPr>
+          <a:xfrm>
+            <a:off x="6905625" y="6513513"/>
+            <a:ext cx="5283200" cy="344487"/>
+          </a:xfrm>
+          <a:prstGeom prst="rect">
+            <a:avLst/>
+          </a:prstGeom>
+        </p:spPr>
+        <p:txBody>
+          <a:bodyPr vert="horz" lIns="91440" tIns="45720" rIns="91440" bIns="45720" rtlCol="0" anchor="b"/>
+          <a:lstStyle>
+            <a:lvl1pPr algn="r">
+              <a:defRPr sz="1200"/>
+            </a:lvl1pPr>
+          </a:lstStyle>
+          <a:p>
+            <a:fld id="{6FBC44AD-524C-4659-B233-B8043C2A7282}" type="slidenum">
+              <a:rPr lang="en-US" smtClean="0"/>
+              <a:t>‹#›</a:t>
+            </a:fld>
+            <a:endParaRPr lang="en-US"/>
+          </a:p>
+        </p:txBody>
+      </p:sp>
+    </p:spTree>
+    <p:extLst>
+      <p:ext uri="{BB962C8B-B14F-4D97-AF65-F5344CB8AC3E}">
+        <p14:creationId xmlns:p14="http://schemas.microsoft.com/office/powerpoint/2010/main" val="1412275395"/>
+      </p:ext>
+    </p:extLst>
+  </p:cSld>
+  <p:clrMap bg1="lt1" tx1="dk1" bg2="lt2" tx2="dk2" accent1="accent1" accent2="accent2" accent3="accent3" accent4="accent4" accent5="accent5" accent6="accent6" hlink="hlink" folHlink="folHlink"/>
+  <p:notesStyle>
+    <a:lvl1pPr marL="0" algn="l" defTabSz="914400" rtl="0" eaLnBrk="1" latinLnBrk="0" hangingPunct="1">
+      <a:defRPr sz="1200" kern="1200">
+        <a:solidFill>
+          <a:schemeClr val="tx1"/>
+        </a:solidFill>
+        <a:latin typeface="+mn-lt"/>
+        <a:ea typeface="+mn-ea"/>
+        <a:cs typeface="+mn-cs"/>
+      </a:defRPr>
+    </a:lvl1pPr>
+    <a:lvl2pPr marL="457200" algn="l" defTabSz="914400" rtl="0" eaLnBrk="1" latinLnBrk="0" hangingPunct="1">
+      <a:defRPr sz="1200" kern="1200">
+        <a:solidFill>
+          <a:schemeClr val="tx1"/>
+        </a:solidFill>
+        <a:latin typeface="+mn-lt"/>
+        <a:ea typeface="+mn-ea"/>
+        <a:cs typeface="+mn-cs"/>
+      </a:defRPr>
+    </a:lvl2pPr>
+    <a:lvl3pPr marL="914400" algn="l" defTabSz="914400" rtl="0" eaLnBrk="1" latinLnBrk="0" hangingPunct="1">
+      <a:defRPr sz="1200" kern="1200">
+        <a:solidFill>
+          <a:schemeClr val="tx1"/>
+        </a:solidFill>
+        <a:latin typeface="+mn-lt"/>
+        <a:ea typeface="+mn-ea"/>
+        <a:cs typeface="+mn-cs"/>
+      </a:defRPr>
+    </a:lvl3pPr>
+    <a:lvl4pPr marL="1371600" algn="l" defTabSz="914400" rtl="0" eaLnBrk="1" latinLnBrk="0" hangingPunct="1">
+      <a:defRPr sz="1200" kern="1200">
+        <a:solidFill>
+          <a:schemeClr val="tx1"/>
+        </a:solidFill>
+        <a:latin typeface="+mn-lt"/>
+        <a:ea typeface="+mn-ea"/>
+        <a:cs typeface="+mn-cs"/>
+      </a:defRPr>
+    </a:lvl4pPr>
+    <a:lvl5pPr marL="1828800" algn="l" defTabSz="914400" rtl="0" eaLnBrk="1" latinLnBrk="0" hangingPunct="1">
+      <a:defRPr sz="1200" kern="1200">
+        <a:solidFill>
+          <a:schemeClr val="tx1"/>
+        </a:solidFill>
+        <a:latin typeface="+mn-lt"/>
+        <a:ea typeface="+mn-ea"/>
+        <a:cs typeface="+mn-cs"/>
+      </a:defRPr>
+    </a:lvl5pPr>
+    <a:lvl6pPr marL="2286000" algn="l" defTabSz="914400" rtl="0" eaLnBrk="1" latinLnBrk="0" hangingPunct="1">
+      <a:defRPr sz="1200" kern="1200">
+        <a:solidFill>
+          <a:schemeClr val="tx1"/>
+        </a:solidFill>
+        <a:latin typeface="+mn-lt"/>
+        <a:ea typeface="+mn-ea"/>
+        <a:cs typeface="+mn-cs"/>
+      </a:defRPr>
+    </a:lvl6pPr>
+    <a:lvl7pPr marL="2743200" algn="l" defTabSz="914400" rtl="0" eaLnBrk="1" latinLnBrk="0" hangingPunct="1">
+      <a:defRPr sz="1200" kern="1200">
+        <a:solidFill>
+          <a:schemeClr val="tx1"/>
+        </a:solidFill>
+        <a:latin typeface="+mn-lt"/>
+        <a:ea typeface="+mn-ea"/>
+        <a:cs typeface="+mn-cs"/>
+      </a:defRPr>
+    </a:lvl7pPr>
+    <a:lvl8pPr marL="3200400" algn="l" defTabSz="914400" rtl="0" eaLnBrk="1" latinLnBrk="0" hangingPunct="1">
+      <a:defRPr sz="1200" kern="1200">
+        <a:solidFill>
+          <a:schemeClr val="tx1"/>
+        </a:solidFill>
+        <a:latin typeface="+mn-lt"/>
+        <a:ea typeface="+mn-ea"/>
+        <a:cs typeface="+mn-cs"/>
+      </a:defRPr>
+    </a:lvl8pPr>
+    <a:lvl9pPr marL="3657600" algn="l" defTabSz="914400" rtl="0" eaLnBrk="1" latinLnBrk="0" hangingPunct="1">
+      <a:defRPr sz="1200" kern="1200">
+        <a:solidFill>
+          <a:schemeClr val="tx1"/>
+        </a:solidFill>
+        <a:latin typeface="+mn-lt"/>
+        <a:ea typeface="+mn-ea"/>
+        <a:cs typeface="+mn-cs"/>
+      </a:defRPr>
+    </a:lvl9pPr>
+  </p:notesStyle>
+</p:notesMaster>
+</file>
+
+<file path=ppt/notesSlides/notesSlide1.xml><?xml version="1.0" encoding="utf-8"?>
+<p:notes xmlns:a="http://schemas.openxmlformats.org/drawingml/2006/main" xmlns:r="http://schemas.openxmlformats.org/officeDocument/2006/relationships" xmlns:p="http://schemas.openxmlformats.org/presentationml/2006/main">
+  <p:cSld>
+    <p:spTree>
+      <p:nvGrpSpPr>
+        <p:cNvPr id="1" name=""/>
+        <p:cNvGrpSpPr/>
+        <p:nvPr/>
+      </p:nvGrpSpPr>
+      <p:grpSpPr>
+        <a:xfrm>
+          <a:off x="0" y="0"/>
+          <a:ext cx="0" cy="0"/>
+          <a:chOff x="0" y="0"/>
+          <a:chExt cx="0" cy="0"/>
+        </a:xfrm>
+      </p:grpSpPr>
+      <p:sp>
+        <p:nvSpPr>
+          <p:cNvPr id="2" name="Slide Image Placeholder 1"/>
+          <p:cNvSpPr>
+            <a:spLocks noGrp="1" noRot="1" noChangeAspect="1"/>
+          </p:cNvSpPr>
+          <p:nvPr>
+            <p:ph type="sldImg"/>
+          </p:nvPr>
+        </p:nvSpPr>
+        <p:spPr/>
+      </p:sp>
+      <p:sp>
+        <p:nvSpPr>
+          <p:cNvPr id="3" name="Notes Placeholder 2"/>
+          <p:cNvSpPr>
+            <a:spLocks noGrp="1"/>
+          </p:cNvSpPr>
+          <p:nvPr>
+            <p:ph type="body" idx="1"/>
+          </p:nvPr>
+        </p:nvSpPr>
+        <p:spPr/>
+        <p:txBody>
+          <a:bodyPr/>
+          <a:lstStyle/>
+          <a:p>
+            <a:r>
+              <a:rPr lang="en-US" dirty="0" smtClean="0"/>
+              <a:t>NO publicly available </a:t>
+            </a:r>
+            <a:r>
+              <a:rPr lang="en-US" dirty="0" err="1" smtClean="0"/>
+              <a:t>labled</a:t>
+            </a:r>
+            <a:r>
+              <a:rPr lang="en-US" baseline="0" dirty="0" smtClean="0"/>
+              <a:t> data.</a:t>
+            </a:r>
+          </a:p>
+          <a:p>
+            <a:endParaRPr lang="en-US" dirty="0"/>
+          </a:p>
+        </p:txBody>
+      </p:sp>
+      <p:sp>
+        <p:nvSpPr>
+          <p:cNvPr id="4" name="Slide Number Placeholder 3"/>
+          <p:cNvSpPr>
+            <a:spLocks noGrp="1"/>
+          </p:cNvSpPr>
+          <p:nvPr>
+            <p:ph type="sldNum" sz="quarter" idx="10"/>
+          </p:nvPr>
+        </p:nvSpPr>
+        <p:spPr/>
+        <p:txBody>
+          <a:bodyPr/>
+          <a:lstStyle/>
+          <a:p>
+            <a:fld id="{6FBC44AD-524C-4659-B233-B8043C2A7282}" type="slidenum">
+              <a:rPr lang="en-US" smtClean="0"/>
+              <a:t>13</a:t>
+            </a:fld>
+            <a:endParaRPr lang="en-US"/>
+          </a:p>
+        </p:txBody>
+      </p:sp>
+    </p:spTree>
+    <p:extLst>
+      <p:ext uri="{BB962C8B-B14F-4D97-AF65-F5344CB8AC3E}">
+        <p14:creationId xmlns:p14="http://schemas.microsoft.com/office/powerpoint/2010/main" val="1317759886"/>
+      </p:ext>
+    </p:extLst>
+  </p:cSld>
+  <p:clrMapOvr>
+    <a:masterClrMapping/>
+  </p:clrMapOvr>
+</p:notes>
+</file>
+
+<file path=ppt/notesSlides/notesSlide2.xml><?xml version="1.0" encoding="utf-8"?>
+<p:notes xmlns:a="http://schemas.openxmlformats.org/drawingml/2006/main" xmlns:r="http://schemas.openxmlformats.org/officeDocument/2006/relationships" xmlns:p="http://schemas.openxmlformats.org/presentationml/2006/main">
+  <p:cSld>
+    <p:spTree>
+      <p:nvGrpSpPr>
+        <p:cNvPr id="1" name=""/>
+        <p:cNvGrpSpPr/>
+        <p:nvPr/>
+      </p:nvGrpSpPr>
+      <p:grpSpPr>
+        <a:xfrm>
+          <a:off x="0" y="0"/>
+          <a:ext cx="0" cy="0"/>
+          <a:chOff x="0" y="0"/>
+          <a:chExt cx="0" cy="0"/>
+        </a:xfrm>
+      </p:grpSpPr>
+      <p:sp>
+        <p:nvSpPr>
+          <p:cNvPr id="2" name="Slide Image Placeholder 1"/>
+          <p:cNvSpPr>
+            <a:spLocks noGrp="1" noRot="1" noChangeAspect="1"/>
+          </p:cNvSpPr>
+          <p:nvPr>
+            <p:ph type="sldImg"/>
+          </p:nvPr>
+        </p:nvSpPr>
+        <p:spPr/>
+      </p:sp>
+      <p:sp>
+        <p:nvSpPr>
+          <p:cNvPr id="3" name="Notes Placeholder 2"/>
+          <p:cNvSpPr>
+            <a:spLocks noGrp="1"/>
+          </p:cNvSpPr>
+          <p:nvPr>
+            <p:ph type="body" idx="1"/>
+          </p:nvPr>
+        </p:nvSpPr>
+        <p:spPr/>
+        <p:txBody>
+          <a:bodyPr/>
+          <a:lstStyle/>
+          <a:p>
+            <a:r>
+              <a:rPr lang="en-US" dirty="0" smtClean="0"/>
+              <a:t>NO publicly available </a:t>
+            </a:r>
+            <a:r>
+              <a:rPr lang="en-US" dirty="0" err="1" smtClean="0"/>
+              <a:t>labled</a:t>
+            </a:r>
+            <a:r>
+              <a:rPr lang="en-US" baseline="0" dirty="0" smtClean="0"/>
+              <a:t> data.</a:t>
+            </a:r>
+          </a:p>
+          <a:p>
+            <a:endParaRPr lang="en-US" dirty="0"/>
+          </a:p>
+        </p:txBody>
+      </p:sp>
+      <p:sp>
+        <p:nvSpPr>
+          <p:cNvPr id="4" name="Slide Number Placeholder 3"/>
+          <p:cNvSpPr>
+            <a:spLocks noGrp="1"/>
+          </p:cNvSpPr>
+          <p:nvPr>
+            <p:ph type="sldNum" sz="quarter" idx="10"/>
+          </p:nvPr>
+        </p:nvSpPr>
+        <p:spPr/>
+        <p:txBody>
+          <a:bodyPr/>
+          <a:lstStyle/>
+          <a:p>
+            <a:fld id="{6FBC44AD-524C-4659-B233-B8043C2A7282}" type="slidenum">
+              <a:rPr lang="en-US" smtClean="0"/>
+              <a:t>14</a:t>
+            </a:fld>
+            <a:endParaRPr lang="en-US"/>
+          </a:p>
+        </p:txBody>
+      </p:sp>
+    </p:spTree>
+    <p:extLst>
+      <p:ext uri="{BB962C8B-B14F-4D97-AF65-F5344CB8AC3E}">
+        <p14:creationId xmlns:p14="http://schemas.microsoft.com/office/powerpoint/2010/main" val="875876375"/>
+      </p:ext>
+    </p:extLst>
+  </p:cSld>
+  <p:clrMapOvr>
+    <a:masterClrMapping/>
+  </p:clrMapOvr>
+</p:notes>
+</file>
+
 <file path=ppt/slideLayouts/slideLayout1.xml><?xml version="1.0" encoding="utf-8"?>
 <p:sldLayout xmlns:a="http://schemas.openxmlformats.org/drawingml/2006/main" xmlns:r="http://schemas.openxmlformats.org/officeDocument/2006/relationships" xmlns:p="http://schemas.openxmlformats.org/presentationml/2006/main" type="obj" preserve="1">
   <p:cSld name="Title Slide">
@@ -195,7 +748,7 @@
           <a:p>
             <a:fld id="{1D8BD707-D9CF-40AE-B4C6-C98DA3205C09}" type="datetimeFigureOut">
               <a:rPr lang="en-US"/>
-              <a:t>4/19/2025</a:t>
+              <a:t>5/25/2025</a:t>
             </a:fld>
             <a:endParaRPr lang="en-US"/>
           </a:p>
@@ -372,7 +925,7 @@
           <a:p>
             <a:fld id="{1D8BD707-D9CF-40AE-B4C6-C98DA3205C09}" type="datetimeFigureOut">
               <a:rPr lang="en-US"/>
-              <a:t>4/19/2025</a:t>
+              <a:t>5/25/2025</a:t>
             </a:fld>
             <a:endParaRPr lang="en-US"/>
           </a:p>
@@ -592,7 +1145,7 @@
           <a:p>
             <a:fld id="{1D8BD707-D9CF-40AE-B4C6-C98DA3205C09}" type="datetimeFigureOut">
               <a:rPr lang="en-US"/>
-              <a:t>4/19/2025</a:t>
+              <a:t>5/25/2025</a:t>
             </a:fld>
             <a:endParaRPr lang="en-US"/>
           </a:p>
@@ -798,7 +1351,7 @@
           <a:p>
             <a:fld id="{1D8BD707-D9CF-40AE-B4C6-C98DA3205C09}" type="datetimeFigureOut">
               <a:rPr lang="en-US"/>
-              <a:t>4/19/2025</a:t>
+              <a:t>5/25/2025</a:t>
             </a:fld>
             <a:endParaRPr lang="en-US"/>
           </a:p>
@@ -925,7 +1478,7 @@
           <a:p>
             <a:fld id="{1D8BD707-D9CF-40AE-B4C6-C98DA3205C09}" type="datetimeFigureOut">
               <a:rPr lang="en-US"/>
-              <a:t>4/19/2025</a:t>
+              <a:t>5/25/2025</a:t>
             </a:fld>
             <a:endParaRPr lang="en-US"/>
           </a:p>
@@ -1242,7 +1795,7 @@
           <a:p>
             <a:fld id="{1D8BD707-D9CF-40AE-B4C6-C98DA3205C09}" type="datetimeFigureOut">
               <a:rPr lang="en-US"/>
-              <a:t>4/19/2025</a:t>
+              <a:t>5/25/2025</a:t>
             </a:fld>
             <a:endParaRPr lang="en-US"/>
           </a:p>
@@ -1845,6 +2398,490 @@
         <p:spPr>
           <a:xfrm>
             <a:off x="1084580" y="2092960"/>
+            <a:ext cx="9885045" cy="1379865"/>
+          </a:xfrm>
+          <a:prstGeom prst="rect">
+            <a:avLst/>
+          </a:prstGeom>
+        </p:spPr>
+        <p:txBody>
+          <a:bodyPr vert="horz" wrap="square" lIns="0" tIns="12700" rIns="0" bIns="0" rtlCol="0">
+            <a:spAutoFit/>
+          </a:bodyPr>
+          <a:lstStyle/>
+          <a:p>
+            <a:pPr marL="63500" marR="5080">
+              <a:lnSpc>
+                <a:spcPct val="110000"/>
+              </a:lnSpc>
+              <a:spcBef>
+                <a:spcPts val="1400"/>
+              </a:spcBef>
+            </a:pPr>
+            <a:r>
+              <a:rPr lang="en-US" sz="2000" b="1" dirty="0" smtClean="0">
+                <a:latin typeface="Times New Roman"/>
+                <a:cs typeface="Times New Roman"/>
+              </a:rPr>
+              <a:t>Configuration File Generation:</a:t>
+            </a:r>
+            <a:r>
+              <a:rPr lang="en-US" sz="2000" b="1" spc="-30" dirty="0" smtClean="0">
+                <a:latin typeface="Times New Roman"/>
+                <a:cs typeface="Times New Roman"/>
+              </a:rPr>
+              <a:t> </a:t>
+            </a:r>
+            <a:r>
+              <a:rPr lang="en-US" sz="2000" dirty="0" smtClean="0">
+                <a:latin typeface="Times New Roman"/>
+                <a:cs typeface="Times New Roman"/>
+              </a:rPr>
+              <a:t>Once the data types and other Meta data are identified, a configuration file is generated. This file provides detailed metadata about the dataset, including column names, data types, delimiters, and record separator.</a:t>
+            </a:r>
+          </a:p>
+          <a:p>
+            <a:pPr marL="12700" marR="5080">
+              <a:lnSpc>
+                <a:spcPct val="110000"/>
+              </a:lnSpc>
+              <a:spcBef>
+                <a:spcPts val="100"/>
+              </a:spcBef>
+            </a:pPr>
+            <a:endParaRPr lang="en-US" sz="2000" b="1" dirty="0" smtClean="0">
+              <a:latin typeface="Times New Roman"/>
+              <a:cs typeface="Times New Roman"/>
+            </a:endParaRPr>
+          </a:p>
+        </p:txBody>
+      </p:sp>
+      <p:pic>
+        <p:nvPicPr>
+          <p:cNvPr id="4" name="Picture 3"/>
+          <p:cNvPicPr>
+            <a:picLocks noChangeAspect="1"/>
+          </p:cNvPicPr>
+          <p:nvPr/>
+        </p:nvPicPr>
+        <p:blipFill>
+          <a:blip r:embed="rId2"/>
+          <a:stretch>
+            <a:fillRect/>
+          </a:stretch>
+        </p:blipFill>
+        <p:spPr>
+          <a:xfrm>
+            <a:off x="1139825" y="3200400"/>
+            <a:ext cx="6324600" cy="2478442"/>
+          </a:xfrm>
+          <a:prstGeom prst="rect">
+            <a:avLst/>
+          </a:prstGeom>
+        </p:spPr>
+      </p:pic>
+    </p:spTree>
+    <p:extLst>
+      <p:ext uri="{BB962C8B-B14F-4D97-AF65-F5344CB8AC3E}">
+        <p14:creationId xmlns:p14="http://schemas.microsoft.com/office/powerpoint/2010/main" val="2700111636"/>
+      </p:ext>
+    </p:extLst>
+  </p:cSld>
+  <p:clrMapOvr>
+    <a:masterClrMapping/>
+  </p:clrMapOvr>
+  <p:timing>
+    <p:tnLst>
+      <p:par>
+        <p:cTn id="1" dur="indefinite" restart="never" nodeType="tmRoot"/>
+      </p:par>
+    </p:tnLst>
+  </p:timing>
+</p:sld>
+</file>
+
+<file path=ppt/slides/slide11.xml><?xml version="1.0" encoding="utf-8"?>
+<p:sld xmlns:a="http://schemas.openxmlformats.org/drawingml/2006/main" xmlns:r="http://schemas.openxmlformats.org/officeDocument/2006/relationships" xmlns:p="http://schemas.openxmlformats.org/presentationml/2006/main">
+  <p:cSld>
+    <p:spTree>
+      <p:nvGrpSpPr>
+        <p:cNvPr id="1" name=""/>
+        <p:cNvGrpSpPr/>
+        <p:nvPr/>
+      </p:nvGrpSpPr>
+      <p:grpSpPr>
+        <a:xfrm>
+          <a:off x="0" y="0"/>
+          <a:ext cx="0" cy="0"/>
+          <a:chOff x="0" y="0"/>
+          <a:chExt cx="0" cy="0"/>
+        </a:xfrm>
+      </p:grpSpPr>
+      <p:sp>
+        <p:nvSpPr>
+          <p:cNvPr id="2" name="object 2"/>
+          <p:cNvSpPr txBox="1">
+            <a:spLocks noGrp="1"/>
+          </p:cNvSpPr>
+          <p:nvPr>
+            <p:ph type="title"/>
+          </p:nvPr>
+        </p:nvSpPr>
+        <p:spPr>
+          <a:prstGeom prst="rect">
+            <a:avLst/>
+          </a:prstGeom>
+        </p:spPr>
+        <p:txBody>
+          <a:bodyPr vert="horz" wrap="square" lIns="0" tIns="120802" rIns="0" bIns="0" rtlCol="0">
+            <a:spAutoFit/>
+          </a:bodyPr>
+          <a:lstStyle/>
+          <a:p>
+            <a:pPr marL="43180">
+              <a:lnSpc>
+                <a:spcPct val="100000"/>
+              </a:lnSpc>
+              <a:spcBef>
+                <a:spcPts val="100"/>
+              </a:spcBef>
+            </a:pPr>
+            <a:r>
+              <a:rPr sz="4000" spc="-10" dirty="0"/>
+              <a:t>Methodology</a:t>
+            </a:r>
+            <a:r>
+              <a:rPr sz="4000" spc="-10" dirty="0" smtClean="0"/>
+              <a:t>:</a:t>
+            </a:r>
+            <a:endParaRPr sz="4000" dirty="0"/>
+          </a:p>
+        </p:txBody>
+      </p:sp>
+      <p:sp>
+        <p:nvSpPr>
+          <p:cNvPr id="3" name="object 3"/>
+          <p:cNvSpPr txBox="1"/>
+          <p:nvPr/>
+        </p:nvSpPr>
+        <p:spPr>
+          <a:xfrm>
+            <a:off x="1084580" y="2092960"/>
+            <a:ext cx="9885045" cy="2921313"/>
+          </a:xfrm>
+          <a:prstGeom prst="rect">
+            <a:avLst/>
+          </a:prstGeom>
+        </p:spPr>
+        <p:txBody>
+          <a:bodyPr vert="horz" wrap="square" lIns="0" tIns="12700" rIns="0" bIns="0" rtlCol="0">
+            <a:spAutoFit/>
+          </a:bodyPr>
+          <a:lstStyle/>
+          <a:p>
+            <a:pPr marL="12700" marR="5080">
+              <a:lnSpc>
+                <a:spcPct val="110000"/>
+              </a:lnSpc>
+              <a:spcBef>
+                <a:spcPts val="100"/>
+              </a:spcBef>
+            </a:pPr>
+            <a:r>
+              <a:rPr lang="en-US" sz="2000" b="1" dirty="0" smtClean="0">
+                <a:latin typeface="Times New Roman"/>
+                <a:cs typeface="Times New Roman"/>
+              </a:rPr>
+              <a:t>Human Interaction for Validation: </a:t>
+            </a:r>
+            <a:r>
+              <a:rPr lang="en-US" sz="2000" dirty="0" smtClean="0">
+                <a:latin typeface="Times New Roman"/>
+                <a:cs typeface="Times New Roman"/>
+              </a:rPr>
+              <a:t>A provision is made for human users to review and modify the generated configuration file</a:t>
+            </a:r>
+          </a:p>
+          <a:p>
+            <a:pPr marL="12700" marR="281940">
+              <a:lnSpc>
+                <a:spcPct val="110000"/>
+              </a:lnSpc>
+              <a:spcBef>
+                <a:spcPts val="1400"/>
+              </a:spcBef>
+            </a:pPr>
+            <a:r>
+              <a:rPr lang="en-US" sz="2000" b="1" dirty="0" smtClean="0">
+                <a:solidFill>
+                  <a:srgbClr val="3E3E3E"/>
+                </a:solidFill>
+                <a:latin typeface="Times New Roman"/>
+                <a:cs typeface="Times New Roman"/>
+              </a:rPr>
+              <a:t>Schema Creation</a:t>
+            </a:r>
+            <a:r>
+              <a:rPr sz="2000" b="1" dirty="0" smtClean="0">
+                <a:solidFill>
+                  <a:srgbClr val="3E3E3E"/>
+                </a:solidFill>
+                <a:latin typeface="Times New Roman"/>
+                <a:cs typeface="Times New Roman"/>
+              </a:rPr>
+              <a:t>:</a:t>
+            </a:r>
+            <a:r>
+              <a:rPr sz="2000" b="1" spc="-45" dirty="0" smtClean="0">
+                <a:solidFill>
+                  <a:srgbClr val="3E3E3E"/>
+                </a:solidFill>
+                <a:latin typeface="Times New Roman"/>
+                <a:cs typeface="Times New Roman"/>
+              </a:rPr>
+              <a:t> </a:t>
+            </a:r>
+            <a:r>
+              <a:rPr lang="en-US" sz="2000" dirty="0">
+                <a:solidFill>
+                  <a:srgbClr val="3E3E3E"/>
+                </a:solidFill>
+                <a:latin typeface="Times New Roman"/>
+                <a:cs typeface="Times New Roman"/>
+              </a:rPr>
+              <a:t>Using the instructions from the configuration file, the backend applies all </a:t>
+            </a:r>
+            <a:r>
+              <a:rPr lang="en-US" sz="2000" dirty="0" smtClean="0">
+                <a:solidFill>
+                  <a:srgbClr val="3E3E3E"/>
+                </a:solidFill>
+                <a:latin typeface="Times New Roman"/>
+                <a:cs typeface="Times New Roman"/>
+              </a:rPr>
+              <a:t>schema creation.</a:t>
+            </a:r>
+            <a:endParaRPr lang="en-US" sz="2000" b="1" dirty="0">
+              <a:solidFill>
+                <a:srgbClr val="3E3E3E"/>
+              </a:solidFill>
+              <a:latin typeface="Times New Roman"/>
+              <a:cs typeface="Times New Roman"/>
+            </a:endParaRPr>
+          </a:p>
+          <a:p>
+            <a:pPr marL="12700" marR="281940">
+              <a:lnSpc>
+                <a:spcPct val="110000"/>
+              </a:lnSpc>
+              <a:spcBef>
+                <a:spcPts val="1400"/>
+              </a:spcBef>
+            </a:pPr>
+            <a:r>
+              <a:rPr lang="en-US" sz="2000" b="1" dirty="0" smtClean="0">
+                <a:solidFill>
+                  <a:srgbClr val="3E3E3E"/>
+                </a:solidFill>
+                <a:latin typeface="Times New Roman"/>
+                <a:cs typeface="Times New Roman"/>
+              </a:rPr>
+              <a:t>Data </a:t>
+            </a:r>
+            <a:r>
+              <a:rPr lang="en-US" sz="2000" b="1" dirty="0">
+                <a:solidFill>
+                  <a:srgbClr val="3E3E3E"/>
+                </a:solidFill>
+                <a:latin typeface="Times New Roman"/>
+                <a:cs typeface="Times New Roman"/>
+              </a:rPr>
+              <a:t>Loading</a:t>
+            </a:r>
+            <a:r>
+              <a:rPr sz="2000" b="1" dirty="0">
+                <a:solidFill>
+                  <a:srgbClr val="3E3E3E"/>
+                </a:solidFill>
+                <a:latin typeface="Times New Roman"/>
+                <a:cs typeface="Times New Roman"/>
+              </a:rPr>
+              <a:t>: </a:t>
+            </a:r>
+            <a:r>
+              <a:rPr lang="en-US" sz="2000" dirty="0" smtClean="0">
+                <a:solidFill>
+                  <a:srgbClr val="3E3E3E"/>
+                </a:solidFill>
+                <a:latin typeface="Times New Roman"/>
+                <a:cs typeface="Times New Roman"/>
+              </a:rPr>
+              <a:t>This step </a:t>
+            </a:r>
+            <a:r>
+              <a:rPr lang="en-US" sz="2000" dirty="0">
+                <a:solidFill>
+                  <a:srgbClr val="3E3E3E"/>
+                </a:solidFill>
+                <a:latin typeface="Times New Roman"/>
+                <a:cs typeface="Times New Roman"/>
+              </a:rPr>
+              <a:t>involves loading the transformed data into a SQL Server database</a:t>
+            </a:r>
+            <a:r>
+              <a:rPr sz="2000" spc="-10" dirty="0" smtClean="0">
+                <a:solidFill>
+                  <a:srgbClr val="3E3E3E"/>
+                </a:solidFill>
+                <a:latin typeface="Times New Roman"/>
+                <a:cs typeface="Times New Roman"/>
+              </a:rPr>
+              <a:t>.</a:t>
+            </a:r>
+            <a:endParaRPr lang="en-US" sz="2000" spc="-10" dirty="0" smtClean="0">
+              <a:solidFill>
+                <a:srgbClr val="3E3E3E"/>
+              </a:solidFill>
+              <a:latin typeface="Times New Roman"/>
+              <a:cs typeface="Times New Roman"/>
+            </a:endParaRPr>
+          </a:p>
+          <a:p>
+            <a:pPr marL="12700" marR="281940">
+              <a:lnSpc>
+                <a:spcPct val="110000"/>
+              </a:lnSpc>
+              <a:spcBef>
+                <a:spcPts val="1400"/>
+              </a:spcBef>
+            </a:pPr>
+            <a:r>
+              <a:rPr lang="en-US" sz="2000" b="1" dirty="0" smtClean="0">
+                <a:solidFill>
+                  <a:srgbClr val="3E3E3E"/>
+                </a:solidFill>
+                <a:latin typeface="Times New Roman"/>
+                <a:cs typeface="Times New Roman"/>
+              </a:rPr>
+              <a:t>Log File Generation: </a:t>
+            </a:r>
+            <a:r>
+              <a:rPr lang="en-US" sz="2000" dirty="0">
+                <a:solidFill>
+                  <a:srgbClr val="3E3E3E"/>
+                </a:solidFill>
+                <a:latin typeface="Times New Roman"/>
+                <a:cs typeface="Times New Roman"/>
+              </a:rPr>
+              <a:t>All </a:t>
+            </a:r>
+            <a:r>
+              <a:rPr lang="en-US" sz="2000" dirty="0" smtClean="0">
+                <a:solidFill>
+                  <a:srgbClr val="3E3E3E"/>
+                </a:solidFill>
+                <a:latin typeface="Times New Roman"/>
+                <a:cs typeface="Times New Roman"/>
+              </a:rPr>
+              <a:t>the log of loading files are logged into the log file along with errors if any. </a:t>
+            </a:r>
+            <a:endParaRPr sz="2000" dirty="0">
+              <a:solidFill>
+                <a:srgbClr val="3E3E3E"/>
+              </a:solidFill>
+              <a:latin typeface="Times New Roman"/>
+              <a:cs typeface="Times New Roman"/>
+            </a:endParaRPr>
+          </a:p>
+        </p:txBody>
+      </p:sp>
+    </p:spTree>
+    <p:extLst>
+      <p:ext uri="{BB962C8B-B14F-4D97-AF65-F5344CB8AC3E}">
+        <p14:creationId xmlns:p14="http://schemas.microsoft.com/office/powerpoint/2010/main" val="3935806539"/>
+      </p:ext>
+    </p:extLst>
+  </p:cSld>
+  <p:clrMapOvr>
+    <a:masterClrMapping/>
+  </p:clrMapOvr>
+  <p:timing>
+    <p:tnLst>
+      <p:par>
+        <p:cTn id="1" dur="indefinite" restart="never" nodeType="tmRoot"/>
+      </p:par>
+    </p:tnLst>
+  </p:timing>
+</p:sld>
+</file>
+
+<file path=ppt/slides/slide12.xml><?xml version="1.0" encoding="utf-8"?>
+<p:sld xmlns:a="http://schemas.openxmlformats.org/drawingml/2006/main" xmlns:r="http://schemas.openxmlformats.org/officeDocument/2006/relationships" xmlns:p="http://schemas.openxmlformats.org/presentationml/2006/main">
+  <p:cSld>
+    <p:spTree>
+      <p:nvGrpSpPr>
+        <p:cNvPr id="1" name=""/>
+        <p:cNvGrpSpPr/>
+        <p:nvPr/>
+      </p:nvGrpSpPr>
+      <p:grpSpPr>
+        <a:xfrm>
+          <a:off x="0" y="0"/>
+          <a:ext cx="0" cy="0"/>
+          <a:chOff x="0" y="0"/>
+          <a:chExt cx="0" cy="0"/>
+        </a:xfrm>
+      </p:grpSpPr>
+      <p:sp>
+        <p:nvSpPr>
+          <p:cNvPr id="2" name="object 2"/>
+          <p:cNvSpPr txBox="1">
+            <a:spLocks noGrp="1"/>
+          </p:cNvSpPr>
+          <p:nvPr>
+            <p:ph type="title"/>
+          </p:nvPr>
+        </p:nvSpPr>
+        <p:spPr>
+          <a:prstGeom prst="rect">
+            <a:avLst/>
+          </a:prstGeom>
+        </p:spPr>
+        <p:txBody>
+          <a:bodyPr vert="horz" wrap="square" lIns="0" tIns="120802" rIns="0" bIns="0" rtlCol="0">
+            <a:spAutoFit/>
+          </a:bodyPr>
+          <a:lstStyle/>
+          <a:p>
+            <a:pPr marL="43180">
+              <a:lnSpc>
+                <a:spcPct val="100000"/>
+              </a:lnSpc>
+              <a:spcBef>
+                <a:spcPts val="100"/>
+              </a:spcBef>
+            </a:pPr>
+            <a:r>
+              <a:rPr sz="4000" spc="-10" dirty="0"/>
+              <a:t>Methodology</a:t>
+            </a:r>
+            <a:r>
+              <a:rPr sz="4000" spc="-10" dirty="0" smtClean="0"/>
+              <a:t>:</a:t>
+            </a:r>
+            <a:endParaRPr sz="4000" dirty="0"/>
+          </a:p>
+        </p:txBody>
+      </p:sp>
+      <p:sp>
+        <p:nvSpPr>
+          <p:cNvPr id="3" name="object 3"/>
+          <p:cNvSpPr txBox="1"/>
+          <p:nvPr/>
+        </p:nvSpPr>
+        <p:spPr>
+          <a:xfrm>
+            <a:off x="1084580" y="2092960"/>
             <a:ext cx="9885045" cy="665375"/>
           </a:xfrm>
           <a:prstGeom prst="rect">
@@ -1949,7 +2986,2346 @@
 </p:sld>
 </file>
 
-<file path=ppt/slides/slide11.xml><?xml version="1.0" encoding="utf-8"?>
+<file path=ppt/slides/slide13.xml><?xml version="1.0" encoding="utf-8"?>
+<p:sld xmlns:a="http://schemas.openxmlformats.org/drawingml/2006/main" xmlns:r="http://schemas.openxmlformats.org/officeDocument/2006/relationships" xmlns:p="http://schemas.openxmlformats.org/presentationml/2006/main">
+  <p:cSld>
+    <p:spTree>
+      <p:nvGrpSpPr>
+        <p:cNvPr id="1" name=""/>
+        <p:cNvGrpSpPr/>
+        <p:nvPr/>
+      </p:nvGrpSpPr>
+      <p:grpSpPr>
+        <a:xfrm>
+          <a:off x="0" y="0"/>
+          <a:ext cx="0" cy="0"/>
+          <a:chOff x="0" y="0"/>
+          <a:chExt cx="0" cy="0"/>
+        </a:xfrm>
+      </p:grpSpPr>
+      <p:sp>
+        <p:nvSpPr>
+          <p:cNvPr id="2" name="object 2"/>
+          <p:cNvSpPr txBox="1">
+            <a:spLocks noGrp="1"/>
+          </p:cNvSpPr>
+          <p:nvPr>
+            <p:ph type="title"/>
+          </p:nvPr>
+        </p:nvSpPr>
+        <p:spPr>
+          <a:prstGeom prst="rect">
+            <a:avLst/>
+          </a:prstGeom>
+        </p:spPr>
+        <p:txBody>
+          <a:bodyPr vert="horz" wrap="square" lIns="0" tIns="120802" rIns="0" bIns="0" rtlCol="0">
+            <a:spAutoFit/>
+          </a:bodyPr>
+          <a:lstStyle/>
+          <a:p>
+            <a:pPr marL="43180">
+              <a:lnSpc>
+                <a:spcPct val="100000"/>
+              </a:lnSpc>
+              <a:spcBef>
+                <a:spcPts val="100"/>
+              </a:spcBef>
+            </a:pPr>
+            <a:r>
+              <a:rPr lang="en-US" sz="4000" spc="-10" dirty="0" smtClean="0"/>
+              <a:t>Data Presentation and Algorithm</a:t>
+            </a:r>
+            <a:endParaRPr sz="4000" dirty="0"/>
+          </a:p>
+        </p:txBody>
+      </p:sp>
+      <p:sp>
+        <p:nvSpPr>
+          <p:cNvPr id="3" name="object 3"/>
+          <p:cNvSpPr txBox="1"/>
+          <p:nvPr/>
+        </p:nvSpPr>
+        <p:spPr>
+          <a:xfrm>
+            <a:off x="1084580" y="2092960"/>
+            <a:ext cx="9885045" cy="2811026"/>
+          </a:xfrm>
+          <a:prstGeom prst="rect">
+            <a:avLst/>
+          </a:prstGeom>
+        </p:spPr>
+        <p:txBody>
+          <a:bodyPr vert="horz" wrap="square" lIns="0" tIns="12700" rIns="0" bIns="0" rtlCol="0">
+            <a:spAutoFit/>
+          </a:bodyPr>
+          <a:lstStyle/>
+          <a:p>
+            <a:pPr marL="12700" marR="5080">
+              <a:lnSpc>
+                <a:spcPct val="110000"/>
+              </a:lnSpc>
+              <a:spcBef>
+                <a:spcPts val="100"/>
+              </a:spcBef>
+            </a:pPr>
+            <a:r>
+              <a:rPr lang="en-US" sz="2000" b="1" dirty="0" smtClean="0">
+                <a:solidFill>
+                  <a:srgbClr val="3E3E3E"/>
+                </a:solidFill>
+                <a:latin typeface="Times New Roman"/>
+                <a:cs typeface="Times New Roman"/>
+              </a:rPr>
+              <a:t>Data Generation : </a:t>
+            </a:r>
+            <a:r>
+              <a:rPr lang="en-US" sz="2000" dirty="0" smtClean="0">
+                <a:solidFill>
+                  <a:srgbClr val="3E3E3E"/>
+                </a:solidFill>
+                <a:latin typeface="Times New Roman"/>
+                <a:cs typeface="Times New Roman"/>
+              </a:rPr>
+              <a:t>Used Python Script to Generate Custom delimited files</a:t>
+            </a:r>
+          </a:p>
+          <a:p>
+            <a:pPr marL="12700" marR="5080">
+              <a:lnSpc>
+                <a:spcPct val="110000"/>
+              </a:lnSpc>
+              <a:spcBef>
+                <a:spcPts val="100"/>
+              </a:spcBef>
+            </a:pPr>
+            <a:endParaRPr lang="en-US" sz="2000" dirty="0">
+              <a:solidFill>
+                <a:srgbClr val="3E3E3E"/>
+              </a:solidFill>
+              <a:latin typeface="Times New Roman"/>
+              <a:cs typeface="Times New Roman"/>
+            </a:endParaRPr>
+          </a:p>
+          <a:p>
+            <a:pPr marL="12700" marR="5080">
+              <a:lnSpc>
+                <a:spcPct val="110000"/>
+              </a:lnSpc>
+              <a:spcBef>
+                <a:spcPts val="100"/>
+              </a:spcBef>
+            </a:pPr>
+            <a:r>
+              <a:rPr lang="en-US" sz="2000" b="1" dirty="0" smtClean="0">
+                <a:solidFill>
+                  <a:srgbClr val="3E3E3E"/>
+                </a:solidFill>
+                <a:latin typeface="Times New Roman"/>
+                <a:cs typeface="Times New Roman"/>
+              </a:rPr>
+              <a:t>Model Used: Random Forest Classifier</a:t>
+            </a:r>
+          </a:p>
+          <a:p>
+            <a:pPr marL="12700" marR="5080">
+              <a:lnSpc>
+                <a:spcPct val="110000"/>
+              </a:lnSpc>
+              <a:spcBef>
+                <a:spcPts val="100"/>
+              </a:spcBef>
+            </a:pPr>
+            <a:endParaRPr lang="en-US" sz="2000" b="1" dirty="0" smtClean="0">
+              <a:solidFill>
+                <a:srgbClr val="3E3E3E"/>
+              </a:solidFill>
+              <a:latin typeface="Times New Roman"/>
+              <a:cs typeface="Times New Roman"/>
+            </a:endParaRPr>
+          </a:p>
+          <a:p>
+            <a:pPr marL="355600" marR="5080" indent="-342900">
+              <a:lnSpc>
+                <a:spcPct val="110000"/>
+              </a:lnSpc>
+              <a:spcBef>
+                <a:spcPts val="100"/>
+              </a:spcBef>
+              <a:buFont typeface="Arial" panose="020B0604020202020204" pitchFamily="34" charset="0"/>
+              <a:buChar char="•"/>
+            </a:pPr>
+            <a:r>
+              <a:rPr lang="en-US" sz="2000" dirty="0" smtClean="0">
+                <a:solidFill>
+                  <a:srgbClr val="3E3E3E"/>
+                </a:solidFill>
+                <a:latin typeface="Times New Roman"/>
+                <a:cs typeface="Times New Roman"/>
+              </a:rPr>
+              <a:t>Chosen for it accuracy and ability to handle mixed data types</a:t>
+            </a:r>
+          </a:p>
+          <a:p>
+            <a:pPr marL="355600" marR="5080" indent="-342900">
+              <a:lnSpc>
+                <a:spcPct val="110000"/>
+              </a:lnSpc>
+              <a:spcBef>
+                <a:spcPts val="100"/>
+              </a:spcBef>
+              <a:buFont typeface="Arial" panose="020B0604020202020204" pitchFamily="34" charset="0"/>
+              <a:buChar char="•"/>
+            </a:pPr>
+            <a:r>
+              <a:rPr lang="en-US" sz="2000" dirty="0" smtClean="0">
+                <a:solidFill>
+                  <a:srgbClr val="3E3E3E"/>
+                </a:solidFill>
+                <a:latin typeface="Times New Roman"/>
+                <a:cs typeface="Times New Roman"/>
+              </a:rPr>
+              <a:t>Performs well with noisy datasets as well</a:t>
+            </a:r>
+          </a:p>
+          <a:p>
+            <a:pPr marL="355600" marR="5080" indent="-342900">
+              <a:lnSpc>
+                <a:spcPct val="110000"/>
+              </a:lnSpc>
+              <a:spcBef>
+                <a:spcPts val="100"/>
+              </a:spcBef>
+              <a:buFont typeface="Arial" panose="020B0604020202020204" pitchFamily="34" charset="0"/>
+              <a:buChar char="•"/>
+            </a:pPr>
+            <a:r>
+              <a:rPr lang="en-US" sz="2000" dirty="0" smtClean="0">
+                <a:solidFill>
+                  <a:srgbClr val="3E3E3E"/>
+                </a:solidFill>
+                <a:latin typeface="Times New Roman"/>
+                <a:cs typeface="Times New Roman"/>
+              </a:rPr>
+              <a:t>Learns to predict column data types from sample records.</a:t>
+            </a:r>
+          </a:p>
+          <a:p>
+            <a:pPr marL="12700" marR="5080">
+              <a:lnSpc>
+                <a:spcPct val="110000"/>
+              </a:lnSpc>
+              <a:spcBef>
+                <a:spcPts val="100"/>
+              </a:spcBef>
+            </a:pPr>
+            <a:endParaRPr sz="2000" dirty="0">
+              <a:solidFill>
+                <a:srgbClr val="3E3E3E"/>
+              </a:solidFill>
+              <a:latin typeface="Times New Roman"/>
+              <a:cs typeface="Times New Roman"/>
+            </a:endParaRPr>
+          </a:p>
+        </p:txBody>
+      </p:sp>
+    </p:spTree>
+    <p:extLst>
+      <p:ext uri="{BB962C8B-B14F-4D97-AF65-F5344CB8AC3E}">
+        <p14:creationId xmlns:p14="http://schemas.microsoft.com/office/powerpoint/2010/main" val="2962202610"/>
+      </p:ext>
+    </p:extLst>
+  </p:cSld>
+  <p:clrMapOvr>
+    <a:masterClrMapping/>
+  </p:clrMapOvr>
+  <p:timing>
+    <p:tnLst>
+      <p:par>
+        <p:cTn id="1" dur="indefinite" restart="never" nodeType="tmRoot"/>
+      </p:par>
+    </p:tnLst>
+  </p:timing>
+</p:sld>
+</file>
+
+<file path=ppt/slides/slide14.xml><?xml version="1.0" encoding="utf-8"?>
+<p:sld xmlns:a="http://schemas.openxmlformats.org/drawingml/2006/main" xmlns:r="http://schemas.openxmlformats.org/officeDocument/2006/relationships" xmlns:p="http://schemas.openxmlformats.org/presentationml/2006/main">
+  <p:cSld>
+    <p:spTree>
+      <p:nvGrpSpPr>
+        <p:cNvPr id="1" name=""/>
+        <p:cNvGrpSpPr/>
+        <p:nvPr/>
+      </p:nvGrpSpPr>
+      <p:grpSpPr>
+        <a:xfrm>
+          <a:off x="0" y="0"/>
+          <a:ext cx="0" cy="0"/>
+          <a:chOff x="0" y="0"/>
+          <a:chExt cx="0" cy="0"/>
+        </a:xfrm>
+      </p:grpSpPr>
+      <p:sp>
+        <p:nvSpPr>
+          <p:cNvPr id="2" name="object 2"/>
+          <p:cNvSpPr txBox="1">
+            <a:spLocks noGrp="1"/>
+          </p:cNvSpPr>
+          <p:nvPr>
+            <p:ph type="title"/>
+          </p:nvPr>
+        </p:nvSpPr>
+        <p:spPr>
+          <a:prstGeom prst="rect">
+            <a:avLst/>
+          </a:prstGeom>
+        </p:spPr>
+        <p:txBody>
+          <a:bodyPr vert="horz" wrap="square" lIns="0" tIns="120802" rIns="0" bIns="0" rtlCol="0">
+            <a:spAutoFit/>
+          </a:bodyPr>
+          <a:lstStyle/>
+          <a:p>
+            <a:pPr marL="43180">
+              <a:lnSpc>
+                <a:spcPct val="100000"/>
+              </a:lnSpc>
+              <a:spcBef>
+                <a:spcPts val="100"/>
+              </a:spcBef>
+            </a:pPr>
+            <a:r>
+              <a:rPr lang="en-US" sz="4000" spc="-10" dirty="0" smtClean="0"/>
+              <a:t>Discussion and Conclusion</a:t>
+            </a:r>
+            <a:endParaRPr sz="4000" dirty="0"/>
+          </a:p>
+        </p:txBody>
+      </p:sp>
+      <p:sp>
+        <p:nvSpPr>
+          <p:cNvPr id="3" name="object 3"/>
+          <p:cNvSpPr txBox="1"/>
+          <p:nvPr/>
+        </p:nvSpPr>
+        <p:spPr>
+          <a:xfrm>
+            <a:off x="1084580" y="2092960"/>
+            <a:ext cx="9885045" cy="3136756"/>
+          </a:xfrm>
+          <a:prstGeom prst="rect">
+            <a:avLst/>
+          </a:prstGeom>
+        </p:spPr>
+        <p:txBody>
+          <a:bodyPr vert="horz" wrap="square" lIns="0" tIns="12700" rIns="0" bIns="0" rtlCol="0">
+            <a:spAutoFit/>
+          </a:bodyPr>
+          <a:lstStyle/>
+          <a:p>
+            <a:pPr marL="469900" marR="5080" indent="-457200">
+              <a:lnSpc>
+                <a:spcPct val="110000"/>
+              </a:lnSpc>
+              <a:spcBef>
+                <a:spcPts val="100"/>
+              </a:spcBef>
+              <a:buFont typeface="+mj-lt"/>
+              <a:buAutoNum type="arabicPeriod"/>
+            </a:pPr>
+            <a:r>
+              <a:rPr lang="en-US" sz="2000" dirty="0" smtClean="0">
+                <a:solidFill>
+                  <a:srgbClr val="3E3E3E"/>
+                </a:solidFill>
+                <a:latin typeface="Times New Roman"/>
+                <a:cs typeface="Times New Roman"/>
+              </a:rPr>
+              <a:t>Machine Learnings can be effective be used for automating key parts of ETL.</a:t>
+            </a:r>
+          </a:p>
+          <a:p>
+            <a:pPr marL="469900" marR="5080" indent="-457200">
+              <a:lnSpc>
+                <a:spcPct val="110000"/>
+              </a:lnSpc>
+              <a:spcBef>
+                <a:spcPts val="100"/>
+              </a:spcBef>
+              <a:buFont typeface="+mj-lt"/>
+              <a:buAutoNum type="arabicPeriod"/>
+            </a:pPr>
+            <a:r>
+              <a:rPr lang="en-US" sz="2000" dirty="0" smtClean="0">
+                <a:solidFill>
+                  <a:srgbClr val="3E3E3E"/>
+                </a:solidFill>
+                <a:latin typeface="Times New Roman"/>
+                <a:cs typeface="Times New Roman"/>
+              </a:rPr>
+              <a:t>With combined use of scripts and models, we can move towards end-to-end ETL automation.</a:t>
+            </a:r>
+          </a:p>
+          <a:p>
+            <a:pPr marL="469900" marR="5080" indent="-457200">
+              <a:lnSpc>
+                <a:spcPct val="110000"/>
+              </a:lnSpc>
+              <a:spcBef>
+                <a:spcPts val="100"/>
+              </a:spcBef>
+              <a:buFont typeface="+mj-lt"/>
+              <a:buAutoNum type="arabicPeriod"/>
+            </a:pPr>
+            <a:r>
+              <a:rPr lang="en-US" sz="2000" dirty="0" smtClean="0">
+                <a:solidFill>
+                  <a:srgbClr val="3E3E3E"/>
+                </a:solidFill>
+                <a:latin typeface="Times New Roman"/>
+                <a:cs typeface="Times New Roman"/>
+              </a:rPr>
+              <a:t>Reduces manual dependency lowering chances of issues in ETL processes.</a:t>
+            </a:r>
+          </a:p>
+          <a:p>
+            <a:pPr marL="469900" marR="5080" indent="-457200">
+              <a:lnSpc>
+                <a:spcPct val="110000"/>
+              </a:lnSpc>
+              <a:spcBef>
+                <a:spcPts val="100"/>
+              </a:spcBef>
+              <a:buFont typeface="+mj-lt"/>
+              <a:buAutoNum type="arabicPeriod"/>
+            </a:pPr>
+            <a:r>
+              <a:rPr lang="en-US" sz="2000" dirty="0" smtClean="0">
+                <a:solidFill>
+                  <a:srgbClr val="3E3E3E"/>
+                </a:solidFill>
+                <a:latin typeface="Times New Roman"/>
+                <a:cs typeface="Times New Roman"/>
+              </a:rPr>
+              <a:t>Demonstrated how ETL automation can be achieved without using traditional ETL tools</a:t>
+            </a:r>
+          </a:p>
+          <a:p>
+            <a:pPr marL="469900" marR="5080" indent="-457200">
+              <a:lnSpc>
+                <a:spcPct val="110000"/>
+              </a:lnSpc>
+              <a:spcBef>
+                <a:spcPts val="100"/>
+              </a:spcBef>
+              <a:buFont typeface="+mj-lt"/>
+              <a:buAutoNum type="arabicPeriod"/>
+            </a:pPr>
+            <a:r>
+              <a:rPr lang="en-US" sz="2000" dirty="0" smtClean="0">
+                <a:solidFill>
+                  <a:srgbClr val="3E3E3E"/>
+                </a:solidFill>
+                <a:latin typeface="Times New Roman"/>
+                <a:cs typeface="Times New Roman"/>
+              </a:rPr>
+              <a:t>System was tested on delimited files, showing adaptability of model to handle diverse datasets.</a:t>
+            </a:r>
+          </a:p>
+          <a:p>
+            <a:pPr marL="469900" marR="5080" indent="-457200">
+              <a:lnSpc>
+                <a:spcPct val="110000"/>
+              </a:lnSpc>
+              <a:spcBef>
+                <a:spcPts val="100"/>
+              </a:spcBef>
+              <a:buFont typeface="+mj-lt"/>
+              <a:buAutoNum type="arabicPeriod"/>
+            </a:pPr>
+            <a:r>
+              <a:rPr lang="en-US" sz="2000" dirty="0" smtClean="0">
+                <a:solidFill>
+                  <a:srgbClr val="3E3E3E"/>
+                </a:solidFill>
+                <a:latin typeface="Times New Roman"/>
+                <a:cs typeface="Times New Roman"/>
+              </a:rPr>
+              <a:t>Project lays groundwork for future innovations, AI driven ETL processes.</a:t>
+            </a:r>
+          </a:p>
+          <a:p>
+            <a:pPr marL="469900" marR="5080" indent="-457200">
+              <a:lnSpc>
+                <a:spcPct val="110000"/>
+              </a:lnSpc>
+              <a:spcBef>
+                <a:spcPts val="100"/>
+              </a:spcBef>
+              <a:buFont typeface="+mj-lt"/>
+              <a:buAutoNum type="arabicPeriod"/>
+            </a:pPr>
+            <a:endParaRPr lang="en-US" sz="2000" dirty="0" smtClean="0">
+              <a:solidFill>
+                <a:srgbClr val="3E3E3E"/>
+              </a:solidFill>
+              <a:latin typeface="Times New Roman"/>
+              <a:cs typeface="Times New Roman"/>
+            </a:endParaRPr>
+          </a:p>
+        </p:txBody>
+      </p:sp>
+    </p:spTree>
+    <p:extLst>
+      <p:ext uri="{BB962C8B-B14F-4D97-AF65-F5344CB8AC3E}">
+        <p14:creationId xmlns:p14="http://schemas.microsoft.com/office/powerpoint/2010/main" val="3326263595"/>
+      </p:ext>
+    </p:extLst>
+  </p:cSld>
+  <p:clrMapOvr>
+    <a:masterClrMapping/>
+  </p:clrMapOvr>
+  <p:timing>
+    <p:tnLst>
+      <p:par>
+        <p:cTn id="1" dur="indefinite" restart="never" nodeType="tmRoot"/>
+      </p:par>
+    </p:tnLst>
+  </p:timing>
+</p:sld>
+</file>
+
+<file path=ppt/slides/slide15.xml><?xml version="1.0" encoding="utf-8"?>
+<p:sld xmlns:a="http://schemas.openxmlformats.org/drawingml/2006/main" xmlns:r="http://schemas.openxmlformats.org/officeDocument/2006/relationships" xmlns:p="http://schemas.openxmlformats.org/presentationml/2006/main">
+  <p:cSld>
+    <p:spTree>
+      <p:nvGrpSpPr>
+        <p:cNvPr id="1" name=""/>
+        <p:cNvGrpSpPr/>
+        <p:nvPr/>
+      </p:nvGrpSpPr>
+      <p:grpSpPr>
+        <a:xfrm>
+          <a:off x="0" y="0"/>
+          <a:ext cx="0" cy="0"/>
+          <a:chOff x="0" y="0"/>
+          <a:chExt cx="0" cy="0"/>
+        </a:xfrm>
+      </p:grpSpPr>
+      <p:sp>
+        <p:nvSpPr>
+          <p:cNvPr id="2" name="Title 1"/>
+          <p:cNvSpPr>
+            <a:spLocks noGrp="1"/>
+          </p:cNvSpPr>
+          <p:nvPr>
+            <p:ph type="title"/>
+          </p:nvPr>
+        </p:nvSpPr>
+        <p:spPr/>
+        <p:txBody>
+          <a:bodyPr/>
+          <a:lstStyle/>
+          <a:p>
+            <a:r>
+              <a:rPr lang="en-US" dirty="0" smtClean="0"/>
+              <a:t>Future Works</a:t>
+            </a:r>
+            <a:endParaRPr lang="en-US" dirty="0"/>
+          </a:p>
+        </p:txBody>
+      </p:sp>
+      <p:sp>
+        <p:nvSpPr>
+          <p:cNvPr id="3" name="Text Placeholder 2"/>
+          <p:cNvSpPr>
+            <a:spLocks noGrp="1"/>
+          </p:cNvSpPr>
+          <p:nvPr>
+            <p:ph type="body" idx="1"/>
+          </p:nvPr>
+        </p:nvSpPr>
+        <p:spPr>
+          <a:xfrm>
+            <a:off x="1033318" y="2125397"/>
+            <a:ext cx="10126980" cy="1384995"/>
+          </a:xfrm>
+        </p:spPr>
+        <p:txBody>
+          <a:bodyPr/>
+          <a:lstStyle/>
+          <a:p>
+            <a:pPr marL="342900" indent="-342900">
+              <a:buFont typeface="+mj-lt"/>
+              <a:buAutoNum type="arabicPeriod"/>
+            </a:pPr>
+            <a:r>
+              <a:rPr lang="en-US" dirty="0" smtClean="0"/>
+              <a:t>Handling different File connectors.</a:t>
+            </a:r>
+          </a:p>
+          <a:p>
+            <a:pPr marL="342900" indent="-342900">
+              <a:buFont typeface="+mj-lt"/>
+              <a:buAutoNum type="arabicPeriod"/>
+            </a:pPr>
+            <a:r>
+              <a:rPr lang="en-US" dirty="0" smtClean="0"/>
+              <a:t>Defining multiple Target connectors.</a:t>
+            </a:r>
+          </a:p>
+          <a:p>
+            <a:pPr marL="342900" indent="-342900">
+              <a:buFont typeface="+mj-lt"/>
+              <a:buAutoNum type="arabicPeriod"/>
+            </a:pPr>
+            <a:r>
+              <a:rPr lang="en-US" dirty="0" smtClean="0"/>
+              <a:t>Proper UI for user inputs and processing.</a:t>
+            </a:r>
+          </a:p>
+          <a:p>
+            <a:pPr marL="342900" indent="-342900">
+              <a:buFont typeface="+mj-lt"/>
+              <a:buAutoNum type="arabicPeriod"/>
+            </a:pPr>
+            <a:r>
+              <a:rPr lang="en-US" dirty="0" smtClean="0"/>
+              <a:t>Introduction of complex Transformations logics.</a:t>
+            </a:r>
+          </a:p>
+          <a:p>
+            <a:pPr marL="342900" indent="-342900">
+              <a:buFont typeface="+mj-lt"/>
+              <a:buAutoNum type="arabicPeriod"/>
+            </a:pPr>
+            <a:endParaRPr lang="en-US" dirty="0"/>
+          </a:p>
+        </p:txBody>
+      </p:sp>
+    </p:spTree>
+    <p:extLst>
+      <p:ext uri="{BB962C8B-B14F-4D97-AF65-F5344CB8AC3E}">
+        <p14:creationId xmlns:p14="http://schemas.microsoft.com/office/powerpoint/2010/main" val="626979656"/>
+      </p:ext>
+    </p:extLst>
+  </p:cSld>
+  <p:clrMapOvr>
+    <a:masterClrMapping/>
+  </p:clrMapOvr>
+</p:sld>
+</file>
+
+<file path=ppt/slides/slide16.xml><?xml version="1.0" encoding="utf-8"?>
+<p:sld xmlns:a="http://schemas.openxmlformats.org/drawingml/2006/main" xmlns:r="http://schemas.openxmlformats.org/officeDocument/2006/relationships" xmlns:p="http://schemas.openxmlformats.org/presentationml/2006/main">
+  <p:cSld>
+    <p:spTree>
+      <p:nvGrpSpPr>
+        <p:cNvPr id="1" name=""/>
+        <p:cNvGrpSpPr/>
+        <p:nvPr/>
+      </p:nvGrpSpPr>
+      <p:grpSpPr>
+        <a:xfrm>
+          <a:off x="0" y="0"/>
+          <a:ext cx="0" cy="0"/>
+          <a:chOff x="0" y="0"/>
+          <a:chExt cx="0" cy="0"/>
+        </a:xfrm>
+      </p:grpSpPr>
+      <p:sp>
+        <p:nvSpPr>
+          <p:cNvPr id="2" name="object 2"/>
+          <p:cNvSpPr txBox="1">
+            <a:spLocks noGrp="1"/>
+          </p:cNvSpPr>
+          <p:nvPr>
+            <p:ph type="title"/>
+          </p:nvPr>
+        </p:nvSpPr>
+        <p:spPr>
+          <a:xfrm>
+            <a:off x="2235034" y="2067903"/>
+            <a:ext cx="7505065" cy="1488440"/>
+          </a:xfrm>
+          <a:prstGeom prst="rect">
+            <a:avLst/>
+          </a:prstGeom>
+        </p:spPr>
+        <p:txBody>
+          <a:bodyPr vert="horz" wrap="square" lIns="0" tIns="12700" rIns="0" bIns="0" rtlCol="0">
+            <a:spAutoFit/>
+          </a:bodyPr>
+          <a:lstStyle/>
+          <a:p>
+            <a:pPr marL="12700">
+              <a:lnSpc>
+                <a:spcPct val="100000"/>
+              </a:lnSpc>
+              <a:spcBef>
+                <a:spcPts val="100"/>
+              </a:spcBef>
+            </a:pPr>
+            <a:r>
+              <a:rPr sz="9600" b="1" dirty="0">
+                <a:solidFill>
+                  <a:srgbClr val="000000"/>
+                </a:solidFill>
+                <a:latin typeface="Times New Roman"/>
+                <a:cs typeface="Times New Roman"/>
+              </a:rPr>
+              <a:t>THANK</a:t>
+            </a:r>
+            <a:r>
+              <a:rPr sz="9600" b="1" spc="-50" dirty="0">
+                <a:solidFill>
+                  <a:srgbClr val="000000"/>
+                </a:solidFill>
+                <a:latin typeface="Times New Roman"/>
+                <a:cs typeface="Times New Roman"/>
+              </a:rPr>
+              <a:t> </a:t>
+            </a:r>
+            <a:r>
+              <a:rPr sz="9600" b="1" spc="-25" dirty="0">
+                <a:solidFill>
+                  <a:srgbClr val="000000"/>
+                </a:solidFill>
+                <a:latin typeface="Times New Roman"/>
+                <a:cs typeface="Times New Roman"/>
+              </a:rPr>
+              <a:t>YOU</a:t>
+            </a:r>
+            <a:endParaRPr sz="9600">
+              <a:latin typeface="Times New Roman"/>
+              <a:cs typeface="Times New Roman"/>
+            </a:endParaRPr>
+          </a:p>
+        </p:txBody>
+      </p:sp>
+    </p:spTree>
+  </p:cSld>
+  <p:clrMapOvr>
+    <a:masterClrMapping/>
+  </p:clrMapOvr>
+  <p:timing>
+    <p:tnLst>
+      <p:par>
+        <p:cTn id="1" dur="indefinite" restart="never" nodeType="tmRoot"/>
+      </p:par>
+    </p:tnLst>
+  </p:timing>
+</p:sld>
+</file>
+
+<file path=ppt/slides/slide2.xml><?xml version="1.0" encoding="utf-8"?>
+<p:sld xmlns:a="http://schemas.openxmlformats.org/drawingml/2006/main" xmlns:r="http://schemas.openxmlformats.org/officeDocument/2006/relationships" xmlns:p="http://schemas.openxmlformats.org/presentationml/2006/main">
+  <p:cSld>
+    <p:spTree>
+      <p:nvGrpSpPr>
+        <p:cNvPr id="1" name=""/>
+        <p:cNvGrpSpPr/>
+        <p:nvPr/>
+      </p:nvGrpSpPr>
+      <p:grpSpPr>
+        <a:xfrm>
+          <a:off x="0" y="0"/>
+          <a:ext cx="0" cy="0"/>
+          <a:chOff x="0" y="0"/>
+          <a:chExt cx="0" cy="0"/>
+        </a:xfrm>
+      </p:grpSpPr>
+      <p:sp>
+        <p:nvSpPr>
+          <p:cNvPr id="2" name="object 2"/>
+          <p:cNvSpPr txBox="1">
+            <a:spLocks noGrp="1"/>
+          </p:cNvSpPr>
+          <p:nvPr>
+            <p:ph type="title"/>
+          </p:nvPr>
+        </p:nvSpPr>
+        <p:spPr>
+          <a:prstGeom prst="rect">
+            <a:avLst/>
+          </a:prstGeom>
+        </p:spPr>
+        <p:txBody>
+          <a:bodyPr vert="horz" wrap="square" lIns="0" tIns="12700" rIns="0" bIns="0" rtlCol="0">
+            <a:spAutoFit/>
+          </a:bodyPr>
+          <a:lstStyle/>
+          <a:p>
+            <a:pPr marL="43180">
+              <a:lnSpc>
+                <a:spcPct val="100000"/>
+              </a:lnSpc>
+              <a:spcBef>
+                <a:spcPts val="100"/>
+              </a:spcBef>
+            </a:pPr>
+            <a:r>
+              <a:rPr spc="-10" dirty="0"/>
+              <a:t>Introduction</a:t>
+            </a:r>
+          </a:p>
+        </p:txBody>
+      </p:sp>
+      <p:sp>
+        <p:nvSpPr>
+          <p:cNvPr id="3" name="object 3"/>
+          <p:cNvSpPr txBox="1"/>
+          <p:nvPr/>
+        </p:nvSpPr>
+        <p:spPr>
+          <a:xfrm>
+            <a:off x="1024292" y="2123949"/>
+            <a:ext cx="10634308" cy="3259867"/>
+          </a:xfrm>
+          <a:prstGeom prst="rect">
+            <a:avLst/>
+          </a:prstGeom>
+        </p:spPr>
+        <p:txBody>
+          <a:bodyPr vert="horz" wrap="square" lIns="0" tIns="12700" rIns="0" bIns="0" rtlCol="0">
+            <a:spAutoFit/>
+          </a:bodyPr>
+          <a:lstStyle/>
+          <a:p>
+            <a:pPr marL="529590" indent="-516890">
+              <a:lnSpc>
+                <a:spcPct val="100000"/>
+              </a:lnSpc>
+              <a:spcBef>
+                <a:spcPts val="100"/>
+              </a:spcBef>
+              <a:buClr>
+                <a:srgbClr val="9BA8B7"/>
+              </a:buClr>
+              <a:buAutoNum type="arabicPeriod"/>
+              <a:tabLst>
+                <a:tab pos="529590" algn="l"/>
+              </a:tabLst>
+            </a:pPr>
+            <a:r>
+              <a:rPr sz="1900" dirty="0">
+                <a:solidFill>
+                  <a:srgbClr val="3E3E3E"/>
+                </a:solidFill>
+                <a:latin typeface="Times New Roman"/>
+                <a:cs typeface="Times New Roman"/>
+              </a:rPr>
+              <a:t>Exponential</a:t>
+            </a:r>
+            <a:r>
+              <a:rPr sz="1900" spc="-30" dirty="0">
+                <a:solidFill>
+                  <a:srgbClr val="3E3E3E"/>
+                </a:solidFill>
+                <a:latin typeface="Times New Roman"/>
+                <a:cs typeface="Times New Roman"/>
+              </a:rPr>
+              <a:t> </a:t>
+            </a:r>
+            <a:r>
+              <a:rPr sz="1900" dirty="0">
+                <a:solidFill>
+                  <a:srgbClr val="3E3E3E"/>
+                </a:solidFill>
+                <a:latin typeface="Times New Roman"/>
+                <a:cs typeface="Times New Roman"/>
+              </a:rPr>
+              <a:t>growth</a:t>
+            </a:r>
+            <a:r>
+              <a:rPr sz="1900" spc="-20" dirty="0">
+                <a:solidFill>
+                  <a:srgbClr val="3E3E3E"/>
+                </a:solidFill>
+                <a:latin typeface="Times New Roman"/>
+                <a:cs typeface="Times New Roman"/>
+              </a:rPr>
+              <a:t> </a:t>
+            </a:r>
+            <a:r>
+              <a:rPr sz="1900" dirty="0">
+                <a:solidFill>
+                  <a:srgbClr val="3E3E3E"/>
+                </a:solidFill>
+                <a:latin typeface="Times New Roman"/>
+                <a:cs typeface="Times New Roman"/>
+              </a:rPr>
+              <a:t>of</a:t>
+            </a:r>
+            <a:r>
+              <a:rPr sz="1900" spc="-25" dirty="0">
+                <a:solidFill>
+                  <a:srgbClr val="3E3E3E"/>
+                </a:solidFill>
+                <a:latin typeface="Times New Roman"/>
+                <a:cs typeface="Times New Roman"/>
+              </a:rPr>
+              <a:t> </a:t>
+            </a:r>
+            <a:r>
+              <a:rPr sz="1900" dirty="0">
+                <a:solidFill>
+                  <a:srgbClr val="3E3E3E"/>
+                </a:solidFill>
+                <a:latin typeface="Times New Roman"/>
+                <a:cs typeface="Times New Roman"/>
+              </a:rPr>
+              <a:t>data</a:t>
+            </a:r>
+            <a:r>
+              <a:rPr sz="1900" spc="-25" dirty="0">
+                <a:solidFill>
+                  <a:srgbClr val="3E3E3E"/>
+                </a:solidFill>
+                <a:latin typeface="Times New Roman"/>
+                <a:cs typeface="Times New Roman"/>
+              </a:rPr>
+              <a:t> </a:t>
+            </a:r>
+            <a:r>
+              <a:rPr sz="1900" dirty="0">
+                <a:solidFill>
+                  <a:srgbClr val="3E3E3E"/>
+                </a:solidFill>
+                <a:latin typeface="Times New Roman"/>
+                <a:cs typeface="Times New Roman"/>
+              </a:rPr>
+              <a:t>in</a:t>
+            </a:r>
+            <a:r>
+              <a:rPr sz="1900" spc="-25" dirty="0">
+                <a:solidFill>
+                  <a:srgbClr val="3E3E3E"/>
+                </a:solidFill>
+                <a:latin typeface="Times New Roman"/>
+                <a:cs typeface="Times New Roman"/>
+              </a:rPr>
+              <a:t> </a:t>
+            </a:r>
+            <a:r>
+              <a:rPr sz="1900" dirty="0">
+                <a:solidFill>
+                  <a:srgbClr val="3E3E3E"/>
+                </a:solidFill>
+                <a:latin typeface="Times New Roman"/>
+                <a:cs typeface="Times New Roman"/>
+              </a:rPr>
+              <a:t>every</a:t>
+            </a:r>
+            <a:r>
+              <a:rPr sz="1900" spc="-20" dirty="0">
+                <a:solidFill>
+                  <a:srgbClr val="3E3E3E"/>
+                </a:solidFill>
+                <a:latin typeface="Times New Roman"/>
+                <a:cs typeface="Times New Roman"/>
+              </a:rPr>
+              <a:t> </a:t>
+            </a:r>
+            <a:r>
+              <a:rPr sz="1900" spc="-10" dirty="0">
+                <a:solidFill>
+                  <a:srgbClr val="3E3E3E"/>
+                </a:solidFill>
+                <a:latin typeface="Times New Roman"/>
+                <a:cs typeface="Times New Roman"/>
+              </a:rPr>
+              <a:t>domain.</a:t>
+            </a:r>
+            <a:endParaRPr sz="1900" dirty="0">
+              <a:latin typeface="Times New Roman"/>
+              <a:cs typeface="Times New Roman"/>
+            </a:endParaRPr>
+          </a:p>
+          <a:p>
+            <a:pPr marL="529590" indent="-516890">
+              <a:lnSpc>
+                <a:spcPct val="100000"/>
+              </a:lnSpc>
+              <a:spcBef>
+                <a:spcPts val="1625"/>
+              </a:spcBef>
+              <a:buClr>
+                <a:srgbClr val="9BA8B7"/>
+              </a:buClr>
+              <a:buAutoNum type="arabicPeriod"/>
+              <a:tabLst>
+                <a:tab pos="529590" algn="l"/>
+              </a:tabLst>
+            </a:pPr>
+            <a:r>
+              <a:rPr lang="en-US" sz="1900" dirty="0">
+                <a:solidFill>
+                  <a:srgbClr val="3E3E3E"/>
+                </a:solidFill>
+                <a:latin typeface="Times New Roman"/>
+                <a:cs typeface="Times New Roman"/>
+              </a:rPr>
+              <a:t>ETL (Extract, Transform, Load) is crucial to generate any meaningful information.</a:t>
+            </a:r>
+            <a:endParaRPr lang="en-US" sz="1900" dirty="0">
+              <a:latin typeface="Times New Roman"/>
+              <a:cs typeface="Times New Roman"/>
+            </a:endParaRPr>
+          </a:p>
+          <a:p>
+            <a:pPr marL="529590" indent="-516890">
+              <a:lnSpc>
+                <a:spcPct val="100000"/>
+              </a:lnSpc>
+              <a:spcBef>
+                <a:spcPts val="1625"/>
+              </a:spcBef>
+              <a:buClr>
+                <a:srgbClr val="9BA8B7"/>
+              </a:buClr>
+              <a:buAutoNum type="arabicPeriod"/>
+              <a:tabLst>
+                <a:tab pos="529590" algn="l"/>
+              </a:tabLst>
+            </a:pPr>
+            <a:r>
+              <a:rPr lang="en-US" sz="1900" dirty="0">
+                <a:solidFill>
+                  <a:srgbClr val="3E3E3E"/>
+                </a:solidFill>
+                <a:latin typeface="Times New Roman"/>
+                <a:cs typeface="Times New Roman"/>
+              </a:rPr>
+              <a:t>Traditional ETL processes require manual intervention.</a:t>
+            </a:r>
+          </a:p>
+          <a:p>
+            <a:pPr marL="529590" indent="-516890">
+              <a:lnSpc>
+                <a:spcPct val="100000"/>
+              </a:lnSpc>
+              <a:spcBef>
+                <a:spcPts val="1625"/>
+              </a:spcBef>
+              <a:buClr>
+                <a:srgbClr val="9BA8B7"/>
+              </a:buClr>
+              <a:buAutoNum type="arabicPeriod"/>
+              <a:tabLst>
+                <a:tab pos="529590" algn="l"/>
+              </a:tabLst>
+            </a:pPr>
+            <a:r>
+              <a:rPr lang="en-US" sz="1900" dirty="0">
+                <a:solidFill>
+                  <a:srgbClr val="3E3E3E"/>
+                </a:solidFill>
+                <a:latin typeface="Times New Roman"/>
+                <a:cs typeface="Times New Roman"/>
+              </a:rPr>
+              <a:t>Leading to various issues and time-consuming process.</a:t>
+            </a:r>
+            <a:endParaRPr lang="en-US" sz="1900" dirty="0">
+              <a:latin typeface="Times New Roman"/>
+              <a:cs typeface="Times New Roman"/>
+            </a:endParaRPr>
+          </a:p>
+          <a:p>
+            <a:pPr marL="529590" indent="-516890">
+              <a:lnSpc>
+                <a:spcPct val="100000"/>
+              </a:lnSpc>
+              <a:spcBef>
+                <a:spcPts val="1630"/>
+              </a:spcBef>
+              <a:buClr>
+                <a:srgbClr val="9BA8B7"/>
+              </a:buClr>
+              <a:buAutoNum type="arabicPeriod"/>
+              <a:tabLst>
+                <a:tab pos="529590" algn="l"/>
+              </a:tabLst>
+            </a:pPr>
+            <a:r>
+              <a:rPr lang="en-US" sz="1900" dirty="0">
+                <a:solidFill>
+                  <a:srgbClr val="3E3E3E"/>
+                </a:solidFill>
+                <a:latin typeface="Times New Roman"/>
+                <a:cs typeface="Times New Roman"/>
+              </a:rPr>
+              <a:t>Python and Machine Learning (ML) can enhance ETL automation.</a:t>
+            </a:r>
+          </a:p>
+          <a:p>
+            <a:pPr marL="529590" indent="-516890">
+              <a:lnSpc>
+                <a:spcPct val="100000"/>
+              </a:lnSpc>
+              <a:spcBef>
+                <a:spcPts val="1630"/>
+              </a:spcBef>
+              <a:buClr>
+                <a:srgbClr val="9BA8B7"/>
+              </a:buClr>
+              <a:buAutoNum type="arabicPeriod"/>
+              <a:tabLst>
+                <a:tab pos="529590" algn="l"/>
+              </a:tabLst>
+            </a:pPr>
+            <a:r>
+              <a:rPr lang="en-US" sz="1800" spc="-20" dirty="0">
+                <a:solidFill>
+                  <a:srgbClr val="3E3E3E"/>
+                </a:solidFill>
+                <a:latin typeface="Roboto"/>
+                <a:cs typeface="Roboto"/>
+              </a:rPr>
+              <a:t>This study focuses on automating schema detection and other meta data .</a:t>
+            </a:r>
+          </a:p>
+          <a:p>
+            <a:pPr marL="529590" indent="-516890">
+              <a:spcBef>
+                <a:spcPts val="1630"/>
+              </a:spcBef>
+              <a:buClr>
+                <a:srgbClr val="9BA8B7"/>
+              </a:buClr>
+              <a:buAutoNum type="arabicPeriod"/>
+              <a:tabLst>
+                <a:tab pos="529590" algn="l"/>
+              </a:tabLst>
+            </a:pPr>
+            <a:r>
+              <a:rPr lang="en-US" spc="-20" dirty="0">
+                <a:solidFill>
+                  <a:srgbClr val="3E3E3E"/>
+                </a:solidFill>
+                <a:latin typeface="Roboto"/>
+                <a:cs typeface="Roboto"/>
+              </a:rPr>
+              <a:t>Reduces human effort and speeds up the ETL process.</a:t>
+            </a:r>
+          </a:p>
+        </p:txBody>
+      </p:sp>
+    </p:spTree>
+  </p:cSld>
+  <p:clrMapOvr>
+    <a:masterClrMapping/>
+  </p:clrMapOvr>
+  <p:timing>
+    <p:tnLst>
+      <p:par>
+        <p:cTn id="1" dur="indefinite" restart="never" nodeType="tmRoot"/>
+      </p:par>
+    </p:tnLst>
+  </p:timing>
+</p:sld>
+</file>
+
+<file path=ppt/slides/slide3.xml><?xml version="1.0" encoding="utf-8"?>
+<p:sld xmlns:a="http://schemas.openxmlformats.org/drawingml/2006/main" xmlns:r="http://schemas.openxmlformats.org/officeDocument/2006/relationships" xmlns:p="http://schemas.openxmlformats.org/presentationml/2006/main">
+  <p:cSld>
+    <p:spTree>
+      <p:nvGrpSpPr>
+        <p:cNvPr id="1" name=""/>
+        <p:cNvGrpSpPr/>
+        <p:nvPr/>
+      </p:nvGrpSpPr>
+      <p:grpSpPr>
+        <a:xfrm>
+          <a:off x="0" y="0"/>
+          <a:ext cx="0" cy="0"/>
+          <a:chOff x="0" y="0"/>
+          <a:chExt cx="0" cy="0"/>
+        </a:xfrm>
+      </p:grpSpPr>
+      <p:sp>
+        <p:nvSpPr>
+          <p:cNvPr id="2" name="object 2"/>
+          <p:cNvSpPr txBox="1">
+            <a:spLocks noGrp="1"/>
+          </p:cNvSpPr>
+          <p:nvPr>
+            <p:ph type="title"/>
+          </p:nvPr>
+        </p:nvSpPr>
+        <p:spPr>
+          <a:prstGeom prst="rect">
+            <a:avLst/>
+          </a:prstGeom>
+        </p:spPr>
+        <p:txBody>
+          <a:bodyPr vert="horz" wrap="square" lIns="0" tIns="12700" rIns="0" bIns="0" rtlCol="0">
+            <a:spAutoFit/>
+          </a:bodyPr>
+          <a:lstStyle/>
+          <a:p>
+            <a:pPr marL="43180">
+              <a:lnSpc>
+                <a:spcPct val="100000"/>
+              </a:lnSpc>
+              <a:spcBef>
+                <a:spcPts val="100"/>
+              </a:spcBef>
+            </a:pPr>
+            <a:r>
+              <a:rPr lang="en-US" b="1" dirty="0">
+                <a:solidFill>
+                  <a:srgbClr val="3C4043"/>
+                </a:solidFill>
+                <a:latin typeface="Times New Roman"/>
+                <a:cs typeface="Times New Roman"/>
+              </a:rPr>
+              <a:t>Problem statement</a:t>
+            </a:r>
+            <a:endParaRPr b="1" spc="-10" dirty="0">
+              <a:solidFill>
+                <a:srgbClr val="3C4043"/>
+              </a:solidFill>
+              <a:latin typeface="Times New Roman"/>
+              <a:cs typeface="Times New Roman"/>
+            </a:endParaRPr>
+          </a:p>
+        </p:txBody>
+      </p:sp>
+      <p:sp>
+        <p:nvSpPr>
+          <p:cNvPr id="3" name="object 3"/>
+          <p:cNvSpPr txBox="1">
+            <a:spLocks noGrp="1"/>
+          </p:cNvSpPr>
+          <p:nvPr>
+            <p:ph sz="half" idx="2"/>
+          </p:nvPr>
+        </p:nvSpPr>
+        <p:spPr>
+          <a:xfrm>
+            <a:off x="1176018" y="2123949"/>
+            <a:ext cx="10253981" cy="3152145"/>
+          </a:xfrm>
+          <a:prstGeom prst="rect">
+            <a:avLst/>
+          </a:prstGeom>
+        </p:spPr>
+        <p:txBody>
+          <a:bodyPr vert="horz" wrap="square" lIns="0" tIns="12700" rIns="0" bIns="0" rtlCol="0">
+            <a:spAutoFit/>
+          </a:bodyPr>
+          <a:lstStyle/>
+          <a:p>
+            <a:pPr marL="469900" indent="-457200">
+              <a:lnSpc>
+                <a:spcPct val="150000"/>
+              </a:lnSpc>
+              <a:spcAft>
+                <a:spcPts val="1000"/>
+              </a:spcAft>
+              <a:buAutoNum type="arabicPeriod"/>
+            </a:pPr>
+            <a:r>
+              <a:rPr lang="en-US" b="0" spc="-10" dirty="0">
+                <a:latin typeface="Times New Roman"/>
+                <a:cs typeface="Times New Roman"/>
+              </a:rPr>
+              <a:t>ETL Processes uses commercial ETL tools which has high prices.</a:t>
+            </a:r>
+          </a:p>
+          <a:p>
+            <a:pPr marL="469900" indent="-457200">
+              <a:lnSpc>
+                <a:spcPct val="150000"/>
+              </a:lnSpc>
+              <a:spcAft>
+                <a:spcPts val="1000"/>
+              </a:spcAft>
+              <a:buAutoNum type="arabicPeriod"/>
+            </a:pPr>
+            <a:r>
+              <a:rPr lang="en-US" b="0" spc="-10" dirty="0"/>
+              <a:t>High dependency on ETL developers as it requires tool specific knowledge</a:t>
+            </a:r>
+          </a:p>
+          <a:p>
+            <a:pPr marL="469900" indent="-457200">
+              <a:lnSpc>
+                <a:spcPct val="150000"/>
+              </a:lnSpc>
+              <a:spcAft>
+                <a:spcPts val="1000"/>
+              </a:spcAft>
+              <a:buAutoNum type="arabicPeriod"/>
+            </a:pPr>
+            <a:r>
+              <a:rPr lang="en-US" b="0" spc="-10" dirty="0"/>
+              <a:t>Manual data type detection is time-intensive.</a:t>
+            </a:r>
+          </a:p>
+          <a:p>
+            <a:pPr marL="469900" indent="-457200">
+              <a:lnSpc>
+                <a:spcPct val="150000"/>
+              </a:lnSpc>
+              <a:spcAft>
+                <a:spcPts val="1000"/>
+              </a:spcAft>
+              <a:buAutoNum type="arabicPeriod"/>
+            </a:pPr>
+            <a:r>
+              <a:rPr lang="en-US" b="0" spc="-10" dirty="0"/>
+              <a:t>Human Intervention leading to time consuming and error prone process</a:t>
+            </a:r>
+            <a:r>
+              <a:rPr lang="en-US" b="0" spc="-10" dirty="0" smtClean="0"/>
+              <a:t>.</a:t>
+            </a:r>
+            <a:endParaRPr lang="en-US" b="0" spc="-10" dirty="0"/>
+          </a:p>
+          <a:p>
+            <a:pPr marL="469900" indent="-457200">
+              <a:lnSpc>
+                <a:spcPct val="150000"/>
+              </a:lnSpc>
+              <a:spcAft>
+                <a:spcPts val="1000"/>
+              </a:spcAft>
+              <a:buAutoNum type="arabicPeriod"/>
+            </a:pPr>
+            <a:r>
+              <a:rPr lang="en-US" b="0" spc="-10" dirty="0" smtClean="0"/>
+              <a:t>Delayed </a:t>
+            </a:r>
+            <a:r>
+              <a:rPr lang="en-US" b="0" spc="-10" dirty="0"/>
+              <a:t>decision-making due to slow ETL processing.</a:t>
+            </a:r>
+          </a:p>
+          <a:p>
+            <a:pPr marL="469900" indent="-457200">
+              <a:lnSpc>
+                <a:spcPct val="100000"/>
+              </a:lnSpc>
+              <a:spcBef>
+                <a:spcPts val="100"/>
+              </a:spcBef>
+              <a:buAutoNum type="arabicPeriod"/>
+            </a:pPr>
+            <a:endParaRPr lang="en-US" b="0" spc="-10" dirty="0">
+              <a:latin typeface="Times New Roman"/>
+              <a:cs typeface="Times New Roman"/>
+            </a:endParaRPr>
+          </a:p>
+        </p:txBody>
+      </p:sp>
+    </p:spTree>
+  </p:cSld>
+  <p:clrMapOvr>
+    <a:masterClrMapping/>
+  </p:clrMapOvr>
+  <p:timing>
+    <p:tnLst>
+      <p:par>
+        <p:cTn id="1" dur="indefinite" restart="never" nodeType="tmRoot"/>
+      </p:par>
+    </p:tnLst>
+  </p:timing>
+</p:sld>
+</file>
+
+<file path=ppt/slides/slide4.xml><?xml version="1.0" encoding="utf-8"?>
+<p:sld xmlns:a="http://schemas.openxmlformats.org/drawingml/2006/main" xmlns:r="http://schemas.openxmlformats.org/officeDocument/2006/relationships" xmlns:p="http://schemas.openxmlformats.org/presentationml/2006/main">
+  <p:cSld>
+    <p:spTree>
+      <p:nvGrpSpPr>
+        <p:cNvPr id="1" name=""/>
+        <p:cNvGrpSpPr/>
+        <p:nvPr/>
+      </p:nvGrpSpPr>
+      <p:grpSpPr>
+        <a:xfrm>
+          <a:off x="0" y="0"/>
+          <a:ext cx="0" cy="0"/>
+          <a:chOff x="0" y="0"/>
+          <a:chExt cx="0" cy="0"/>
+        </a:xfrm>
+      </p:grpSpPr>
+      <p:sp>
+        <p:nvSpPr>
+          <p:cNvPr id="2" name="object 2"/>
+          <p:cNvSpPr txBox="1">
+            <a:spLocks noGrp="1"/>
+          </p:cNvSpPr>
+          <p:nvPr>
+            <p:ph type="title"/>
+          </p:nvPr>
+        </p:nvSpPr>
+        <p:spPr>
+          <a:prstGeom prst="rect">
+            <a:avLst/>
+          </a:prstGeom>
+        </p:spPr>
+        <p:txBody>
+          <a:bodyPr vert="horz" wrap="square" lIns="0" tIns="12700" rIns="0" bIns="0" rtlCol="0">
+            <a:spAutoFit/>
+          </a:bodyPr>
+          <a:lstStyle/>
+          <a:p>
+            <a:pPr marL="43180">
+              <a:lnSpc>
+                <a:spcPct val="100000"/>
+              </a:lnSpc>
+              <a:spcBef>
+                <a:spcPts val="100"/>
+              </a:spcBef>
+            </a:pPr>
+            <a:r>
+              <a:rPr lang="en-US" b="1" dirty="0">
+                <a:solidFill>
+                  <a:srgbClr val="3C4043"/>
+                </a:solidFill>
+                <a:latin typeface="Times New Roman"/>
+                <a:cs typeface="Times New Roman"/>
+              </a:rPr>
+              <a:t>Objectives</a:t>
+            </a:r>
+            <a:endParaRPr b="1" spc="-10" dirty="0">
+              <a:solidFill>
+                <a:srgbClr val="3C4043"/>
+              </a:solidFill>
+              <a:latin typeface="Times New Roman"/>
+              <a:cs typeface="Times New Roman"/>
+            </a:endParaRPr>
+          </a:p>
+        </p:txBody>
+      </p:sp>
+      <p:sp>
+        <p:nvSpPr>
+          <p:cNvPr id="3" name="object 3"/>
+          <p:cNvSpPr txBox="1">
+            <a:spLocks noGrp="1"/>
+          </p:cNvSpPr>
+          <p:nvPr>
+            <p:ph type="body" idx="1"/>
+          </p:nvPr>
+        </p:nvSpPr>
+        <p:spPr>
+          <a:xfrm>
+            <a:off x="1033318" y="2125397"/>
+            <a:ext cx="10126980" cy="3508653"/>
+          </a:xfrm>
+          <a:prstGeom prst="rect">
+            <a:avLst/>
+          </a:prstGeom>
+        </p:spPr>
+        <p:txBody>
+          <a:bodyPr vert="horz" wrap="square" lIns="0" tIns="12700" rIns="0" bIns="0" rtlCol="0">
+            <a:spAutoFit/>
+          </a:bodyPr>
+          <a:lstStyle/>
+          <a:p>
+            <a:pPr marL="706120" indent="-457200">
+              <a:lnSpc>
+                <a:spcPct val="150000"/>
+              </a:lnSpc>
+              <a:spcBef>
+                <a:spcPts val="100"/>
+              </a:spcBef>
+              <a:spcAft>
+                <a:spcPts val="1000"/>
+              </a:spcAft>
+              <a:buAutoNum type="arabicPeriod"/>
+            </a:pPr>
+            <a:r>
+              <a:rPr lang="en-US" sz="1900" dirty="0">
+                <a:latin typeface="Times New Roman"/>
+                <a:cs typeface="Times New Roman"/>
+              </a:rPr>
+              <a:t>Remove Dependency on ETL Tools for Processing ASCII delimited Files.</a:t>
+            </a:r>
+          </a:p>
+          <a:p>
+            <a:pPr marL="706120" indent="-457200">
+              <a:lnSpc>
+                <a:spcPct val="150000"/>
+              </a:lnSpc>
+              <a:spcBef>
+                <a:spcPts val="100"/>
+              </a:spcBef>
+              <a:spcAft>
+                <a:spcPts val="1000"/>
+              </a:spcAft>
+              <a:buAutoNum type="arabicPeriod"/>
+            </a:pPr>
+            <a:r>
+              <a:rPr lang="en-US" sz="1900" dirty="0">
+                <a:latin typeface="Times New Roman"/>
+                <a:cs typeface="Times New Roman"/>
+              </a:rPr>
+              <a:t>Ensure one can process data up to Sql server without having tools specific knowledge.</a:t>
+            </a:r>
+          </a:p>
+          <a:p>
+            <a:pPr marL="706120" indent="-457200">
+              <a:lnSpc>
+                <a:spcPct val="150000"/>
+              </a:lnSpc>
+              <a:spcBef>
+                <a:spcPts val="100"/>
+              </a:spcBef>
+              <a:spcAft>
+                <a:spcPts val="1000"/>
+              </a:spcAft>
+              <a:buAutoNum type="arabicPeriod"/>
+            </a:pPr>
+            <a:r>
+              <a:rPr lang="en-US" sz="1900" dirty="0">
+                <a:latin typeface="Times New Roman"/>
+                <a:cs typeface="Times New Roman"/>
+              </a:rPr>
+              <a:t>Reduce Manual Intervention in ETL workflows.</a:t>
+            </a:r>
+          </a:p>
+          <a:p>
+            <a:pPr marL="706120" indent="-457200">
+              <a:lnSpc>
+                <a:spcPct val="150000"/>
+              </a:lnSpc>
+              <a:spcBef>
+                <a:spcPts val="100"/>
+              </a:spcBef>
+              <a:spcAft>
+                <a:spcPts val="1000"/>
+              </a:spcAft>
+              <a:buAutoNum type="arabicPeriod"/>
+            </a:pPr>
+            <a:r>
+              <a:rPr lang="en-US" sz="1900" dirty="0">
+                <a:latin typeface="Times New Roman"/>
+                <a:cs typeface="Times New Roman"/>
+              </a:rPr>
+              <a:t>Increase ETL processing speed.</a:t>
+            </a:r>
+          </a:p>
+          <a:p>
+            <a:pPr marL="706120" indent="-457200">
+              <a:lnSpc>
+                <a:spcPct val="150000"/>
+              </a:lnSpc>
+              <a:spcBef>
+                <a:spcPts val="100"/>
+              </a:spcBef>
+              <a:spcAft>
+                <a:spcPts val="1000"/>
+              </a:spcAft>
+              <a:buAutoNum type="arabicPeriod"/>
+            </a:pPr>
+            <a:r>
+              <a:rPr lang="en-US" sz="1900" dirty="0" smtClean="0">
+                <a:latin typeface="Times New Roman"/>
+                <a:cs typeface="Times New Roman"/>
+              </a:rPr>
+              <a:t>Minimize </a:t>
+            </a:r>
+            <a:r>
+              <a:rPr lang="en-US" sz="1900" dirty="0">
+                <a:latin typeface="Times New Roman"/>
+                <a:cs typeface="Times New Roman"/>
+              </a:rPr>
+              <a:t>errors and inconsistencies caused due to human interventions in ETL processing.</a:t>
+            </a:r>
+          </a:p>
+          <a:p>
+            <a:pPr marL="248920">
+              <a:lnSpc>
+                <a:spcPct val="100000"/>
+              </a:lnSpc>
+              <a:spcBef>
+                <a:spcPts val="100"/>
+              </a:spcBef>
+            </a:pPr>
+            <a:endParaRPr lang="en-US" sz="1900" dirty="0">
+              <a:latin typeface="Times New Roman"/>
+              <a:cs typeface="Times New Roman"/>
+            </a:endParaRPr>
+          </a:p>
+          <a:p>
+            <a:pPr marL="706120" indent="-457200">
+              <a:lnSpc>
+                <a:spcPct val="100000"/>
+              </a:lnSpc>
+              <a:spcBef>
+                <a:spcPts val="100"/>
+              </a:spcBef>
+              <a:buAutoNum type="arabicPeriod"/>
+            </a:pPr>
+            <a:endParaRPr sz="1900" dirty="0">
+              <a:latin typeface="Times New Roman"/>
+              <a:cs typeface="Times New Roman"/>
+            </a:endParaRPr>
+          </a:p>
+        </p:txBody>
+      </p:sp>
+    </p:spTree>
+  </p:cSld>
+  <p:clrMapOvr>
+    <a:masterClrMapping/>
+  </p:clrMapOvr>
+  <p:timing>
+    <p:tnLst>
+      <p:par>
+        <p:cTn id="1" dur="indefinite" restart="never" nodeType="tmRoot"/>
+      </p:par>
+    </p:tnLst>
+  </p:timing>
+</p:sld>
+</file>
+
+<file path=ppt/slides/slide5.xml><?xml version="1.0" encoding="utf-8"?>
+<p:sld xmlns:a="http://schemas.openxmlformats.org/drawingml/2006/main" xmlns:r="http://schemas.openxmlformats.org/officeDocument/2006/relationships" xmlns:p="http://schemas.openxmlformats.org/presentationml/2006/main">
+  <p:cSld>
+    <p:spTree>
+      <p:nvGrpSpPr>
+        <p:cNvPr id="1" name=""/>
+        <p:cNvGrpSpPr/>
+        <p:nvPr/>
+      </p:nvGrpSpPr>
+      <p:grpSpPr>
+        <a:xfrm>
+          <a:off x="0" y="0"/>
+          <a:ext cx="0" cy="0"/>
+          <a:chOff x="0" y="0"/>
+          <a:chExt cx="0" cy="0"/>
+        </a:xfrm>
+      </p:grpSpPr>
+      <p:sp>
+        <p:nvSpPr>
+          <p:cNvPr id="2" name="object 2"/>
+          <p:cNvSpPr txBox="1">
+            <a:spLocks noGrp="1"/>
+          </p:cNvSpPr>
+          <p:nvPr>
+            <p:ph type="title"/>
+          </p:nvPr>
+        </p:nvSpPr>
+        <p:spPr>
+          <a:xfrm>
+            <a:off x="1139825" y="960729"/>
+            <a:ext cx="8172450" cy="736099"/>
+          </a:xfrm>
+          <a:prstGeom prst="rect">
+            <a:avLst/>
+          </a:prstGeom>
+        </p:spPr>
+        <p:txBody>
+          <a:bodyPr vert="horz" wrap="square" lIns="0" tIns="12700" rIns="0" bIns="0" rtlCol="0">
+            <a:spAutoFit/>
+          </a:bodyPr>
+          <a:lstStyle/>
+          <a:p>
+            <a:pPr marL="43180">
+              <a:lnSpc>
+                <a:spcPct val="100000"/>
+              </a:lnSpc>
+              <a:spcBef>
+                <a:spcPts val="100"/>
+              </a:spcBef>
+            </a:pPr>
+            <a:r>
+              <a:rPr lang="en-US" b="1" spc="-10" dirty="0" smtClean="0">
+                <a:solidFill>
+                  <a:srgbClr val="3C4043"/>
+                </a:solidFill>
+              </a:rPr>
+              <a:t>Literature Review</a:t>
+            </a:r>
+            <a:endParaRPr b="1" spc="-10" dirty="0">
+              <a:solidFill>
+                <a:srgbClr val="3C4043"/>
+              </a:solidFill>
+              <a:latin typeface="Times New Roman"/>
+              <a:cs typeface="Times New Roman"/>
+            </a:endParaRPr>
+          </a:p>
+        </p:txBody>
+      </p:sp>
+      <p:sp>
+        <p:nvSpPr>
+          <p:cNvPr id="3" name="object 3"/>
+          <p:cNvSpPr txBox="1">
+            <a:spLocks noGrp="1"/>
+          </p:cNvSpPr>
+          <p:nvPr>
+            <p:ph type="body" idx="1"/>
+          </p:nvPr>
+        </p:nvSpPr>
+        <p:spPr>
+          <a:xfrm>
+            <a:off x="1033318" y="2125397"/>
+            <a:ext cx="10126980" cy="610424"/>
+          </a:xfrm>
+          <a:prstGeom prst="rect">
+            <a:avLst/>
+          </a:prstGeom>
+        </p:spPr>
+        <p:txBody>
+          <a:bodyPr vert="horz" wrap="square" lIns="0" tIns="12700" rIns="0" bIns="0" rtlCol="0">
+            <a:spAutoFit/>
+          </a:bodyPr>
+          <a:lstStyle/>
+          <a:p>
+            <a:pPr marL="248920">
+              <a:lnSpc>
+                <a:spcPct val="100000"/>
+              </a:lnSpc>
+              <a:spcBef>
+                <a:spcPts val="100"/>
+              </a:spcBef>
+            </a:pPr>
+            <a:endParaRPr lang="en-US" sz="1900" dirty="0">
+              <a:latin typeface="Times New Roman"/>
+              <a:cs typeface="Times New Roman"/>
+            </a:endParaRPr>
+          </a:p>
+          <a:p>
+            <a:pPr marL="706120" indent="-457200">
+              <a:lnSpc>
+                <a:spcPct val="100000"/>
+              </a:lnSpc>
+              <a:spcBef>
+                <a:spcPts val="100"/>
+              </a:spcBef>
+              <a:buAutoNum type="arabicPeriod"/>
+            </a:pPr>
+            <a:endParaRPr sz="1900" dirty="0">
+              <a:latin typeface="Times New Roman"/>
+              <a:cs typeface="Times New Roman"/>
+            </a:endParaRPr>
+          </a:p>
+        </p:txBody>
+      </p:sp>
+      <p:graphicFrame>
+        <p:nvGraphicFramePr>
+          <p:cNvPr id="4" name="Table 3"/>
+          <p:cNvGraphicFramePr>
+            <a:graphicFrameLocks noGrp="1"/>
+          </p:cNvGraphicFramePr>
+          <p:nvPr>
+            <p:extLst>
+              <p:ext uri="{D42A27DB-BD31-4B8C-83A1-F6EECF244321}">
+                <p14:modId xmlns:p14="http://schemas.microsoft.com/office/powerpoint/2010/main" val="3281194980"/>
+              </p:ext>
+            </p:extLst>
+          </p:nvPr>
+        </p:nvGraphicFramePr>
+        <p:xfrm>
+          <a:off x="1139825" y="2125397"/>
+          <a:ext cx="9998248" cy="3207048"/>
+        </p:xfrm>
+        <a:graphic>
+          <a:graphicData uri="http://schemas.openxmlformats.org/drawingml/2006/table">
+            <a:tbl>
+              <a:tblPr firstRow="1" bandRow="1">
+                <a:tableStyleId>{073A0DAA-6AF3-43AB-8588-CEC1D06C72B9}</a:tableStyleId>
+              </a:tblPr>
+              <a:tblGrid>
+                <a:gridCol w="3951791">
+                  <a:extLst>
+                    <a:ext uri="{9D8B030D-6E8A-4147-A177-3AD203B41FA5}">
+                      <a16:colId xmlns:a16="http://schemas.microsoft.com/office/drawing/2014/main" val="1282112995"/>
+                    </a:ext>
+                  </a:extLst>
+                </a:gridCol>
+                <a:gridCol w="6046457">
+                  <a:extLst>
+                    <a:ext uri="{9D8B030D-6E8A-4147-A177-3AD203B41FA5}">
+                      <a16:colId xmlns:a16="http://schemas.microsoft.com/office/drawing/2014/main" val="2117072994"/>
+                    </a:ext>
+                  </a:extLst>
+                </a:gridCol>
+              </a:tblGrid>
+              <a:tr h="643648">
+                <a:tc>
+                  <a:txBody>
+                    <a:bodyPr/>
+                    <a:lstStyle/>
+                    <a:p>
+                      <a:pPr algn="ctr"/>
+                      <a:r>
+                        <a:rPr lang="en-US" dirty="0" smtClean="0"/>
+                        <a:t>Previous</a:t>
+                      </a:r>
+                      <a:r>
+                        <a:rPr lang="en-US" baseline="0" dirty="0" smtClean="0"/>
+                        <a:t> Works</a:t>
+                      </a:r>
+                      <a:endParaRPr lang="en-US" dirty="0"/>
+                    </a:p>
+                  </a:txBody>
+                  <a:tcPr anchor="ctr"/>
+                </a:tc>
+                <a:tc>
+                  <a:txBody>
+                    <a:bodyPr/>
+                    <a:lstStyle/>
+                    <a:p>
+                      <a:r>
+                        <a:rPr lang="en-US" dirty="0" smtClean="0"/>
+                        <a:t>Key</a:t>
+                      </a:r>
+                      <a:r>
+                        <a:rPr lang="en-US" baseline="0" dirty="0" smtClean="0"/>
+                        <a:t> Findings</a:t>
+                      </a:r>
+                      <a:endParaRPr lang="en-US" dirty="0"/>
+                    </a:p>
+                  </a:txBody>
+                  <a:tcPr anchor="ctr"/>
+                </a:tc>
+                <a:extLst>
+                  <a:ext uri="{0D108BD9-81ED-4DB2-BD59-A6C34878D82A}">
+                    <a16:rowId xmlns:a16="http://schemas.microsoft.com/office/drawing/2014/main" val="1138623039"/>
+                  </a:ext>
+                </a:extLst>
+              </a:tr>
+              <a:tr h="888555">
+                <a:tc>
+                  <a:txBody>
+                    <a:bodyPr/>
+                    <a:lstStyle/>
+                    <a:p>
+                      <a:pPr marL="0" marR="0" lvl="0" indent="0" defTabSz="914400" eaLnBrk="1" fontAlgn="auto" latinLnBrk="0" hangingPunct="1">
+                        <a:lnSpc>
+                          <a:spcPct val="100000"/>
+                        </a:lnSpc>
+                        <a:spcBef>
+                          <a:spcPts val="0"/>
+                        </a:spcBef>
+                        <a:spcAft>
+                          <a:spcPts val="0"/>
+                        </a:spcAft>
+                        <a:buClrTx/>
+                        <a:buSzTx/>
+                        <a:buFontTx/>
+                        <a:buNone/>
+                        <a:tabLst/>
+                        <a:defRPr/>
+                      </a:pPr>
+                      <a:r>
+                        <a:rPr lang="en-US" sz="1400" dirty="0" smtClean="0">
+                          <a:solidFill>
+                            <a:schemeClr val="dk1"/>
+                          </a:solidFill>
+                          <a:effectLst/>
+                          <a:latin typeface="+mn-lt"/>
+                          <a:ea typeface="+mn-ea"/>
+                          <a:cs typeface="+mn-cs"/>
+                        </a:rPr>
+                        <a:t>P.Pham</a:t>
+                      </a:r>
+                      <a:r>
+                        <a:rPr lang="en-US" sz="1400" baseline="0" dirty="0" smtClean="0">
+                          <a:solidFill>
+                            <a:schemeClr val="dk1"/>
+                          </a:solidFill>
+                          <a:effectLst/>
+                          <a:latin typeface="+mn-lt"/>
+                          <a:ea typeface="+mn-ea"/>
+                          <a:cs typeface="+mn-cs"/>
+                        </a:rPr>
+                        <a:t> </a:t>
+                      </a:r>
+                      <a:r>
+                        <a:rPr lang="en-US" sz="1400" dirty="0" smtClean="0">
+                          <a:solidFill>
+                            <a:schemeClr val="dk1"/>
+                          </a:solidFill>
+                          <a:effectLst/>
+                          <a:latin typeface="+mn-lt"/>
+                          <a:ea typeface="+mn-ea"/>
+                          <a:cs typeface="+mn-cs"/>
+                        </a:rPr>
+                        <a:t>“A Case Study in Developing an Automated ETL Solution” </a:t>
+                      </a:r>
+                      <a:endParaRPr lang="en-US" sz="1400" dirty="0"/>
+                    </a:p>
+                  </a:txBody>
+                  <a:tcPr anchor="ctr"/>
+                </a:tc>
+                <a:tc>
+                  <a:txBody>
+                    <a:bodyPr/>
+                    <a:lstStyle/>
+                    <a:p>
+                      <a:pPr algn="l"/>
+                      <a:r>
+                        <a:rPr lang="en-US" sz="1400" dirty="0" smtClean="0"/>
+                        <a:t>Focused on minimizing manual steps by introducing automated steps for data extraction and transformation</a:t>
+                      </a:r>
+                    </a:p>
+                    <a:p>
+                      <a:pPr algn="l"/>
+                      <a:r>
+                        <a:rPr lang="en-US" sz="1400" b="0" dirty="0" smtClean="0"/>
+                        <a:t>No</a:t>
+                      </a:r>
+                      <a:r>
+                        <a:rPr lang="en-US" sz="1400" b="1" dirty="0" smtClean="0"/>
+                        <a:t> mention specific ML algorithms</a:t>
+                      </a:r>
+                      <a:r>
+                        <a:rPr lang="en-US" sz="1400" dirty="0" smtClean="0"/>
+                        <a:t> </a:t>
+                      </a:r>
+                    </a:p>
+                    <a:p>
+                      <a:pPr algn="l"/>
+                      <a:r>
+                        <a:rPr lang="en-US" sz="1400" dirty="0" smtClean="0"/>
+                        <a:t>No</a:t>
+                      </a:r>
+                      <a:r>
+                        <a:rPr lang="en-US" sz="1400" baseline="0" dirty="0" smtClean="0"/>
+                        <a:t> </a:t>
+                      </a:r>
+                      <a:r>
+                        <a:rPr lang="en-US" sz="1400" dirty="0" smtClean="0"/>
+                        <a:t>exploration</a:t>
+                      </a:r>
+                      <a:r>
+                        <a:rPr lang="en-US" sz="1400" baseline="0" dirty="0" smtClean="0"/>
+                        <a:t> of </a:t>
+                      </a:r>
+                      <a:r>
+                        <a:rPr lang="en-US" sz="1400" dirty="0" smtClean="0"/>
+                        <a:t> how to automatically detect </a:t>
+                      </a:r>
+                      <a:r>
+                        <a:rPr lang="en-US" sz="1400" b="1" dirty="0" smtClean="0"/>
+                        <a:t>column types</a:t>
+                      </a:r>
+                      <a:endParaRPr lang="en-US" sz="1400" dirty="0"/>
+                    </a:p>
+                  </a:txBody>
+                  <a:tcPr/>
+                </a:tc>
+                <a:extLst>
+                  <a:ext uri="{0D108BD9-81ED-4DB2-BD59-A6C34878D82A}">
+                    <a16:rowId xmlns:a16="http://schemas.microsoft.com/office/drawing/2014/main" val="3838639843"/>
+                  </a:ext>
+                </a:extLst>
+              </a:tr>
+              <a:tr h="809260">
+                <a:tc>
+                  <a:txBody>
+                    <a:bodyPr/>
+                    <a:lstStyle/>
+                    <a:p>
+                      <a:r>
+                        <a:rPr lang="en-US" sz="1400" dirty="0" smtClean="0">
+                          <a:solidFill>
+                            <a:schemeClr val="dk1"/>
+                          </a:solidFill>
+                          <a:effectLst/>
+                          <a:latin typeface="+mn-lt"/>
+                          <a:ea typeface="+mn-ea"/>
+                          <a:cs typeface="+mn-cs"/>
+                        </a:rPr>
+                        <a:t>C. Van der Putten "Transforming Data Flow: Generative AI in ETL Pipeline Automation" </a:t>
+                      </a:r>
+                      <a:endParaRPr lang="en-US" sz="1400" dirty="0"/>
+                    </a:p>
+                  </a:txBody>
+                  <a:tcPr/>
+                </a:tc>
+                <a:tc>
+                  <a:txBody>
+                    <a:bodyPr/>
+                    <a:lstStyle/>
+                    <a:p>
+                      <a:r>
+                        <a:rPr lang="en-US" sz="1400" dirty="0" smtClean="0"/>
+                        <a:t>Discuss</a:t>
+                      </a:r>
+                      <a:r>
+                        <a:rPr lang="en-US" sz="1400" baseline="0" dirty="0" smtClean="0"/>
+                        <a:t> the Role of Machine Learning In ETL</a:t>
+                      </a:r>
+                    </a:p>
+                    <a:p>
+                      <a:r>
+                        <a:rPr lang="en-US" sz="1400" dirty="0" smtClean="0"/>
+                        <a:t>Automation</a:t>
+                      </a:r>
+                      <a:r>
+                        <a:rPr lang="en-US" sz="1400" baseline="0" dirty="0" smtClean="0"/>
+                        <a:t> of Creating SSIS Packages.</a:t>
+                      </a:r>
+                    </a:p>
+                    <a:p>
+                      <a:r>
+                        <a:rPr lang="en-US" sz="1400" dirty="0" smtClean="0"/>
+                        <a:t>It still is using SSIS as ETL Tool</a:t>
+                      </a:r>
+                      <a:endParaRPr lang="en-US" sz="1400" dirty="0"/>
+                    </a:p>
+                  </a:txBody>
+                  <a:tcPr/>
+                </a:tc>
+                <a:extLst>
+                  <a:ext uri="{0D108BD9-81ED-4DB2-BD59-A6C34878D82A}">
+                    <a16:rowId xmlns:a16="http://schemas.microsoft.com/office/drawing/2014/main" val="2278298618"/>
+                  </a:ext>
+                </a:extLst>
+              </a:tr>
+              <a:tr h="809260">
+                <a:tc>
+                  <a:txBody>
+                    <a:bodyPr/>
+                    <a:lstStyle/>
+                    <a:p>
+                      <a:r>
+                        <a:rPr lang="en-US" sz="1400" dirty="0" smtClean="0"/>
+                        <a:t>Akisetty et al. "Automating ETL Workflows with CI/CD Pipelines for Machine Learning Applications" </a:t>
+                      </a:r>
+                      <a:endParaRPr lang="en-US" sz="1400" dirty="0"/>
+                    </a:p>
+                  </a:txBody>
+                  <a:tcPr/>
+                </a:tc>
+                <a:tc>
+                  <a:txBody>
+                    <a:bodyPr/>
+                    <a:lstStyle/>
+                    <a:p>
+                      <a:r>
+                        <a:rPr lang="en-US" sz="1400" dirty="0" smtClean="0"/>
+                        <a:t>Integrates CI/CD practices</a:t>
+                      </a:r>
+                      <a:r>
+                        <a:rPr lang="en-US" sz="1400" baseline="0" dirty="0" smtClean="0"/>
+                        <a:t> into ETL pipeline.</a:t>
+                      </a:r>
+                    </a:p>
+                    <a:p>
+                      <a:r>
+                        <a:rPr lang="en-US" sz="1400" dirty="0" smtClean="0"/>
+                        <a:t>Conceptual framework </a:t>
+                      </a:r>
+                    </a:p>
+                    <a:p>
+                      <a:r>
+                        <a:rPr lang="en-US" sz="1400" dirty="0" smtClean="0"/>
+                        <a:t>Requires</a:t>
+                      </a:r>
+                      <a:r>
+                        <a:rPr lang="en-US" sz="1400" baseline="0" dirty="0" smtClean="0"/>
+                        <a:t> knowledge of Devops as well as ETL systems.</a:t>
+                      </a:r>
+                      <a:endParaRPr lang="en-US" sz="1400" dirty="0"/>
+                    </a:p>
+                  </a:txBody>
+                  <a:tcPr/>
+                </a:tc>
+                <a:extLst>
+                  <a:ext uri="{0D108BD9-81ED-4DB2-BD59-A6C34878D82A}">
+                    <a16:rowId xmlns:a16="http://schemas.microsoft.com/office/drawing/2014/main" val="3790787309"/>
+                  </a:ext>
+                </a:extLst>
+              </a:tr>
+            </a:tbl>
+          </a:graphicData>
+        </a:graphic>
+      </p:graphicFrame>
+    </p:spTree>
+    <p:extLst>
+      <p:ext uri="{BB962C8B-B14F-4D97-AF65-F5344CB8AC3E}">
+        <p14:creationId xmlns:p14="http://schemas.microsoft.com/office/powerpoint/2010/main" val="222067435"/>
+      </p:ext>
+    </p:extLst>
+  </p:cSld>
+  <p:clrMapOvr>
+    <a:masterClrMapping/>
+  </p:clrMapOvr>
+  <p:timing>
+    <p:tnLst>
+      <p:par>
+        <p:cTn id="1" dur="indefinite" restart="never" nodeType="tmRoot"/>
+      </p:par>
+    </p:tnLst>
+  </p:timing>
+</p:sld>
+</file>
+
+<file path=ppt/slides/slide6.xml><?xml version="1.0" encoding="utf-8"?>
+<p:sld xmlns:a="http://schemas.openxmlformats.org/drawingml/2006/main" xmlns:r="http://schemas.openxmlformats.org/officeDocument/2006/relationships" xmlns:p="http://schemas.openxmlformats.org/presentationml/2006/main">
+  <p:cSld>
+    <p:spTree>
+      <p:nvGrpSpPr>
+        <p:cNvPr id="1" name=""/>
+        <p:cNvGrpSpPr/>
+        <p:nvPr/>
+      </p:nvGrpSpPr>
+      <p:grpSpPr>
+        <a:xfrm>
+          <a:off x="0" y="0"/>
+          <a:ext cx="0" cy="0"/>
+          <a:chOff x="0" y="0"/>
+          <a:chExt cx="0" cy="0"/>
+        </a:xfrm>
+      </p:grpSpPr>
+      <p:sp>
+        <p:nvSpPr>
+          <p:cNvPr id="2" name="object 2"/>
+          <p:cNvSpPr txBox="1">
+            <a:spLocks noGrp="1"/>
+          </p:cNvSpPr>
+          <p:nvPr>
+            <p:ph type="title"/>
+          </p:nvPr>
+        </p:nvSpPr>
+        <p:spPr>
+          <a:prstGeom prst="rect">
+            <a:avLst/>
+          </a:prstGeom>
+        </p:spPr>
+        <p:txBody>
+          <a:bodyPr vert="horz" wrap="square" lIns="0" tIns="12700" rIns="0" bIns="0" rtlCol="0">
+            <a:spAutoFit/>
+          </a:bodyPr>
+          <a:lstStyle/>
+          <a:p>
+            <a:pPr marL="43180">
+              <a:lnSpc>
+                <a:spcPct val="100000"/>
+              </a:lnSpc>
+              <a:spcBef>
+                <a:spcPts val="100"/>
+              </a:spcBef>
+            </a:pPr>
+            <a:r>
+              <a:rPr lang="en-US" b="1" dirty="0" smtClean="0">
+                <a:solidFill>
+                  <a:srgbClr val="3C4043"/>
+                </a:solidFill>
+                <a:latin typeface="Times New Roman"/>
+                <a:cs typeface="Times New Roman"/>
+              </a:rPr>
+              <a:t>Research Gaps</a:t>
+            </a:r>
+            <a:endParaRPr b="1" spc="-10" dirty="0">
+              <a:solidFill>
+                <a:srgbClr val="3C4043"/>
+              </a:solidFill>
+              <a:latin typeface="Times New Roman"/>
+              <a:cs typeface="Times New Roman"/>
+            </a:endParaRPr>
+          </a:p>
+        </p:txBody>
+      </p:sp>
+      <p:sp>
+        <p:nvSpPr>
+          <p:cNvPr id="3" name="object 3"/>
+          <p:cNvSpPr txBox="1">
+            <a:spLocks noGrp="1"/>
+          </p:cNvSpPr>
+          <p:nvPr>
+            <p:ph type="body" idx="1"/>
+          </p:nvPr>
+        </p:nvSpPr>
+        <p:spPr>
+          <a:xfrm>
+            <a:off x="1033318" y="2125397"/>
+            <a:ext cx="10126980" cy="3947234"/>
+          </a:xfrm>
+          <a:prstGeom prst="rect">
+            <a:avLst/>
+          </a:prstGeom>
+        </p:spPr>
+        <p:txBody>
+          <a:bodyPr vert="horz" wrap="square" lIns="0" tIns="12700" rIns="0" bIns="0" rtlCol="0">
+            <a:spAutoFit/>
+          </a:bodyPr>
+          <a:lstStyle/>
+          <a:p>
+            <a:pPr marL="706120" indent="-457200">
+              <a:lnSpc>
+                <a:spcPct val="150000"/>
+              </a:lnSpc>
+              <a:spcBef>
+                <a:spcPts val="100"/>
+              </a:spcBef>
+              <a:spcAft>
+                <a:spcPts val="1000"/>
+              </a:spcAft>
+              <a:buAutoNum type="arabicPeriod"/>
+            </a:pPr>
+            <a:r>
+              <a:rPr lang="en-US" sz="1900" dirty="0" smtClean="0">
+                <a:latin typeface="Times New Roman"/>
+                <a:cs typeface="Times New Roman"/>
+              </a:rPr>
+              <a:t>Use of ETL tools in Automation.</a:t>
+            </a:r>
+          </a:p>
+          <a:p>
+            <a:pPr marL="706120" indent="-457200">
+              <a:lnSpc>
+                <a:spcPct val="150000"/>
+              </a:lnSpc>
+              <a:spcBef>
+                <a:spcPts val="100"/>
+              </a:spcBef>
+              <a:spcAft>
+                <a:spcPts val="1000"/>
+              </a:spcAft>
+              <a:buAutoNum type="arabicPeriod"/>
+            </a:pPr>
+            <a:r>
+              <a:rPr lang="en-US" sz="1900" dirty="0" smtClean="0">
+                <a:latin typeface="Times New Roman"/>
+                <a:cs typeface="Times New Roman"/>
+              </a:rPr>
+              <a:t>Most Studies automate the part of ETL process.</a:t>
+            </a:r>
+            <a:endParaRPr lang="en-US" sz="1900" dirty="0">
+              <a:latin typeface="Times New Roman"/>
+              <a:cs typeface="Times New Roman"/>
+            </a:endParaRPr>
+          </a:p>
+          <a:p>
+            <a:pPr marL="706120" indent="-457200">
+              <a:lnSpc>
+                <a:spcPct val="150000"/>
+              </a:lnSpc>
+              <a:spcBef>
+                <a:spcPts val="100"/>
+              </a:spcBef>
+              <a:spcAft>
+                <a:spcPts val="1000"/>
+              </a:spcAft>
+              <a:buAutoNum type="arabicPeriod"/>
+            </a:pPr>
+            <a:r>
+              <a:rPr lang="en-US" sz="1900" dirty="0">
+                <a:latin typeface="Times New Roman"/>
+                <a:cs typeface="Times New Roman"/>
+              </a:rPr>
+              <a:t>Many current solutions (e.g., SSIS, CI/CD pipelines) still require significant manual configuration.</a:t>
+            </a:r>
+            <a:endParaRPr lang="en-US" sz="1900" dirty="0">
+              <a:latin typeface="Times New Roman"/>
+              <a:cs typeface="Times New Roman"/>
+            </a:endParaRPr>
+          </a:p>
+          <a:p>
+            <a:pPr marL="706120" indent="-457200">
+              <a:lnSpc>
+                <a:spcPct val="150000"/>
+              </a:lnSpc>
+              <a:spcBef>
+                <a:spcPts val="100"/>
+              </a:spcBef>
+              <a:spcAft>
+                <a:spcPts val="1000"/>
+              </a:spcAft>
+              <a:buAutoNum type="arabicPeriod"/>
+            </a:pPr>
+            <a:r>
+              <a:rPr lang="en-US" sz="1900" dirty="0">
+                <a:latin typeface="Times New Roman"/>
+                <a:cs typeface="Times New Roman"/>
+              </a:rPr>
+              <a:t>Very few papers address the automation of data type inference directly using ML models</a:t>
+            </a:r>
+            <a:r>
+              <a:rPr lang="en-US" sz="1900" dirty="0" smtClean="0">
+                <a:latin typeface="Times New Roman"/>
+                <a:cs typeface="Times New Roman"/>
+              </a:rPr>
+              <a:t>.</a:t>
+            </a:r>
+          </a:p>
+          <a:p>
+            <a:pPr marL="706120" indent="-457200">
+              <a:lnSpc>
+                <a:spcPct val="150000"/>
+              </a:lnSpc>
+              <a:spcBef>
+                <a:spcPts val="100"/>
+              </a:spcBef>
+              <a:spcAft>
+                <a:spcPts val="1000"/>
+              </a:spcAft>
+              <a:buAutoNum type="arabicPeriod"/>
+            </a:pPr>
+            <a:r>
+              <a:rPr lang="en-US" sz="1900" dirty="0" smtClean="0">
+                <a:latin typeface="Times New Roman"/>
+                <a:cs typeface="Times New Roman"/>
+              </a:rPr>
+              <a:t>Still Rely on Manual intervention.</a:t>
+            </a:r>
+            <a:endParaRPr lang="en-US" sz="1900" dirty="0">
+              <a:latin typeface="Times New Roman"/>
+              <a:cs typeface="Times New Roman"/>
+            </a:endParaRPr>
+          </a:p>
+          <a:p>
+            <a:pPr marL="248920">
+              <a:lnSpc>
+                <a:spcPct val="100000"/>
+              </a:lnSpc>
+              <a:spcBef>
+                <a:spcPts val="100"/>
+              </a:spcBef>
+            </a:pPr>
+            <a:endParaRPr lang="en-US" sz="1900" dirty="0">
+              <a:latin typeface="Times New Roman"/>
+              <a:cs typeface="Times New Roman"/>
+            </a:endParaRPr>
+          </a:p>
+          <a:p>
+            <a:pPr marL="706120" indent="-457200">
+              <a:lnSpc>
+                <a:spcPct val="100000"/>
+              </a:lnSpc>
+              <a:spcBef>
+                <a:spcPts val="100"/>
+              </a:spcBef>
+              <a:buAutoNum type="arabicPeriod"/>
+            </a:pPr>
+            <a:endParaRPr sz="1900" dirty="0">
+              <a:latin typeface="Times New Roman"/>
+              <a:cs typeface="Times New Roman"/>
+            </a:endParaRPr>
+          </a:p>
+        </p:txBody>
+      </p:sp>
+    </p:spTree>
+    <p:extLst>
+      <p:ext uri="{BB962C8B-B14F-4D97-AF65-F5344CB8AC3E}">
+        <p14:creationId xmlns:p14="http://schemas.microsoft.com/office/powerpoint/2010/main" val="2986216784"/>
+      </p:ext>
+    </p:extLst>
+  </p:cSld>
+  <p:clrMapOvr>
+    <a:masterClrMapping/>
+  </p:clrMapOvr>
+  <p:timing>
+    <p:tnLst>
+      <p:par>
+        <p:cTn id="1" dur="indefinite" restart="never" nodeType="tmRoot"/>
+      </p:par>
+    </p:tnLst>
+  </p:timing>
+</p:sld>
+</file>
+
+<file path=ppt/slides/slide7.xml><?xml version="1.0" encoding="utf-8"?>
 <p:sld xmlns:a="http://schemas.openxmlformats.org/drawingml/2006/main" xmlns:r="http://schemas.openxmlformats.org/officeDocument/2006/relationships" xmlns:p="http://schemas.openxmlformats.org/presentationml/2006/main" showMasterSp="0">
   <p:cSld>
     <p:spTree>
@@ -2012,7 +5388,34 @@
           <a:bodyPr wrap="square" lIns="0" tIns="0" rIns="0" bIns="0" rtlCol="0"/>
           <a:lstStyle/>
           <a:p>
-            <a:endParaRPr/>
+            <a:pPr marL="0" marR="0" lvl="0" indent="0" defTabSz="914400" eaLnBrk="1" fontAlgn="auto" latinLnBrk="0" hangingPunct="1">
+              <a:lnSpc>
+                <a:spcPct val="100000"/>
+              </a:lnSpc>
+              <a:spcBef>
+                <a:spcPts val="0"/>
+              </a:spcBef>
+              <a:spcAft>
+                <a:spcPts val="0"/>
+              </a:spcAft>
+              <a:buClrTx/>
+              <a:buSzTx/>
+              <a:buFontTx/>
+              <a:buNone/>
+              <a:tabLst/>
+              <a:defRPr/>
+            </a:pPr>
+            <a:endParaRPr kumimoji="0" sz="1800" b="0" i="0" u="none" strike="noStrike" kern="0" cap="none" spc="0" normalizeH="0" baseline="0" noProof="0">
+              <a:ln>
+                <a:noFill/>
+              </a:ln>
+              <a:solidFill>
+                <a:sysClr val="windowText" lastClr="000000"/>
+              </a:solidFill>
+              <a:effectLst/>
+              <a:uLnTx/>
+              <a:uFillTx/>
+            </a:endParaRPr>
           </a:p>
         </p:txBody>
       </p:sp>
@@ -2029,7 +5432,7 @@
         <p:spPr>
           <a:xfrm>
             <a:off x="716491" y="1779827"/>
-            <a:ext cx="3248025" cy="1068070"/>
+            <a:ext cx="3248025" cy="1075294"/>
           </a:xfrm>
           <a:prstGeom prst="rect">
             <a:avLst/>
@@ -2050,52 +5453,12 @@
               </a:spcBef>
             </a:pPr>
             <a:r>
-              <a:rPr sz="3600" dirty="0">
+              <a:rPr lang="en-US" sz="3600" dirty="0" smtClean="0">
                 <a:solidFill>
                   <a:srgbClr val="FFFFFF"/>
                 </a:solidFill>
               </a:rPr>
-              <a:t>Data</a:t>
-            </a:r>
-            <a:r>
-              <a:rPr sz="3600" spc="-125" dirty="0">
-                <a:solidFill>
-                  <a:srgbClr val="FFFFFF"/>
-                </a:solidFill>
-              </a:rPr>
-              <a:t> </a:t>
-            </a:r>
-            <a:r>
-              <a:rPr sz="3600" dirty="0">
-                <a:solidFill>
-                  <a:srgbClr val="FFFFFF"/>
-                </a:solidFill>
-              </a:rPr>
-              <a:t>analysis</a:t>
-            </a:r>
-            <a:r>
-              <a:rPr sz="3600" spc="-120" dirty="0">
-                <a:solidFill>
-                  <a:srgbClr val="FFFFFF"/>
-                </a:solidFill>
-              </a:rPr>
-              <a:t> </a:t>
-            </a:r>
-            <a:r>
-              <a:rPr sz="3600" spc="-25" dirty="0">
-                <a:solidFill>
-                  <a:srgbClr val="FFFFFF"/>
-                </a:solidFill>
-              </a:rPr>
-              <a:t>and </a:t>
-            </a:r>
-            <a:r>
-              <a:rPr sz="3600" spc="-10" dirty="0">
-                <a:solidFill>
-                  <a:srgbClr val="FFFFFF"/>
-                </a:solidFill>
-              </a:rPr>
-              <a:t>algorithm</a:t>
+              <a:t>Architecture of Methodology</a:t>
             </a:r>
             <a:endParaRPr sz="3600" dirty="0"/>
           </a:p>
@@ -2129,21 +5492,95 @@
           </a:bodyPr>
           <a:lstStyle/>
           <a:p>
-            <a:r>
-              <a:rPr lang="en-US" dirty="0"/>
+            <a:pPr marL="0" marR="0" lvl="0" indent="0" defTabSz="914400" eaLnBrk="1" fontAlgn="auto" latinLnBrk="0" hangingPunct="1">
+              <a:lnSpc>
+                <a:spcPct val="100000"/>
+              </a:lnSpc>
+              <a:spcBef>
+                <a:spcPts val="0"/>
+              </a:spcBef>
+              <a:spcAft>
+                <a:spcPts val="0"/>
+              </a:spcAft>
+              <a:buClrTx/>
+              <a:buSzTx/>
+              <a:buFontTx/>
+              <a:buNone/>
+              <a:tabLst/>
+              <a:defRPr/>
+            </a:pPr>
+            <a:r>
+              <a:rPr kumimoji="0" lang="en-US" sz="1800" b="0" i="0" u="none" strike="noStrike" kern="0" cap="none" spc="0" normalizeH="0" baseline="0" noProof="0" dirty="0">
+                <a:ln>
+                  <a:noFill/>
+                </a:ln>
+                <a:solidFill>
+                  <a:sysClr val="windowText" lastClr="000000"/>
+                </a:solidFill>
+                <a:effectLst/>
+                <a:uLnTx/>
+                <a:uFillTx/>
+              </a:rPr>
               <a:t>Fig</a:t>
             </a:r>
             <a:r>
-              <a:rPr lang="en-US" dirty="0" smtClean="0"/>
+              <a:rPr kumimoji="0" lang="en-US" sz="1800" b="0" i="0" u="none" strike="noStrike" kern="0" cap="none" spc="0" normalizeH="0" baseline="0" noProof="0" dirty="0" smtClean="0">
+                <a:ln>
+                  <a:noFill/>
+                </a:ln>
+                <a:solidFill>
+                  <a:sysClr val="windowText" lastClr="000000"/>
+                </a:solidFill>
+                <a:effectLst/>
+                <a:uLnTx/>
+                <a:uFillTx/>
+              </a:rPr>
               <a:t>: </a:t>
             </a:r>
             <a:r>
-              <a:rPr lang="en-US" dirty="0"/>
+              <a:rPr kumimoji="0" lang="en-US" sz="1800" b="0" i="0" u="none" strike="noStrike" kern="0" cap="none" spc="0" normalizeH="0" baseline="0" noProof="0" dirty="0">
+                <a:ln>
+                  <a:noFill/>
+                </a:ln>
+                <a:solidFill>
+                  <a:sysClr val="windowText" lastClr="000000"/>
+                </a:solidFill>
+                <a:effectLst/>
+                <a:uLnTx/>
+                <a:uFillTx/>
+              </a:rPr>
               <a:t>Methodology architecture for ETL automation</a:t>
             </a:r>
           </a:p>
           <a:p>
-            <a:endParaRPr lang="en-US" dirty="0"/>
+            <a:pPr marL="0" marR="0" lvl="0" indent="0" defTabSz="914400" eaLnBrk="1" fontAlgn="auto" latinLnBrk="0" hangingPunct="1">
+              <a:lnSpc>
+                <a:spcPct val="100000"/>
+              </a:lnSpc>
+              <a:spcBef>
+                <a:spcPts val="0"/>
+              </a:spcBef>
+              <a:spcAft>
+                <a:spcPts val="0"/>
+              </a:spcAft>
+              <a:buClrTx/>
+              <a:buSzTx/>
+              <a:buFontTx/>
+              <a:buNone/>
+              <a:tabLst/>
+              <a:defRPr/>
+            </a:pPr>
+            <a:endParaRPr kumimoji="0" lang="en-US" sz="1800" b="0" i="0" u="none" strike="noStrike" kern="0" cap="none" spc="0" normalizeH="0" baseline="0" noProof="0" dirty="0">
+              <a:ln>
+                <a:noFill/>
+              </a:ln>
+              <a:solidFill>
+                <a:sysClr val="windowText" lastClr="000000"/>
+              </a:solidFill>
+              <a:effectLst/>
+              <a:uLnTx/>
+              <a:uFillTx/>
+            </a:endParaRPr>
           </a:p>
         </p:txBody>
       </p:sp>
@@ -2172,502 +5609,11 @@
         </p:spPr>
       </p:pic>
     </p:spTree>
-  </p:cSld>
-  <p:clrMapOvr>
-    <a:masterClrMapping/>
-  </p:clrMapOvr>
-</p:sld>
-</file>
-
-<file path=ppt/slides/slide12.xml><?xml version="1.0" encoding="utf-8"?>
-<p:sld xmlns:a="http://schemas.openxmlformats.org/drawingml/2006/main" xmlns:r="http://schemas.openxmlformats.org/officeDocument/2006/relationships" xmlns:p="http://schemas.openxmlformats.org/presentationml/2006/main">
-  <p:cSld>
-    <p:spTree>
-      <p:nvGrpSpPr>
-        <p:cNvPr id="1" name=""/>
-        <p:cNvGrpSpPr/>
-        <p:nvPr/>
-      </p:nvGrpSpPr>
-      <p:grpSpPr>
-        <a:xfrm>
-          <a:off x="0" y="0"/>
-          <a:ext cx="0" cy="0"/>
-          <a:chOff x="0" y="0"/>
-          <a:chExt cx="0" cy="0"/>
-        </a:xfrm>
-      </p:grpSpPr>
-      <p:sp>
-        <p:nvSpPr>
-          <p:cNvPr id="2" name="object 2"/>
-          <p:cNvSpPr txBox="1">
-            <a:spLocks noGrp="1"/>
-          </p:cNvSpPr>
-          <p:nvPr>
-            <p:ph type="title"/>
-          </p:nvPr>
-        </p:nvSpPr>
-        <p:spPr>
-          <a:xfrm>
-            <a:off x="2235034" y="2067903"/>
-            <a:ext cx="7505065" cy="1488440"/>
-          </a:xfrm>
-          <a:prstGeom prst="rect">
-            <a:avLst/>
-          </a:prstGeom>
-        </p:spPr>
-        <p:txBody>
-          <a:bodyPr vert="horz" wrap="square" lIns="0" tIns="12700" rIns="0" bIns="0" rtlCol="0">
-            <a:spAutoFit/>
-          </a:bodyPr>
-          <a:lstStyle/>
-          <a:p>
-            <a:pPr marL="12700">
-              <a:lnSpc>
-                <a:spcPct val="100000"/>
-              </a:lnSpc>
-              <a:spcBef>
-                <a:spcPts val="100"/>
-              </a:spcBef>
-            </a:pPr>
-            <a:r>
-              <a:rPr sz="9600" b="1" dirty="0">
-                <a:solidFill>
-                  <a:srgbClr val="000000"/>
-                </a:solidFill>
-                <a:latin typeface="Times New Roman"/>
-                <a:cs typeface="Times New Roman"/>
-              </a:rPr>
-              <a:t>THANK</a:t>
-            </a:r>
-            <a:r>
-              <a:rPr sz="9600" b="1" spc="-50" dirty="0">
-                <a:solidFill>
-                  <a:srgbClr val="000000"/>
-                </a:solidFill>
-                <a:latin typeface="Times New Roman"/>
-                <a:cs typeface="Times New Roman"/>
-              </a:rPr>
-              <a:t> </a:t>
-            </a:r>
-            <a:r>
-              <a:rPr sz="9600" b="1" spc="-25" dirty="0">
-                <a:solidFill>
-                  <a:srgbClr val="000000"/>
-                </a:solidFill>
-                <a:latin typeface="Times New Roman"/>
-                <a:cs typeface="Times New Roman"/>
-              </a:rPr>
-              <a:t>YOU</a:t>
-            </a:r>
-            <a:endParaRPr sz="9600">
-              <a:latin typeface="Times New Roman"/>
-              <a:cs typeface="Times New Roman"/>
-            </a:endParaRPr>
-          </a:p>
-        </p:txBody>
-      </p:sp>
-    </p:spTree>
-  </p:cSld>
-  <p:clrMapOvr>
-    <a:masterClrMapping/>
-  </p:clrMapOvr>
-</p:sld>
-</file>
-
-<file path=ppt/slides/slide2.xml><?xml version="1.0" encoding="utf-8"?>
-<p:sld xmlns:a="http://schemas.openxmlformats.org/drawingml/2006/main" xmlns:r="http://schemas.openxmlformats.org/officeDocument/2006/relationships" xmlns:p="http://schemas.openxmlformats.org/presentationml/2006/main">
-  <p:cSld>
-    <p:spTree>
-      <p:nvGrpSpPr>
-        <p:cNvPr id="1" name=""/>
-        <p:cNvGrpSpPr/>
-        <p:nvPr/>
-      </p:nvGrpSpPr>
-      <p:grpSpPr>
-        <a:xfrm>
-          <a:off x="0" y="0"/>
-          <a:ext cx="0" cy="0"/>
-          <a:chOff x="0" y="0"/>
-          <a:chExt cx="0" cy="0"/>
-        </a:xfrm>
-      </p:grpSpPr>
-      <p:sp>
-        <p:nvSpPr>
-          <p:cNvPr id="2" name="object 2"/>
-          <p:cNvSpPr txBox="1">
-            <a:spLocks noGrp="1"/>
-          </p:cNvSpPr>
-          <p:nvPr>
-            <p:ph type="title"/>
-          </p:nvPr>
-        </p:nvSpPr>
-        <p:spPr>
-          <a:prstGeom prst="rect">
-            <a:avLst/>
-          </a:prstGeom>
-        </p:spPr>
-        <p:txBody>
-          <a:bodyPr vert="horz" wrap="square" lIns="0" tIns="12700" rIns="0" bIns="0" rtlCol="0">
-            <a:spAutoFit/>
-          </a:bodyPr>
-          <a:lstStyle/>
-          <a:p>
-            <a:pPr marL="43180">
-              <a:lnSpc>
-                <a:spcPct val="100000"/>
-              </a:lnSpc>
-              <a:spcBef>
-                <a:spcPts val="100"/>
-              </a:spcBef>
-            </a:pPr>
-            <a:r>
-              <a:rPr spc="-10" dirty="0"/>
-              <a:t>Introduction</a:t>
-            </a:r>
-          </a:p>
-        </p:txBody>
-      </p:sp>
-      <p:sp>
-        <p:nvSpPr>
-          <p:cNvPr id="3" name="object 3"/>
-          <p:cNvSpPr txBox="1"/>
-          <p:nvPr/>
-        </p:nvSpPr>
-        <p:spPr>
-          <a:xfrm>
-            <a:off x="1024292" y="2123949"/>
-            <a:ext cx="10634308" cy="3259867"/>
-          </a:xfrm>
-          <a:prstGeom prst="rect">
-            <a:avLst/>
-          </a:prstGeom>
-        </p:spPr>
-        <p:txBody>
-          <a:bodyPr vert="horz" wrap="square" lIns="0" tIns="12700" rIns="0" bIns="0" rtlCol="0">
-            <a:spAutoFit/>
-          </a:bodyPr>
-          <a:lstStyle/>
-          <a:p>
-            <a:pPr marL="529590" indent="-516890">
-              <a:lnSpc>
-                <a:spcPct val="100000"/>
-              </a:lnSpc>
-              <a:spcBef>
-                <a:spcPts val="100"/>
-              </a:spcBef>
-              <a:buClr>
-                <a:srgbClr val="9BA8B7"/>
-              </a:buClr>
-              <a:buAutoNum type="arabicPeriod"/>
-              <a:tabLst>
-                <a:tab pos="529590" algn="l"/>
-              </a:tabLst>
-            </a:pPr>
-            <a:r>
-              <a:rPr sz="1900" dirty="0">
-                <a:solidFill>
-                  <a:srgbClr val="3E3E3E"/>
-                </a:solidFill>
-                <a:latin typeface="Times New Roman"/>
-                <a:cs typeface="Times New Roman"/>
-              </a:rPr>
-              <a:t>Exponential</a:t>
-            </a:r>
-            <a:r>
-              <a:rPr sz="1900" spc="-30" dirty="0">
-                <a:solidFill>
-                  <a:srgbClr val="3E3E3E"/>
-                </a:solidFill>
-                <a:latin typeface="Times New Roman"/>
-                <a:cs typeface="Times New Roman"/>
-              </a:rPr>
-              <a:t> </a:t>
-            </a:r>
-            <a:r>
-              <a:rPr sz="1900" dirty="0">
-                <a:solidFill>
-                  <a:srgbClr val="3E3E3E"/>
-                </a:solidFill>
-                <a:latin typeface="Times New Roman"/>
-                <a:cs typeface="Times New Roman"/>
-              </a:rPr>
-              <a:t>growth</a:t>
-            </a:r>
-            <a:r>
-              <a:rPr sz="1900" spc="-20" dirty="0">
-                <a:solidFill>
-                  <a:srgbClr val="3E3E3E"/>
-                </a:solidFill>
-                <a:latin typeface="Times New Roman"/>
-                <a:cs typeface="Times New Roman"/>
-              </a:rPr>
-              <a:t> </a:t>
-            </a:r>
-            <a:r>
-              <a:rPr sz="1900" dirty="0">
-                <a:solidFill>
-                  <a:srgbClr val="3E3E3E"/>
-                </a:solidFill>
-                <a:latin typeface="Times New Roman"/>
-                <a:cs typeface="Times New Roman"/>
-              </a:rPr>
-              <a:t>of</a:t>
-            </a:r>
-            <a:r>
-              <a:rPr sz="1900" spc="-25" dirty="0">
-                <a:solidFill>
-                  <a:srgbClr val="3E3E3E"/>
-                </a:solidFill>
-                <a:latin typeface="Times New Roman"/>
-                <a:cs typeface="Times New Roman"/>
-              </a:rPr>
-              <a:t> </a:t>
-            </a:r>
-            <a:r>
-              <a:rPr sz="1900" dirty="0">
-                <a:solidFill>
-                  <a:srgbClr val="3E3E3E"/>
-                </a:solidFill>
-                <a:latin typeface="Times New Roman"/>
-                <a:cs typeface="Times New Roman"/>
-              </a:rPr>
-              <a:t>data</a:t>
-            </a:r>
-            <a:r>
-              <a:rPr sz="1900" spc="-25" dirty="0">
-                <a:solidFill>
-                  <a:srgbClr val="3E3E3E"/>
-                </a:solidFill>
-                <a:latin typeface="Times New Roman"/>
-                <a:cs typeface="Times New Roman"/>
-              </a:rPr>
-              <a:t> </a:t>
-            </a:r>
-            <a:r>
-              <a:rPr sz="1900" dirty="0">
-                <a:solidFill>
-                  <a:srgbClr val="3E3E3E"/>
-                </a:solidFill>
-                <a:latin typeface="Times New Roman"/>
-                <a:cs typeface="Times New Roman"/>
-              </a:rPr>
-              <a:t>in</a:t>
-            </a:r>
-            <a:r>
-              <a:rPr sz="1900" spc="-25" dirty="0">
-                <a:solidFill>
-                  <a:srgbClr val="3E3E3E"/>
-                </a:solidFill>
-                <a:latin typeface="Times New Roman"/>
-                <a:cs typeface="Times New Roman"/>
-              </a:rPr>
-              <a:t> </a:t>
-            </a:r>
-            <a:r>
-              <a:rPr sz="1900" dirty="0">
-                <a:solidFill>
-                  <a:srgbClr val="3E3E3E"/>
-                </a:solidFill>
-                <a:latin typeface="Times New Roman"/>
-                <a:cs typeface="Times New Roman"/>
-              </a:rPr>
-              <a:t>every</a:t>
-            </a:r>
-            <a:r>
-              <a:rPr sz="1900" spc="-20" dirty="0">
-                <a:solidFill>
-                  <a:srgbClr val="3E3E3E"/>
-                </a:solidFill>
-                <a:latin typeface="Times New Roman"/>
-                <a:cs typeface="Times New Roman"/>
-              </a:rPr>
-              <a:t> </a:t>
-            </a:r>
-            <a:r>
-              <a:rPr sz="1900" spc="-10" dirty="0">
-                <a:solidFill>
-                  <a:srgbClr val="3E3E3E"/>
-                </a:solidFill>
-                <a:latin typeface="Times New Roman"/>
-                <a:cs typeface="Times New Roman"/>
-              </a:rPr>
-              <a:t>domain.</a:t>
-            </a:r>
-            <a:endParaRPr sz="1900" dirty="0">
-              <a:latin typeface="Times New Roman"/>
-              <a:cs typeface="Times New Roman"/>
-            </a:endParaRPr>
-          </a:p>
-          <a:p>
-            <a:pPr marL="529590" indent="-516890">
-              <a:lnSpc>
-                <a:spcPct val="100000"/>
-              </a:lnSpc>
-              <a:spcBef>
-                <a:spcPts val="1625"/>
-              </a:spcBef>
-              <a:buClr>
-                <a:srgbClr val="9BA8B7"/>
-              </a:buClr>
-              <a:buAutoNum type="arabicPeriod"/>
-              <a:tabLst>
-                <a:tab pos="529590" algn="l"/>
-              </a:tabLst>
-            </a:pPr>
-            <a:r>
-              <a:rPr lang="en-US" sz="1900" dirty="0">
-                <a:solidFill>
-                  <a:srgbClr val="3E3E3E"/>
-                </a:solidFill>
-                <a:latin typeface="Times New Roman"/>
-                <a:cs typeface="Times New Roman"/>
-              </a:rPr>
-              <a:t>ETL (Extract, Transform, Load) is crucial to generate any meaningful information.</a:t>
-            </a:r>
-            <a:endParaRPr lang="en-US" sz="1900" dirty="0">
-              <a:latin typeface="Times New Roman"/>
-              <a:cs typeface="Times New Roman"/>
-            </a:endParaRPr>
-          </a:p>
-          <a:p>
-            <a:pPr marL="529590" indent="-516890">
-              <a:lnSpc>
-                <a:spcPct val="100000"/>
-              </a:lnSpc>
-              <a:spcBef>
-                <a:spcPts val="1625"/>
-              </a:spcBef>
-              <a:buClr>
-                <a:srgbClr val="9BA8B7"/>
-              </a:buClr>
-              <a:buAutoNum type="arabicPeriod"/>
-              <a:tabLst>
-                <a:tab pos="529590" algn="l"/>
-              </a:tabLst>
-            </a:pPr>
-            <a:r>
-              <a:rPr lang="en-US" sz="1900" dirty="0">
-                <a:solidFill>
-                  <a:srgbClr val="3E3E3E"/>
-                </a:solidFill>
-                <a:latin typeface="Times New Roman"/>
-                <a:cs typeface="Times New Roman"/>
-              </a:rPr>
-              <a:t>Traditional ETL processes require manual intervention.</a:t>
-            </a:r>
-          </a:p>
-          <a:p>
-            <a:pPr marL="529590" indent="-516890">
-              <a:lnSpc>
-                <a:spcPct val="100000"/>
-              </a:lnSpc>
-              <a:spcBef>
-                <a:spcPts val="1625"/>
-              </a:spcBef>
-              <a:buClr>
-                <a:srgbClr val="9BA8B7"/>
-              </a:buClr>
-              <a:buAutoNum type="arabicPeriod"/>
-              <a:tabLst>
-                <a:tab pos="529590" algn="l"/>
-              </a:tabLst>
-            </a:pPr>
-            <a:r>
-              <a:rPr lang="en-US" sz="1900" dirty="0">
-                <a:solidFill>
-                  <a:srgbClr val="3E3E3E"/>
-                </a:solidFill>
-                <a:latin typeface="Times New Roman"/>
-                <a:cs typeface="Times New Roman"/>
-              </a:rPr>
-              <a:t>Leading to various issues and time-consuming process.</a:t>
-            </a:r>
-            <a:endParaRPr lang="en-US" sz="1900" dirty="0">
-              <a:latin typeface="Times New Roman"/>
-              <a:cs typeface="Times New Roman"/>
-            </a:endParaRPr>
-          </a:p>
-          <a:p>
-            <a:pPr marL="529590" indent="-516890">
-              <a:lnSpc>
-                <a:spcPct val="100000"/>
-              </a:lnSpc>
-              <a:spcBef>
-                <a:spcPts val="1630"/>
-              </a:spcBef>
-              <a:buClr>
-                <a:srgbClr val="9BA8B7"/>
-              </a:buClr>
-              <a:buAutoNum type="arabicPeriod"/>
-              <a:tabLst>
-                <a:tab pos="529590" algn="l"/>
-              </a:tabLst>
-            </a:pPr>
-            <a:r>
-              <a:rPr lang="en-US" sz="1900" dirty="0">
-                <a:solidFill>
-                  <a:srgbClr val="3E3E3E"/>
-                </a:solidFill>
-                <a:latin typeface="Times New Roman"/>
-                <a:cs typeface="Times New Roman"/>
-              </a:rPr>
-              <a:t>Python and Machine Learning (ML) can enhance ETL automation.</a:t>
-            </a:r>
-          </a:p>
-          <a:p>
-            <a:pPr marL="529590" indent="-516890">
-              <a:lnSpc>
-                <a:spcPct val="100000"/>
-              </a:lnSpc>
-              <a:spcBef>
-                <a:spcPts val="1630"/>
-              </a:spcBef>
-              <a:buClr>
-                <a:srgbClr val="9BA8B7"/>
-              </a:buClr>
-              <a:buAutoNum type="arabicPeriod"/>
-              <a:tabLst>
-                <a:tab pos="529590" algn="l"/>
-              </a:tabLst>
-            </a:pPr>
-            <a:r>
-              <a:rPr lang="en-US" sz="1800" spc="-20" dirty="0">
-                <a:solidFill>
-                  <a:srgbClr val="3E3E3E"/>
-                </a:solidFill>
-                <a:latin typeface="Roboto"/>
-                <a:cs typeface="Roboto"/>
-              </a:rPr>
-              <a:t>This study focuses on automating schema detection and other meta data .</a:t>
-            </a:r>
-          </a:p>
-          <a:p>
-            <a:pPr marL="529590" indent="-516890">
-              <a:spcBef>
-                <a:spcPts val="1630"/>
-              </a:spcBef>
-              <a:buClr>
-                <a:srgbClr val="9BA8B7"/>
-              </a:buClr>
-              <a:buAutoNum type="arabicPeriod"/>
-              <a:tabLst>
-                <a:tab pos="529590" algn="l"/>
-              </a:tabLst>
-            </a:pPr>
-            <a:r>
-              <a:rPr lang="en-US" spc="-20" dirty="0">
-                <a:solidFill>
-                  <a:srgbClr val="3E3E3E"/>
-                </a:solidFill>
-                <a:latin typeface="Roboto"/>
-                <a:cs typeface="Roboto"/>
-              </a:rPr>
-              <a:t>Reduces human effort and speeds up the ETL process.</a:t>
-            </a:r>
-          </a:p>
-        </p:txBody>
-      </p:sp>
-    </p:spTree>
+    <p:extLst>
+      <p:ext uri="{BB962C8B-B14F-4D97-AF65-F5344CB8AC3E}">
+        <p14:creationId xmlns:p14="http://schemas.microsoft.com/office/powerpoint/2010/main" val="2531722950"/>
+      </p:ext>
+    </p:extLst>
   </p:cSld>
   <p:clrMapOvr>
     <a:masterClrMapping/>
@@ -2682,747 +5628,7 @@
 </p:sld>
 </file>
 
-<file path=ppt/slides/slide3.xml><?xml version="1.0" encoding="utf-8"?>
-<p:sld xmlns:a="http://schemas.openxmlformats.org/drawingml/2006/main" xmlns:r="http://schemas.openxmlformats.org/officeDocument/2006/relationships" xmlns:p="http://schemas.openxmlformats.org/presentationml/2006/main">
-  <p:cSld>
-    <p:spTree>
-      <p:nvGrpSpPr>
-        <p:cNvPr id="1" name=""/>
-        <p:cNvGrpSpPr/>
-        <p:nvPr/>
-      </p:nvGrpSpPr>
-      <p:grpSpPr>
-        <a:xfrm>
-          <a:off x="0" y="0"/>
-          <a:ext cx="0" cy="0"/>
-          <a:chOff x="0" y="0"/>
-          <a:chExt cx="0" cy="0"/>
-        </a:xfrm>
-      </p:grpSpPr>
-      <p:sp>
-        <p:nvSpPr>
-          <p:cNvPr id="2" name="object 2"/>
-          <p:cNvSpPr txBox="1">
-            <a:spLocks noGrp="1"/>
-          </p:cNvSpPr>
-          <p:nvPr>
-            <p:ph type="title"/>
-          </p:nvPr>
-        </p:nvSpPr>
-        <p:spPr>
-          <a:prstGeom prst="rect">
-            <a:avLst/>
-          </a:prstGeom>
-        </p:spPr>
-        <p:txBody>
-          <a:bodyPr vert="horz" wrap="square" lIns="0" tIns="12700" rIns="0" bIns="0" rtlCol="0">
-            <a:spAutoFit/>
-          </a:bodyPr>
-          <a:lstStyle/>
-          <a:p>
-            <a:pPr marL="43180">
-              <a:lnSpc>
-                <a:spcPct val="100000"/>
-              </a:lnSpc>
-              <a:spcBef>
-                <a:spcPts val="100"/>
-              </a:spcBef>
-            </a:pPr>
-            <a:r>
-              <a:rPr lang="en-US" b="1" dirty="0">
-                <a:solidFill>
-                  <a:srgbClr val="3C4043"/>
-                </a:solidFill>
-                <a:latin typeface="Times New Roman"/>
-                <a:cs typeface="Times New Roman"/>
-              </a:rPr>
-              <a:t>Problem statement</a:t>
-            </a:r>
-            <a:endParaRPr b="1" spc="-10" dirty="0">
-              <a:solidFill>
-                <a:srgbClr val="3C4043"/>
-              </a:solidFill>
-              <a:latin typeface="Times New Roman"/>
-              <a:cs typeface="Times New Roman"/>
-            </a:endParaRPr>
-          </a:p>
-        </p:txBody>
-      </p:sp>
-      <p:sp>
-        <p:nvSpPr>
-          <p:cNvPr id="3" name="object 3"/>
-          <p:cNvSpPr txBox="1">
-            <a:spLocks noGrp="1"/>
-          </p:cNvSpPr>
-          <p:nvPr>
-            <p:ph sz="half" idx="2"/>
-          </p:nvPr>
-        </p:nvSpPr>
-        <p:spPr>
-          <a:xfrm>
-            <a:off x="1176018" y="2123949"/>
-            <a:ext cx="10253981" cy="3718967"/>
-          </a:xfrm>
-          <a:prstGeom prst="rect">
-            <a:avLst/>
-          </a:prstGeom>
-        </p:spPr>
-        <p:txBody>
-          <a:bodyPr vert="horz" wrap="square" lIns="0" tIns="12700" rIns="0" bIns="0" rtlCol="0">
-            <a:spAutoFit/>
-          </a:bodyPr>
-          <a:lstStyle/>
-          <a:p>
-            <a:pPr marL="469900" indent="-457200">
-              <a:lnSpc>
-                <a:spcPct val="150000"/>
-              </a:lnSpc>
-              <a:spcAft>
-                <a:spcPts val="1000"/>
-              </a:spcAft>
-              <a:buAutoNum type="arabicPeriod"/>
-            </a:pPr>
-            <a:r>
-              <a:rPr lang="en-US" b="0" spc="-10" dirty="0">
-                <a:latin typeface="Times New Roman"/>
-                <a:cs typeface="Times New Roman"/>
-              </a:rPr>
-              <a:t>ETL Processes uses commercial ETL tools which has high prices.</a:t>
-            </a:r>
-          </a:p>
-          <a:p>
-            <a:pPr marL="469900" indent="-457200">
-              <a:lnSpc>
-                <a:spcPct val="150000"/>
-              </a:lnSpc>
-              <a:spcAft>
-                <a:spcPts val="1000"/>
-              </a:spcAft>
-              <a:buAutoNum type="arabicPeriod"/>
-            </a:pPr>
-            <a:r>
-              <a:rPr lang="en-US" b="0" spc="-10" dirty="0"/>
-              <a:t>High dependency on ETL developers as it requires tool specific knowledge</a:t>
-            </a:r>
-          </a:p>
-          <a:p>
-            <a:pPr marL="469900" indent="-457200">
-              <a:lnSpc>
-                <a:spcPct val="150000"/>
-              </a:lnSpc>
-              <a:spcAft>
-                <a:spcPts val="1000"/>
-              </a:spcAft>
-              <a:buAutoNum type="arabicPeriod"/>
-            </a:pPr>
-            <a:r>
-              <a:rPr lang="en-US" b="0" spc="-10" dirty="0"/>
-              <a:t>Manual data type detection is time-intensive.</a:t>
-            </a:r>
-          </a:p>
-          <a:p>
-            <a:pPr marL="469900" indent="-457200">
-              <a:lnSpc>
-                <a:spcPct val="150000"/>
-              </a:lnSpc>
-              <a:spcAft>
-                <a:spcPts val="1000"/>
-              </a:spcAft>
-              <a:buAutoNum type="arabicPeriod"/>
-            </a:pPr>
-            <a:r>
-              <a:rPr lang="en-US" b="0" spc="-10" dirty="0"/>
-              <a:t>Human Intervention leading to time consuming and error prone process..</a:t>
-            </a:r>
-          </a:p>
-          <a:p>
-            <a:pPr marL="469900" indent="-457200">
-              <a:lnSpc>
-                <a:spcPct val="150000"/>
-              </a:lnSpc>
-              <a:spcAft>
-                <a:spcPts val="1000"/>
-              </a:spcAft>
-              <a:buAutoNum type="arabicPeriod"/>
-            </a:pPr>
-            <a:r>
-              <a:rPr lang="en-US" b="0" spc="-10" dirty="0"/>
-              <a:t>Lack of automation increases operational costs.</a:t>
-            </a:r>
-          </a:p>
-          <a:p>
-            <a:pPr marL="469900" indent="-457200">
-              <a:lnSpc>
-                <a:spcPct val="150000"/>
-              </a:lnSpc>
-              <a:spcAft>
-                <a:spcPts val="1000"/>
-              </a:spcAft>
-              <a:buAutoNum type="arabicPeriod"/>
-            </a:pPr>
-            <a:r>
-              <a:rPr lang="en-US" b="0" spc="-10" dirty="0"/>
-              <a:t>Delayed decision-making due to slow ETL processing.</a:t>
-            </a:r>
-          </a:p>
-          <a:p>
-            <a:pPr marL="469900" indent="-457200">
-              <a:lnSpc>
-                <a:spcPct val="100000"/>
-              </a:lnSpc>
-              <a:spcBef>
-                <a:spcPts val="100"/>
-              </a:spcBef>
-              <a:buAutoNum type="arabicPeriod"/>
-            </a:pPr>
-            <a:endParaRPr lang="en-US" b="0" spc="-10" dirty="0">
-              <a:latin typeface="Times New Roman"/>
-              <a:cs typeface="Times New Roman"/>
-            </a:endParaRPr>
-          </a:p>
-        </p:txBody>
-      </p:sp>
-    </p:spTree>
-  </p:cSld>
-  <p:clrMapOvr>
-    <a:masterClrMapping/>
-  </p:clrMapOvr>
-  <p:timing>
-    <p:tnLst>
-      <p:par>
-        <p:cTn id="1" dur="indefinite" restart="never" nodeType="tmRoot"/>
-      </p:par>
-    </p:tnLst>
-  </p:timing>
-</p:sld>
-</file>
-
-<file path=ppt/slides/slide4.xml><?xml version="1.0" encoding="utf-8"?>
-<p:sld xmlns:a="http://schemas.openxmlformats.org/drawingml/2006/main" xmlns:r="http://schemas.openxmlformats.org/officeDocument/2006/relationships" xmlns:p="http://schemas.openxmlformats.org/presentationml/2006/main">
-  <p:cSld>
-    <p:spTree>
-      <p:nvGrpSpPr>
-        <p:cNvPr id="1" name=""/>
-        <p:cNvGrpSpPr/>
-        <p:nvPr/>
-      </p:nvGrpSpPr>
-      <p:grpSpPr>
-        <a:xfrm>
-          <a:off x="0" y="0"/>
-          <a:ext cx="0" cy="0"/>
-          <a:chOff x="0" y="0"/>
-          <a:chExt cx="0" cy="0"/>
-        </a:xfrm>
-      </p:grpSpPr>
-      <p:sp>
-        <p:nvSpPr>
-          <p:cNvPr id="2" name="object 2"/>
-          <p:cNvSpPr txBox="1">
-            <a:spLocks noGrp="1"/>
-          </p:cNvSpPr>
-          <p:nvPr>
-            <p:ph type="title"/>
-          </p:nvPr>
-        </p:nvSpPr>
-        <p:spPr>
-          <a:prstGeom prst="rect">
-            <a:avLst/>
-          </a:prstGeom>
-        </p:spPr>
-        <p:txBody>
-          <a:bodyPr vert="horz" wrap="square" lIns="0" tIns="12700" rIns="0" bIns="0" rtlCol="0">
-            <a:spAutoFit/>
-          </a:bodyPr>
-          <a:lstStyle/>
-          <a:p>
-            <a:pPr marL="43180">
-              <a:lnSpc>
-                <a:spcPct val="100000"/>
-              </a:lnSpc>
-              <a:spcBef>
-                <a:spcPts val="100"/>
-              </a:spcBef>
-            </a:pPr>
-            <a:r>
-              <a:rPr lang="en-US" b="1" dirty="0">
-                <a:solidFill>
-                  <a:srgbClr val="3C4043"/>
-                </a:solidFill>
-                <a:latin typeface="Times New Roman"/>
-                <a:cs typeface="Times New Roman"/>
-              </a:rPr>
-              <a:t>Objectives</a:t>
-            </a:r>
-            <a:endParaRPr b="1" spc="-10" dirty="0">
-              <a:solidFill>
-                <a:srgbClr val="3C4043"/>
-              </a:solidFill>
-              <a:latin typeface="Times New Roman"/>
-              <a:cs typeface="Times New Roman"/>
-            </a:endParaRPr>
-          </a:p>
-        </p:txBody>
-      </p:sp>
-      <p:sp>
-        <p:nvSpPr>
-          <p:cNvPr id="3" name="object 3"/>
-          <p:cNvSpPr txBox="1">
-            <a:spLocks noGrp="1"/>
-          </p:cNvSpPr>
-          <p:nvPr>
-            <p:ph type="body" idx="1"/>
-          </p:nvPr>
-        </p:nvSpPr>
-        <p:spPr>
-          <a:xfrm>
-            <a:off x="1033318" y="2125397"/>
-            <a:ext cx="10126980" cy="4088299"/>
-          </a:xfrm>
-          <a:prstGeom prst="rect">
-            <a:avLst/>
-          </a:prstGeom>
-        </p:spPr>
-        <p:txBody>
-          <a:bodyPr vert="horz" wrap="square" lIns="0" tIns="12700" rIns="0" bIns="0" rtlCol="0">
-            <a:spAutoFit/>
-          </a:bodyPr>
-          <a:lstStyle/>
-          <a:p>
-            <a:pPr marL="706120" indent="-457200">
-              <a:lnSpc>
-                <a:spcPct val="150000"/>
-              </a:lnSpc>
-              <a:spcBef>
-                <a:spcPts val="100"/>
-              </a:spcBef>
-              <a:spcAft>
-                <a:spcPts val="1000"/>
-              </a:spcAft>
-              <a:buAutoNum type="arabicPeriod"/>
-            </a:pPr>
-            <a:r>
-              <a:rPr lang="en-US" sz="1900" dirty="0">
-                <a:latin typeface="Times New Roman"/>
-                <a:cs typeface="Times New Roman"/>
-              </a:rPr>
-              <a:t>Remove Dependency on ETL Tools for Processing ASCII delimited Files.</a:t>
-            </a:r>
-          </a:p>
-          <a:p>
-            <a:pPr marL="706120" indent="-457200">
-              <a:lnSpc>
-                <a:spcPct val="150000"/>
-              </a:lnSpc>
-              <a:spcBef>
-                <a:spcPts val="100"/>
-              </a:spcBef>
-              <a:spcAft>
-                <a:spcPts val="1000"/>
-              </a:spcAft>
-              <a:buAutoNum type="arabicPeriod"/>
-            </a:pPr>
-            <a:r>
-              <a:rPr lang="en-US" sz="1900" dirty="0">
-                <a:latin typeface="Times New Roman"/>
-                <a:cs typeface="Times New Roman"/>
-              </a:rPr>
-              <a:t>Ensure one can process data up to Sql server without having tools specific knowledge.</a:t>
-            </a:r>
-          </a:p>
-          <a:p>
-            <a:pPr marL="706120" indent="-457200">
-              <a:lnSpc>
-                <a:spcPct val="150000"/>
-              </a:lnSpc>
-              <a:spcBef>
-                <a:spcPts val="100"/>
-              </a:spcBef>
-              <a:spcAft>
-                <a:spcPts val="1000"/>
-              </a:spcAft>
-              <a:buAutoNum type="arabicPeriod"/>
-            </a:pPr>
-            <a:r>
-              <a:rPr lang="en-US" sz="1900" dirty="0">
-                <a:latin typeface="Times New Roman"/>
-                <a:cs typeface="Times New Roman"/>
-              </a:rPr>
-              <a:t>Reduce Manual Intervention in ETL workflows.</a:t>
-            </a:r>
-          </a:p>
-          <a:p>
-            <a:pPr marL="706120" indent="-457200">
-              <a:lnSpc>
-                <a:spcPct val="150000"/>
-              </a:lnSpc>
-              <a:spcBef>
-                <a:spcPts val="100"/>
-              </a:spcBef>
-              <a:spcAft>
-                <a:spcPts val="1000"/>
-              </a:spcAft>
-              <a:buAutoNum type="arabicPeriod"/>
-            </a:pPr>
-            <a:r>
-              <a:rPr lang="en-US" sz="1900" dirty="0">
-                <a:latin typeface="Times New Roman"/>
-                <a:cs typeface="Times New Roman"/>
-              </a:rPr>
-              <a:t>Increase ETL processing speed.</a:t>
-            </a:r>
-          </a:p>
-          <a:p>
-            <a:pPr marL="706120" indent="-457200">
-              <a:lnSpc>
-                <a:spcPct val="150000"/>
-              </a:lnSpc>
-              <a:spcBef>
-                <a:spcPts val="100"/>
-              </a:spcBef>
-              <a:spcAft>
-                <a:spcPts val="1000"/>
-              </a:spcAft>
-              <a:buAutoNum type="arabicPeriod"/>
-            </a:pPr>
-            <a:r>
-              <a:rPr lang="en-US" sz="1900" dirty="0">
-                <a:latin typeface="Times New Roman"/>
-                <a:cs typeface="Times New Roman"/>
-              </a:rPr>
-              <a:t>Implement Python and pandas for efficient data handling.</a:t>
-            </a:r>
-          </a:p>
-          <a:p>
-            <a:pPr marL="706120" indent="-457200">
-              <a:lnSpc>
-                <a:spcPct val="150000"/>
-              </a:lnSpc>
-              <a:spcBef>
-                <a:spcPts val="100"/>
-              </a:spcBef>
-              <a:spcAft>
-                <a:spcPts val="1000"/>
-              </a:spcAft>
-              <a:buAutoNum type="arabicPeriod"/>
-            </a:pPr>
-            <a:r>
-              <a:rPr lang="en-US" sz="1900" dirty="0">
-                <a:latin typeface="Times New Roman"/>
-                <a:cs typeface="Times New Roman"/>
-              </a:rPr>
-              <a:t>Minimize errors and inconsistencies caused due to human interventions in ETL processing.</a:t>
-            </a:r>
-          </a:p>
-          <a:p>
-            <a:pPr marL="248920">
-              <a:lnSpc>
-                <a:spcPct val="100000"/>
-              </a:lnSpc>
-              <a:spcBef>
-                <a:spcPts val="100"/>
-              </a:spcBef>
-            </a:pPr>
-            <a:endParaRPr lang="en-US" sz="1900" dirty="0">
-              <a:latin typeface="Times New Roman"/>
-              <a:cs typeface="Times New Roman"/>
-            </a:endParaRPr>
-          </a:p>
-          <a:p>
-            <a:pPr marL="706120" indent="-457200">
-              <a:lnSpc>
-                <a:spcPct val="100000"/>
-              </a:lnSpc>
-              <a:spcBef>
-                <a:spcPts val="100"/>
-              </a:spcBef>
-              <a:buAutoNum type="arabicPeriod"/>
-            </a:pPr>
-            <a:endParaRPr sz="1900" dirty="0">
-              <a:latin typeface="Times New Roman"/>
-              <a:cs typeface="Times New Roman"/>
-            </a:endParaRPr>
-          </a:p>
-        </p:txBody>
-      </p:sp>
-    </p:spTree>
-  </p:cSld>
-  <p:clrMapOvr>
-    <a:masterClrMapping/>
-  </p:clrMapOvr>
-  <p:timing>
-    <p:tnLst>
-      <p:par>
-        <p:cTn id="1" dur="indefinite" restart="never" nodeType="tmRoot"/>
-      </p:par>
-    </p:tnLst>
-  </p:timing>
-</p:sld>
-</file>
-
-<file path=ppt/slides/slide5.xml><?xml version="1.0" encoding="utf-8"?>
-<p:sld xmlns:a="http://schemas.openxmlformats.org/drawingml/2006/main" xmlns:r="http://schemas.openxmlformats.org/officeDocument/2006/relationships" xmlns:p="http://schemas.openxmlformats.org/presentationml/2006/main">
-  <p:cSld>
-    <p:spTree>
-      <p:nvGrpSpPr>
-        <p:cNvPr id="1" name=""/>
-        <p:cNvGrpSpPr/>
-        <p:nvPr/>
-      </p:nvGrpSpPr>
-      <p:grpSpPr>
-        <a:xfrm>
-          <a:off x="0" y="0"/>
-          <a:ext cx="0" cy="0"/>
-          <a:chOff x="0" y="0"/>
-          <a:chExt cx="0" cy="0"/>
-        </a:xfrm>
-      </p:grpSpPr>
-      <p:sp>
-        <p:nvSpPr>
-          <p:cNvPr id="2" name="object 2"/>
-          <p:cNvSpPr txBox="1">
-            <a:spLocks noGrp="1"/>
-          </p:cNvSpPr>
-          <p:nvPr>
-            <p:ph type="title"/>
-          </p:nvPr>
-        </p:nvSpPr>
-        <p:spPr>
-          <a:prstGeom prst="rect">
-            <a:avLst/>
-          </a:prstGeom>
-        </p:spPr>
-        <p:txBody>
-          <a:bodyPr vert="horz" wrap="square" lIns="0" tIns="120802" rIns="0" bIns="0" rtlCol="0">
-            <a:spAutoFit/>
-          </a:bodyPr>
-          <a:lstStyle/>
-          <a:p>
-            <a:pPr marL="43180">
-              <a:lnSpc>
-                <a:spcPct val="100000"/>
-              </a:lnSpc>
-              <a:spcBef>
-                <a:spcPts val="100"/>
-              </a:spcBef>
-            </a:pPr>
-            <a:r>
-              <a:rPr sz="4000" spc="-10" dirty="0"/>
-              <a:t>Methodology:</a:t>
-            </a:r>
-            <a:r>
-              <a:rPr sz="4000" spc="-114" dirty="0"/>
-              <a:t> </a:t>
-            </a:r>
-            <a:r>
-              <a:rPr sz="4000" dirty="0"/>
-              <a:t>(</a:t>
-            </a:r>
-            <a:r>
-              <a:rPr lang="en-US" sz="4000" dirty="0"/>
-              <a:t>Research Design</a:t>
-            </a:r>
-            <a:r>
-              <a:rPr sz="4000" spc="-10" dirty="0"/>
-              <a:t>)</a:t>
-            </a:r>
-            <a:endParaRPr sz="4000" dirty="0"/>
-          </a:p>
-        </p:txBody>
-      </p:sp>
-      <p:sp>
-        <p:nvSpPr>
-          <p:cNvPr id="3" name="object 3"/>
-          <p:cNvSpPr txBox="1">
-            <a:spLocks noGrp="1"/>
-          </p:cNvSpPr>
-          <p:nvPr>
-            <p:ph type="body" idx="1"/>
-          </p:nvPr>
-        </p:nvSpPr>
-        <p:spPr>
-          <a:xfrm>
-            <a:off x="1033318" y="2125397"/>
-            <a:ext cx="10126980" cy="3064942"/>
-          </a:xfrm>
-          <a:prstGeom prst="rect">
-            <a:avLst/>
-          </a:prstGeom>
-        </p:spPr>
-        <p:txBody>
-          <a:bodyPr vert="horz" wrap="square" lIns="0" tIns="12700" rIns="0" bIns="0" rtlCol="0">
-            <a:spAutoFit/>
-          </a:bodyPr>
-          <a:lstStyle/>
-          <a:p>
-            <a:pPr marL="63500" marR="149860">
-              <a:lnSpc>
-                <a:spcPct val="150000"/>
-              </a:lnSpc>
-              <a:spcBef>
-                <a:spcPts val="100"/>
-              </a:spcBef>
-              <a:spcAft>
-                <a:spcPts val="1000"/>
-              </a:spcAft>
-            </a:pPr>
-            <a:r>
-              <a:rPr lang="en-US" sz="2000" b="1" dirty="0">
-                <a:latin typeface="Times New Roman"/>
-                <a:cs typeface="Times New Roman"/>
-              </a:rPr>
-              <a:t>System Development</a:t>
-            </a:r>
-            <a:r>
-              <a:rPr sz="2000" b="1" dirty="0">
-                <a:latin typeface="Times New Roman"/>
-                <a:cs typeface="Times New Roman"/>
-              </a:rPr>
-              <a:t>:</a:t>
-            </a:r>
-            <a:r>
-              <a:rPr sz="2000" b="1" spc="-10" dirty="0">
-                <a:latin typeface="Times New Roman"/>
-                <a:cs typeface="Times New Roman"/>
-              </a:rPr>
-              <a:t> </a:t>
-            </a:r>
-            <a:r>
-              <a:rPr lang="en-US" sz="2000" dirty="0">
-                <a:latin typeface="Times New Roman"/>
-                <a:cs typeface="Times New Roman"/>
-              </a:rPr>
-              <a:t>This phase involves designing and implementing an ETL automation framework using Python and Pandas with machine learning for schema detection.</a:t>
-            </a:r>
-          </a:p>
-          <a:p>
-            <a:pPr marL="63500" marR="149860">
-              <a:lnSpc>
-                <a:spcPct val="150000"/>
-              </a:lnSpc>
-              <a:spcBef>
-                <a:spcPts val="100"/>
-              </a:spcBef>
-              <a:spcAft>
-                <a:spcPts val="1000"/>
-              </a:spcAft>
-            </a:pPr>
-            <a:r>
-              <a:rPr lang="en-US" sz="2000" b="1" dirty="0">
-                <a:latin typeface="Times New Roman"/>
-                <a:cs typeface="Times New Roman"/>
-              </a:rPr>
-              <a:t>Data Processing</a:t>
-            </a:r>
-            <a:r>
-              <a:rPr sz="2000" b="1" dirty="0">
-                <a:latin typeface="Times New Roman"/>
-                <a:cs typeface="Times New Roman"/>
-              </a:rPr>
-              <a:t>:</a:t>
-            </a:r>
-            <a:r>
-              <a:rPr sz="2000" b="1" spc="-35" dirty="0">
-                <a:latin typeface="Times New Roman"/>
-                <a:cs typeface="Times New Roman"/>
-              </a:rPr>
-              <a:t> </a:t>
-            </a:r>
-            <a:r>
-              <a:rPr lang="en-US" sz="2000" dirty="0">
-                <a:latin typeface="Times New Roman"/>
-                <a:cs typeface="Times New Roman"/>
-              </a:rPr>
-              <a:t>The implemented system extracts raw data, applies </a:t>
-            </a:r>
-            <a:r>
-              <a:rPr lang="en-US" sz="2000" dirty="0" smtClean="0">
-                <a:latin typeface="Times New Roman"/>
-                <a:cs typeface="Times New Roman"/>
-              </a:rPr>
-              <a:t>schema creation </a:t>
-            </a:r>
-            <a:r>
-              <a:rPr lang="en-US" sz="2000" dirty="0">
-                <a:latin typeface="Times New Roman"/>
-                <a:cs typeface="Times New Roman"/>
-              </a:rPr>
-              <a:t>based on the detected data types, and loads structured data into the target system.</a:t>
-            </a:r>
-            <a:r>
-              <a:rPr sz="2000" spc="-20" dirty="0">
-                <a:latin typeface="Times New Roman"/>
-                <a:cs typeface="Times New Roman"/>
-              </a:rPr>
-              <a:t> </a:t>
-            </a:r>
-            <a:endParaRPr lang="en-US" sz="2000" spc="-10" dirty="0">
-              <a:latin typeface="Times New Roman"/>
-              <a:cs typeface="Times New Roman"/>
-            </a:endParaRPr>
-          </a:p>
-          <a:p>
-            <a:pPr marL="63500" marR="149860">
-              <a:lnSpc>
-                <a:spcPct val="150000"/>
-              </a:lnSpc>
-              <a:spcBef>
-                <a:spcPts val="100"/>
-              </a:spcBef>
-              <a:spcAft>
-                <a:spcPts val="1000"/>
-              </a:spcAft>
-            </a:pPr>
-            <a:r>
-              <a:rPr lang="en-US" sz="2000" b="1" dirty="0" smtClean="0">
-                <a:latin typeface="Times New Roman"/>
-                <a:cs typeface="Times New Roman"/>
-              </a:rPr>
-              <a:t>Log File Generation</a:t>
-            </a:r>
-            <a:r>
-              <a:rPr sz="2000" b="1" dirty="0" smtClean="0">
-                <a:latin typeface="Times New Roman"/>
-                <a:cs typeface="Times New Roman"/>
-              </a:rPr>
-              <a:t>:</a:t>
-            </a:r>
-            <a:r>
-              <a:rPr sz="2000" b="1" spc="-30" dirty="0" smtClean="0">
-                <a:latin typeface="Times New Roman"/>
-                <a:cs typeface="Times New Roman"/>
-              </a:rPr>
-              <a:t> </a:t>
-            </a:r>
-            <a:r>
-              <a:rPr lang="en-US" sz="2000" dirty="0" smtClean="0">
-                <a:latin typeface="Times New Roman"/>
-                <a:cs typeface="Times New Roman"/>
-              </a:rPr>
-              <a:t>The Log of each details of Data loading along with error if any is generated.</a:t>
-            </a:r>
-            <a:endParaRPr sz="2000" dirty="0">
-              <a:latin typeface="Times New Roman"/>
-              <a:cs typeface="Times New Roman"/>
-            </a:endParaRPr>
-          </a:p>
-        </p:txBody>
-      </p:sp>
-    </p:spTree>
-  </p:cSld>
-  <p:clrMapOvr>
-    <a:masterClrMapping/>
-  </p:clrMapOvr>
-  <p:timing>
-    <p:tnLst>
-      <p:par>
-        <p:cTn id="1" dur="indefinite" restart="never" nodeType="tmRoot"/>
-      </p:par>
-    </p:tnLst>
-  </p:timing>
-</p:sld>
-</file>
-
-<file path=ppt/slides/slide6.xml><?xml version="1.0" encoding="utf-8"?>
+<file path=ppt/slides/slide8.xml><?xml version="1.0" encoding="utf-8"?>
 <p:sld xmlns:a="http://schemas.openxmlformats.org/drawingml/2006/main" xmlns:r="http://schemas.openxmlformats.org/officeDocument/2006/relationships" xmlns:p="http://schemas.openxmlformats.org/presentationml/2006/main">
   <p:cSld>
     <p:spTree>
@@ -3655,7 +5861,7 @@
 </p:sld>
 </file>
 
-<file path=ppt/slides/slide7.xml><?xml version="1.0" encoding="utf-8"?>
+<file path=ppt/slides/slide9.xml><?xml version="1.0" encoding="utf-8"?>
 <p:sld xmlns:a="http://schemas.openxmlformats.org/drawingml/2006/main" xmlns:r="http://schemas.openxmlformats.org/officeDocument/2006/relationships" xmlns:p="http://schemas.openxmlformats.org/presentationml/2006/main">
   <p:cSld>
     <p:spTree>
@@ -3889,490 +6095,6 @@
         </p:spPr>
       </p:pic>
     </p:spTree>
-  </p:cSld>
-  <p:clrMapOvr>
-    <a:masterClrMapping/>
-  </p:clrMapOvr>
-  <p:timing>
-    <p:tnLst>
-      <p:par>
-        <p:cTn id="1" dur="indefinite" restart="never" nodeType="tmRoot"/>
-      </p:par>
-    </p:tnLst>
-  </p:timing>
-</p:sld>
-</file>
-
-<file path=ppt/slides/slide8.xml><?xml version="1.0" encoding="utf-8"?>
-<p:sld xmlns:a="http://schemas.openxmlformats.org/drawingml/2006/main" xmlns:r="http://schemas.openxmlformats.org/officeDocument/2006/relationships" xmlns:p="http://schemas.openxmlformats.org/presentationml/2006/main">
-  <p:cSld>
-    <p:spTree>
-      <p:nvGrpSpPr>
-        <p:cNvPr id="1" name=""/>
-        <p:cNvGrpSpPr/>
-        <p:nvPr/>
-      </p:nvGrpSpPr>
-      <p:grpSpPr>
-        <a:xfrm>
-          <a:off x="0" y="0"/>
-          <a:ext cx="0" cy="0"/>
-          <a:chOff x="0" y="0"/>
-          <a:chExt cx="0" cy="0"/>
-        </a:xfrm>
-      </p:grpSpPr>
-      <p:sp>
-        <p:nvSpPr>
-          <p:cNvPr id="2" name="object 2"/>
-          <p:cNvSpPr txBox="1">
-            <a:spLocks noGrp="1"/>
-          </p:cNvSpPr>
-          <p:nvPr>
-            <p:ph type="title"/>
-          </p:nvPr>
-        </p:nvSpPr>
-        <p:spPr>
-          <a:prstGeom prst="rect">
-            <a:avLst/>
-          </a:prstGeom>
-        </p:spPr>
-        <p:txBody>
-          <a:bodyPr vert="horz" wrap="square" lIns="0" tIns="120802" rIns="0" bIns="0" rtlCol="0">
-            <a:spAutoFit/>
-          </a:bodyPr>
-          <a:lstStyle/>
-          <a:p>
-            <a:pPr marL="43180">
-              <a:lnSpc>
-                <a:spcPct val="100000"/>
-              </a:lnSpc>
-              <a:spcBef>
-                <a:spcPts val="100"/>
-              </a:spcBef>
-            </a:pPr>
-            <a:r>
-              <a:rPr sz="4000" spc="-10" dirty="0"/>
-              <a:t>Methodology</a:t>
-            </a:r>
-            <a:r>
-              <a:rPr sz="4000" spc="-10" dirty="0" smtClean="0"/>
-              <a:t>:</a:t>
-            </a:r>
-            <a:endParaRPr sz="4000" dirty="0"/>
-          </a:p>
-        </p:txBody>
-      </p:sp>
-      <p:sp>
-        <p:nvSpPr>
-          <p:cNvPr id="3" name="object 3"/>
-          <p:cNvSpPr txBox="1"/>
-          <p:nvPr/>
-        </p:nvSpPr>
-        <p:spPr>
-          <a:xfrm>
-            <a:off x="1084580" y="2092960"/>
-            <a:ext cx="9885045" cy="1379865"/>
-          </a:xfrm>
-          <a:prstGeom prst="rect">
-            <a:avLst/>
-          </a:prstGeom>
-        </p:spPr>
-        <p:txBody>
-          <a:bodyPr vert="horz" wrap="square" lIns="0" tIns="12700" rIns="0" bIns="0" rtlCol="0">
-            <a:spAutoFit/>
-          </a:bodyPr>
-          <a:lstStyle/>
-          <a:p>
-            <a:pPr marL="63500" marR="5080">
-              <a:lnSpc>
-                <a:spcPct val="110000"/>
-              </a:lnSpc>
-              <a:spcBef>
-                <a:spcPts val="1400"/>
-              </a:spcBef>
-            </a:pPr>
-            <a:r>
-              <a:rPr lang="en-US" sz="2000" b="1" dirty="0" smtClean="0">
-                <a:latin typeface="Times New Roman"/>
-                <a:cs typeface="Times New Roman"/>
-              </a:rPr>
-              <a:t>Configuration File Generation:</a:t>
-            </a:r>
-            <a:r>
-              <a:rPr lang="en-US" sz="2000" b="1" spc="-30" dirty="0" smtClean="0">
-                <a:latin typeface="Times New Roman"/>
-                <a:cs typeface="Times New Roman"/>
-              </a:rPr>
-              <a:t> </a:t>
-            </a:r>
-            <a:r>
-              <a:rPr lang="en-US" sz="2000" dirty="0" smtClean="0">
-                <a:latin typeface="Times New Roman"/>
-                <a:cs typeface="Times New Roman"/>
-              </a:rPr>
-              <a:t>Once the data types and other Meta data are identified, a configuration file is generated. This file provides detailed metadata about the dataset, including column names, data types, delimiters, and record separator.</a:t>
-            </a:r>
-          </a:p>
-          <a:p>
-            <a:pPr marL="12700" marR="5080">
-              <a:lnSpc>
-                <a:spcPct val="110000"/>
-              </a:lnSpc>
-              <a:spcBef>
-                <a:spcPts val="100"/>
-              </a:spcBef>
-            </a:pPr>
-            <a:endParaRPr lang="en-US" sz="2000" b="1" dirty="0" smtClean="0">
-              <a:latin typeface="Times New Roman"/>
-              <a:cs typeface="Times New Roman"/>
-            </a:endParaRPr>
-          </a:p>
-        </p:txBody>
-      </p:sp>
-      <p:pic>
-        <p:nvPicPr>
-          <p:cNvPr id="4" name="Picture 3"/>
-          <p:cNvPicPr>
-            <a:picLocks noChangeAspect="1"/>
-          </p:cNvPicPr>
-          <p:nvPr/>
-        </p:nvPicPr>
-        <p:blipFill>
-          <a:blip r:embed="rId2"/>
-          <a:stretch>
-            <a:fillRect/>
-          </a:stretch>
-        </p:blipFill>
-        <p:spPr>
-          <a:xfrm>
-            <a:off x="1139825" y="3200400"/>
-            <a:ext cx="6324600" cy="2478442"/>
-          </a:xfrm>
-          <a:prstGeom prst="rect">
-            <a:avLst/>
-          </a:prstGeom>
-        </p:spPr>
-      </p:pic>
-    </p:spTree>
-    <p:extLst>
-      <p:ext uri="{BB962C8B-B14F-4D97-AF65-F5344CB8AC3E}">
-        <p14:creationId xmlns:p14="http://schemas.microsoft.com/office/powerpoint/2010/main" val="2700111636"/>
-      </p:ext>
-    </p:extLst>
-  </p:cSld>
-  <p:clrMapOvr>
-    <a:masterClrMapping/>
-  </p:clrMapOvr>
-  <p:timing>
-    <p:tnLst>
-      <p:par>
-        <p:cTn id="1" dur="indefinite" restart="never" nodeType="tmRoot"/>
-      </p:par>
-    </p:tnLst>
-  </p:timing>
-</p:sld>
-</file>
-
-<file path=ppt/slides/slide9.xml><?xml version="1.0" encoding="utf-8"?>
-<p:sld xmlns:a="http://schemas.openxmlformats.org/drawingml/2006/main" xmlns:r="http://schemas.openxmlformats.org/officeDocument/2006/relationships" xmlns:p="http://schemas.openxmlformats.org/presentationml/2006/main">
-  <p:cSld>
-    <p:spTree>
-      <p:nvGrpSpPr>
-        <p:cNvPr id="1" name=""/>
-        <p:cNvGrpSpPr/>
-        <p:nvPr/>
-      </p:nvGrpSpPr>
-      <p:grpSpPr>
-        <a:xfrm>
-          <a:off x="0" y="0"/>
-          <a:ext cx="0" cy="0"/>
-          <a:chOff x="0" y="0"/>
-          <a:chExt cx="0" cy="0"/>
-        </a:xfrm>
-      </p:grpSpPr>
-      <p:sp>
-        <p:nvSpPr>
-          <p:cNvPr id="2" name="object 2"/>
-          <p:cNvSpPr txBox="1">
-            <a:spLocks noGrp="1"/>
-          </p:cNvSpPr>
-          <p:nvPr>
-            <p:ph type="title"/>
-          </p:nvPr>
-        </p:nvSpPr>
-        <p:spPr>
-          <a:prstGeom prst="rect">
-            <a:avLst/>
-          </a:prstGeom>
-        </p:spPr>
-        <p:txBody>
-          <a:bodyPr vert="horz" wrap="square" lIns="0" tIns="120802" rIns="0" bIns="0" rtlCol="0">
-            <a:spAutoFit/>
-          </a:bodyPr>
-          <a:lstStyle/>
-          <a:p>
-            <a:pPr marL="43180">
-              <a:lnSpc>
-                <a:spcPct val="100000"/>
-              </a:lnSpc>
-              <a:spcBef>
-                <a:spcPts val="100"/>
-              </a:spcBef>
-            </a:pPr>
-            <a:r>
-              <a:rPr sz="4000" spc="-10" dirty="0"/>
-              <a:t>Methodology</a:t>
-            </a:r>
-            <a:r>
-              <a:rPr sz="4000" spc="-10" dirty="0" smtClean="0"/>
-              <a:t>:</a:t>
-            </a:r>
-            <a:endParaRPr sz="4000" dirty="0"/>
-          </a:p>
-        </p:txBody>
-      </p:sp>
-      <p:sp>
-        <p:nvSpPr>
-          <p:cNvPr id="3" name="object 3"/>
-          <p:cNvSpPr txBox="1"/>
-          <p:nvPr/>
-        </p:nvSpPr>
-        <p:spPr>
-          <a:xfrm>
-            <a:off x="1084580" y="2092960"/>
-            <a:ext cx="9885045" cy="2921313"/>
-          </a:xfrm>
-          <a:prstGeom prst="rect">
-            <a:avLst/>
-          </a:prstGeom>
-        </p:spPr>
-        <p:txBody>
-          <a:bodyPr vert="horz" wrap="square" lIns="0" tIns="12700" rIns="0" bIns="0" rtlCol="0">
-            <a:spAutoFit/>
-          </a:bodyPr>
-          <a:lstStyle/>
-          <a:p>
-            <a:pPr marL="12700" marR="5080">
-              <a:lnSpc>
-                <a:spcPct val="110000"/>
-              </a:lnSpc>
-              <a:spcBef>
-                <a:spcPts val="100"/>
-              </a:spcBef>
-            </a:pPr>
-            <a:r>
-              <a:rPr lang="en-US" sz="2000" b="1" dirty="0" smtClean="0">
-                <a:latin typeface="Times New Roman"/>
-                <a:cs typeface="Times New Roman"/>
-              </a:rPr>
-              <a:t>Human Interaction for Validation: </a:t>
-            </a:r>
-            <a:r>
-              <a:rPr lang="en-US" sz="2000" dirty="0" smtClean="0">
-                <a:latin typeface="Times New Roman"/>
-                <a:cs typeface="Times New Roman"/>
-              </a:rPr>
-              <a:t>A provision is made for human users to review and modify the generated configuration file</a:t>
-            </a:r>
-          </a:p>
-          <a:p>
-            <a:pPr marL="12700" marR="281940">
-              <a:lnSpc>
-                <a:spcPct val="110000"/>
-              </a:lnSpc>
-              <a:spcBef>
-                <a:spcPts val="1400"/>
-              </a:spcBef>
-            </a:pPr>
-            <a:r>
-              <a:rPr lang="en-US" sz="2000" b="1" dirty="0" smtClean="0">
-                <a:solidFill>
-                  <a:srgbClr val="3E3E3E"/>
-                </a:solidFill>
-                <a:latin typeface="Times New Roman"/>
-                <a:cs typeface="Times New Roman"/>
-              </a:rPr>
-              <a:t>Schema Creation</a:t>
-            </a:r>
-            <a:r>
-              <a:rPr sz="2000" b="1" dirty="0" smtClean="0">
-                <a:solidFill>
-                  <a:srgbClr val="3E3E3E"/>
-                </a:solidFill>
-                <a:latin typeface="Times New Roman"/>
-                <a:cs typeface="Times New Roman"/>
-              </a:rPr>
-              <a:t>:</a:t>
-            </a:r>
-            <a:r>
-              <a:rPr sz="2000" b="1" spc="-45" dirty="0" smtClean="0">
-                <a:solidFill>
-                  <a:srgbClr val="3E3E3E"/>
-                </a:solidFill>
-                <a:latin typeface="Times New Roman"/>
-                <a:cs typeface="Times New Roman"/>
-              </a:rPr>
-              <a:t> </a:t>
-            </a:r>
-            <a:r>
-              <a:rPr lang="en-US" sz="2000" dirty="0">
-                <a:solidFill>
-                  <a:srgbClr val="3E3E3E"/>
-                </a:solidFill>
-                <a:latin typeface="Times New Roman"/>
-                <a:cs typeface="Times New Roman"/>
-              </a:rPr>
-              <a:t>Using the instructions from the configuration file, the backend applies all </a:t>
-            </a:r>
-            <a:r>
-              <a:rPr lang="en-US" sz="2000" dirty="0" smtClean="0">
-                <a:solidFill>
-                  <a:srgbClr val="3E3E3E"/>
-                </a:solidFill>
-                <a:latin typeface="Times New Roman"/>
-                <a:cs typeface="Times New Roman"/>
-              </a:rPr>
-              <a:t>schema creation.</a:t>
-            </a:r>
-            <a:endParaRPr lang="en-US" sz="2000" b="1" dirty="0">
-              <a:solidFill>
-                <a:srgbClr val="3E3E3E"/>
-              </a:solidFill>
-              <a:latin typeface="Times New Roman"/>
-              <a:cs typeface="Times New Roman"/>
-            </a:endParaRPr>
-          </a:p>
-          <a:p>
-            <a:pPr marL="12700" marR="281940">
-              <a:lnSpc>
-                <a:spcPct val="110000"/>
-              </a:lnSpc>
-              <a:spcBef>
-                <a:spcPts val="1400"/>
-              </a:spcBef>
-            </a:pPr>
-            <a:r>
-              <a:rPr lang="en-US" sz="2000" b="1" dirty="0" smtClean="0">
-                <a:solidFill>
-                  <a:srgbClr val="3E3E3E"/>
-                </a:solidFill>
-                <a:latin typeface="Times New Roman"/>
-                <a:cs typeface="Times New Roman"/>
-              </a:rPr>
-              <a:t>Data </a:t>
-            </a:r>
-            <a:r>
-              <a:rPr lang="en-US" sz="2000" b="1" dirty="0">
-                <a:solidFill>
-                  <a:srgbClr val="3E3E3E"/>
-                </a:solidFill>
-                <a:latin typeface="Times New Roman"/>
-                <a:cs typeface="Times New Roman"/>
-              </a:rPr>
-              <a:t>Loading</a:t>
-            </a:r>
-            <a:r>
-              <a:rPr sz="2000" b="1" dirty="0">
-                <a:solidFill>
-                  <a:srgbClr val="3E3E3E"/>
-                </a:solidFill>
-                <a:latin typeface="Times New Roman"/>
-                <a:cs typeface="Times New Roman"/>
-              </a:rPr>
-              <a:t>: </a:t>
-            </a:r>
-            <a:r>
-              <a:rPr lang="en-US" sz="2000" dirty="0" smtClean="0">
-                <a:solidFill>
-                  <a:srgbClr val="3E3E3E"/>
-                </a:solidFill>
-                <a:latin typeface="Times New Roman"/>
-                <a:cs typeface="Times New Roman"/>
-              </a:rPr>
-              <a:t>This step </a:t>
-            </a:r>
-            <a:r>
-              <a:rPr lang="en-US" sz="2000" dirty="0">
-                <a:solidFill>
-                  <a:srgbClr val="3E3E3E"/>
-                </a:solidFill>
-                <a:latin typeface="Times New Roman"/>
-                <a:cs typeface="Times New Roman"/>
-              </a:rPr>
-              <a:t>involves loading the transformed data into a SQL Server database</a:t>
-            </a:r>
-            <a:r>
-              <a:rPr sz="2000" spc="-10" dirty="0" smtClean="0">
-                <a:solidFill>
-                  <a:srgbClr val="3E3E3E"/>
-                </a:solidFill>
-                <a:latin typeface="Times New Roman"/>
-                <a:cs typeface="Times New Roman"/>
-              </a:rPr>
-              <a:t>.</a:t>
-            </a:r>
-            <a:endParaRPr lang="en-US" sz="2000" spc="-10" dirty="0" smtClean="0">
-              <a:solidFill>
-                <a:srgbClr val="3E3E3E"/>
-              </a:solidFill>
-              <a:latin typeface="Times New Roman"/>
-              <a:cs typeface="Times New Roman"/>
-            </a:endParaRPr>
-          </a:p>
-          <a:p>
-            <a:pPr marL="12700" marR="281940">
-              <a:lnSpc>
-                <a:spcPct val="110000"/>
-              </a:lnSpc>
-              <a:spcBef>
-                <a:spcPts val="1400"/>
-              </a:spcBef>
-            </a:pPr>
-            <a:r>
-              <a:rPr lang="en-US" sz="2000" b="1" dirty="0" smtClean="0">
-                <a:solidFill>
-                  <a:srgbClr val="3E3E3E"/>
-                </a:solidFill>
-                <a:latin typeface="Times New Roman"/>
-                <a:cs typeface="Times New Roman"/>
-              </a:rPr>
-              <a:t>Log File Generation: </a:t>
-            </a:r>
-            <a:r>
-              <a:rPr lang="en-US" sz="2000" dirty="0">
-                <a:solidFill>
-                  <a:srgbClr val="3E3E3E"/>
-                </a:solidFill>
-                <a:latin typeface="Times New Roman"/>
-                <a:cs typeface="Times New Roman"/>
-              </a:rPr>
-              <a:t>All </a:t>
-            </a:r>
-            <a:r>
-              <a:rPr lang="en-US" sz="2000" dirty="0" smtClean="0">
-                <a:solidFill>
-                  <a:srgbClr val="3E3E3E"/>
-                </a:solidFill>
-                <a:latin typeface="Times New Roman"/>
-                <a:cs typeface="Times New Roman"/>
-              </a:rPr>
-              <a:t>the log of loading files are logged into the log file along with errors if any. </a:t>
-            </a:r>
-            <a:endParaRPr sz="2000" dirty="0">
-              <a:solidFill>
-                <a:srgbClr val="3E3E3E"/>
-              </a:solidFill>
-              <a:latin typeface="Times New Roman"/>
-              <a:cs typeface="Times New Roman"/>
-            </a:endParaRPr>
-          </a:p>
-        </p:txBody>
-      </p:sp>
-    </p:spTree>
-    <p:extLst>
-      <p:ext uri="{BB962C8B-B14F-4D97-AF65-F5344CB8AC3E}">
-        <p14:creationId xmlns:p14="http://schemas.microsoft.com/office/powerpoint/2010/main" val="3935806539"/>
-      </p:ext>
-    </p:extLst>
   </p:cSld>
   <p:clrMapOvr>
     <a:masterClrMapping/>
@@ -4668,4 +6390,265 @@
   <a:objectDefaults/>
   <a:extraClrSchemeLst/>
 </a:theme>
+</file>
+
+<file path=ppt/theme/theme2.xml><?xml version="1.0" encoding="utf-8"?>
+<a:theme xmlns:a="http://schemas.openxmlformats.org/drawingml/2006/main" name="Office Theme">
+  <a:themeElements>
+    <a:clrScheme name="Office">
+      <a:dk1>
+        <a:sysClr val="windowText" lastClr="000000"/>
+      </a:dk1>
+      <a:lt1>
+        <a:sysClr val="window" lastClr="FFFFFF"/>
+      </a:lt1>
+      <a:dk2>
+        <a:srgbClr val="44546A"/>
+      </a:dk2>
+      <a:lt2>
+        <a:srgbClr val="E7E6E6"/>
+      </a:lt2>
+      <a:accent1>
+        <a:srgbClr val="5B9BD5"/>
+      </a:accent1>
+      <a:accent2>
+        <a:srgbClr val="ED7D31"/>
+      </a:accent2>
+      <a:accent3>
+        <a:srgbClr val="A5A5A5"/>
+      </a:accent3>
+      <a:accent4>
+        <a:srgbClr val="FFC000"/>
+      </a:accent4>
+      <a:accent5>
+        <a:srgbClr val="4472C4"/>
+      </a:accent5>
+      <a:accent6>
+        <a:srgbClr val="70AD47"/>
+      </a:accent6>
+      <a:hlink>
+        <a:srgbClr val="0563C1"/>
+      </a:hlink>
+      <a:folHlink>
+        <a:srgbClr val="954F72"/>
+      </a:folHlink>
+    </a:clrScheme>
+    <a:fontScheme name="Office">
+      <a:majorFont>
+        <a:latin typeface="Calibri Light" panose="020F0302020204030204"/>
+        <a:ea typeface=""/>
+        <a:cs typeface=""/>
+        <a:font script="Jpan" typeface="游ゴシック Light"/>
+        <a:font script="Hang" typeface="맑은 고딕"/>
+        <a:font script="Hans" typeface="等线 Light"/>
+        <a:font script="Hant" typeface="新細明體"/>
+        <a:font script="Arab" typeface="Times New Roman"/>
+        <a:font script="Hebr" typeface="Times New Roman"/>
+        <a:font script="Thai" typeface="Angsana New"/>
+        <a:font script="Ethi" typeface="Nyala"/>
+        <a:font script="Beng" typeface="Vrinda"/>
+        <a:font script="Gujr" typeface="Shruti"/>
+        <a:font script="Khmr" typeface="MoolBoran"/>
+        <a:font script="Knda" typeface="Tunga"/>
+        <a:font script="Guru" typeface="Raavi"/>
+        <a:font script="Cans" typeface="Euphemia"/>
+        <a:font script="Cher" typeface="Plantagenet Cherokee"/>
+        <a:font script="Yiii" typeface="Microsoft Yi Baiti"/>
+        <a:font script="Tibt" typeface="Microsoft Himalaya"/>
+        <a:font script="Thaa" typeface="MV Boli"/>
+        <a:font script="Deva" typeface="Mangal"/>
+        <a:font script="Telu" typeface="Gautami"/>
+        <a:font script="Taml" typeface="Latha"/>
+        <a:font script="Syrc" typeface="Estrangelo Edessa"/>
+        <a:font script="Orya" typeface="Kalinga"/>
+        <a:font script="Mlym" typeface="Kartika"/>
+        <a:font script="Laoo" typeface="DokChampa"/>
+        <a:font script="Sinh" typeface="Iskoola Pota"/>
+        <a:font script="Mong" typeface="Mongolian Baiti"/>
+        <a:font script="Viet" typeface="Times New Roman"/>
+        <a:font script="Uigh" typeface="Microsoft Uighur"/>
+        <a:font script="Geor" typeface="Sylfaen"/>
+      </a:majorFont>
+      <a:minorFont>
+        <a:latin typeface="Calibri" panose="020F0502020204030204"/>
+        <a:ea typeface=""/>
+        <a:cs typeface=""/>
+        <a:font script="Jpan" typeface="游ゴシック"/>
+        <a:font script="Hang" typeface="맑은 고딕"/>
+        <a:font script="Hans" typeface="等线"/>
+        <a:font script="Hant" typeface="新細明體"/>
+        <a:font script="Arab" typeface="Arial"/>
+        <a:font script="Hebr" typeface="Arial"/>
+        <a:font script="Thai" typeface="Cordia New"/>
+        <a:font script="Ethi" typeface="Nyala"/>
+        <a:font script="Beng" typeface="Vrinda"/>
+        <a:font script="Gujr" typeface="Shruti"/>
+        <a:font script="Khmr" typeface="DaunPenh"/>
+        <a:font script="Knda" typeface="Tunga"/>
+        <a:font script="Guru" typeface="Raavi"/>
+        <a:font script="Cans" typeface="Euphemia"/>
+        <a:font script="Cher" typeface="Plantagenet Cherokee"/>
+        <a:font script="Yiii" typeface="Microsoft Yi Baiti"/>
+        <a:font script="Tibt" typeface="Microsoft Himalaya"/>
+        <a:font script="Thaa" typeface="MV Boli"/>
+        <a:font script="Deva" typeface="Mangal"/>
+        <a:font script="Telu" typeface="Gautami"/>
+        <a:font script="Taml" typeface="Latha"/>
+        <a:font script="Syrc" typeface="Estrangelo Edessa"/>
+        <a:font script="Orya" typeface="Kalinga"/>
+        <a:font script="Mlym" typeface="Kartika"/>
+        <a:font script="Laoo" typeface="DokChampa"/>
+        <a:font script="Sinh" typeface="Iskoola Pota"/>
+        <a:font script="Mong" typeface="Mongolian Baiti"/>
+        <a:font script="Viet" typeface="Arial"/>
+        <a:font script="Uigh" typeface="Microsoft Uighur"/>
+        <a:font script="Geor" typeface="Sylfaen"/>
+      </a:minorFont>
+    </a:fontScheme>
+    <a:fmtScheme name="Office">
+      <a:fillStyleLst>
+        <a:solidFill>
+          <a:schemeClr val="phClr"/>
+        </a:solidFill>
+        <a:gradFill rotWithShape="1">
+          <a:gsLst>
+            <a:gs pos="0">
+              <a:schemeClr val="phClr">
+                <a:lumMod val="110000"/>
+                <a:satMod val="105000"/>
+                <a:tint val="67000"/>
+              </a:schemeClr>
+            </a:gs>
+            <a:gs pos="50000">
+              <a:schemeClr val="phClr">
+                <a:lumMod val="105000"/>
+                <a:satMod val="103000"/>
+                <a:tint val="73000"/>
+              </a:schemeClr>
+            </a:gs>
+            <a:gs pos="100000">
+              <a:schemeClr val="phClr">
+                <a:lumMod val="105000"/>
+                <a:satMod val="109000"/>
+                <a:tint val="81000"/>
+              </a:schemeClr>
+            </a:gs>
+          </a:gsLst>
+          <a:lin ang="5400000" scaled="0"/>
+        </a:gradFill>
+        <a:gradFill rotWithShape="1">
+          <a:gsLst>
+            <a:gs pos="0">
+              <a:schemeClr val="phClr">
+                <a:satMod val="103000"/>
+                <a:lumMod val="102000"/>
+                <a:tint val="94000"/>
+              </a:schemeClr>
+            </a:gs>
+            <a:gs pos="50000">
+              <a:schemeClr val="phClr">
+                <a:satMod val="110000"/>
+                <a:lumMod val="100000"/>
+                <a:shade val="100000"/>
+              </a:schemeClr>
+            </a:gs>
+            <a:gs pos="100000">
+              <a:schemeClr val="phClr">
+                <a:lumMod val="99000"/>
+                <a:satMod val="120000"/>
+                <a:shade val="78000"/>
+              </a:schemeClr>
+            </a:gs>
+          </a:gsLst>
+          <a:lin ang="5400000" scaled="0"/>
+        </a:gradFill>
+      </a:fillStyleLst>
+      <a:lnStyleLst>
+        <a:ln w="6350" cap="flat" cmpd="sng" algn="ctr">
+          <a:solidFill>
+            <a:schemeClr val="phClr"/>
+          </a:solidFill>
+          <a:prstDash val="solid"/>
+          <a:miter lim="800000"/>
+        </a:ln>
+        <a:ln w="12700" cap="flat" cmpd="sng" algn="ctr">
+          <a:solidFill>
+            <a:schemeClr val="phClr"/>
+          </a:solidFill>
+          <a:prstDash val="solid"/>
+          <a:miter lim="800000"/>
+        </a:ln>
+        <a:ln w="19050" cap="flat" cmpd="sng" algn="ctr">
+          <a:solidFill>
+            <a:schemeClr val="phClr"/>
+          </a:solidFill>
+          <a:prstDash val="solid"/>
+          <a:miter lim="800000"/>
+        </a:ln>
+      </a:lnStyleLst>
+      <a:effectStyleLst>
+        <a:effectStyle>
+          <a:effectLst/>
+        </a:effectStyle>
+        <a:effectStyle>
+          <a:effectLst/>
+        </a:effectStyle>
+        <a:effectStyle>
+          <a:effectLst>
+            <a:outerShdw blurRad="57150" dist="19050" dir="5400000" algn="ctr" rotWithShape="0">
+              <a:srgbClr val="000000">
+                <a:alpha val="63000"/>
+              </a:srgbClr>
+            </a:outerShdw>
+          </a:effectLst>
+        </a:effectStyle>
+      </a:effectStyleLst>
+      <a:bgFillStyleLst>
+        <a:solidFill>
+          <a:schemeClr val="phClr"/>
+        </a:solidFill>
+        <a:solidFill>
+          <a:schemeClr val="phClr">
+            <a:tint val="95000"/>
+            <a:satMod val="170000"/>
+          </a:schemeClr>
+        </a:solidFill>
+        <a:gradFill rotWithShape="1">
+          <a:gsLst>
+            <a:gs pos="0">
+              <a:schemeClr val="phClr">
+                <a:tint val="93000"/>
+                <a:satMod val="150000"/>
+                <a:shade val="98000"/>
+                <a:lumMod val="102000"/>
+              </a:schemeClr>
+            </a:gs>
+            <a:gs pos="50000">
+              <a:schemeClr val="phClr">
+                <a:tint val="98000"/>
+                <a:satMod val="130000"/>
+                <a:shade val="90000"/>
+                <a:lumMod val="103000"/>
+              </a:schemeClr>
+            </a:gs>
+            <a:gs pos="100000">
+              <a:schemeClr val="phClr">
+                <a:shade val="63000"/>
+                <a:satMod val="120000"/>
+              </a:schemeClr>
+            </a:gs>
+          </a:gsLst>
+          <a:lin ang="5400000" scaled="0"/>
+        </a:gradFill>
+      </a:bgFillStyleLst>
+    </a:fmtScheme>
+  </a:themeElements>
+  <a:objectDefaults/>
+  <a:extraClrSchemeLst/>
+  <a:extLst>
+    <a:ext uri="{05A4C25C-085E-4340-85A3-A5531E510DB2}">
+      <thm15:themeFamily xmlns:thm15="http://schemas.microsoft.com/office/thememl/2012/main" name="Office Theme" id="{62F939B6-93AF-4DB8-9C6B-D6C7DFDC589F}" vid="{4A3C46E8-61CC-4603-A589-7422A47A8E4A}"/>
+    </a:ext>
+  </a:extLst>
+</a:theme>
 </file>